--- a/graphs/graphs.pptx
+++ b/graphs/graphs.pptx
@@ -21,6 +21,7 @@
     <p:sldId id="270" r:id="rId15"/>
     <p:sldId id="269" r:id="rId16"/>
     <p:sldId id="271" r:id="rId17"/>
+    <p:sldId id="272" r:id="rId18"/>
   </p:sldIdLst>
   <p:sldSz cx="12192000" cy="6858000"/>
   <p:notesSz cx="6858000" cy="9144000"/>
@@ -274,7 +275,7 @@
           <a:p>
             <a:fld id="{F0C581FB-8A15-4138-AF72-01C2FB61CC8B}" type="datetimeFigureOut">
               <a:rPr lang="en-US" smtClean="0"/>
-              <a:t>1/25/2023</a:t>
+              <a:t>8/21/2023</a:t>
             </a:fld>
             <a:endParaRPr lang="en-US" dirty="0"/>
           </a:p>
@@ -472,7 +473,7 @@
           <a:p>
             <a:fld id="{F0C581FB-8A15-4138-AF72-01C2FB61CC8B}" type="datetimeFigureOut">
               <a:rPr lang="en-US" smtClean="0"/>
-              <a:t>1/25/2023</a:t>
+              <a:t>8/21/2023</a:t>
             </a:fld>
             <a:endParaRPr lang="en-US" dirty="0"/>
           </a:p>
@@ -680,7 +681,7 @@
           <a:p>
             <a:fld id="{F0C581FB-8A15-4138-AF72-01C2FB61CC8B}" type="datetimeFigureOut">
               <a:rPr lang="en-US" smtClean="0"/>
-              <a:t>1/25/2023</a:t>
+              <a:t>8/21/2023</a:t>
             </a:fld>
             <a:endParaRPr lang="en-US" dirty="0"/>
           </a:p>
@@ -878,7 +879,7 @@
           <a:p>
             <a:fld id="{F0C581FB-8A15-4138-AF72-01C2FB61CC8B}" type="datetimeFigureOut">
               <a:rPr lang="en-US" smtClean="0"/>
-              <a:t>1/25/2023</a:t>
+              <a:t>8/21/2023</a:t>
             </a:fld>
             <a:endParaRPr lang="en-US" dirty="0"/>
           </a:p>
@@ -1153,7 +1154,7 @@
           <a:p>
             <a:fld id="{F0C581FB-8A15-4138-AF72-01C2FB61CC8B}" type="datetimeFigureOut">
               <a:rPr lang="en-US" smtClean="0"/>
-              <a:t>1/25/2023</a:t>
+              <a:t>8/21/2023</a:t>
             </a:fld>
             <a:endParaRPr lang="en-US" dirty="0"/>
           </a:p>
@@ -1418,7 +1419,7 @@
           <a:p>
             <a:fld id="{F0C581FB-8A15-4138-AF72-01C2FB61CC8B}" type="datetimeFigureOut">
               <a:rPr lang="en-US" smtClean="0"/>
-              <a:t>1/25/2023</a:t>
+              <a:t>8/21/2023</a:t>
             </a:fld>
             <a:endParaRPr lang="en-US" dirty="0"/>
           </a:p>
@@ -1830,7 +1831,7 @@
           <a:p>
             <a:fld id="{F0C581FB-8A15-4138-AF72-01C2FB61CC8B}" type="datetimeFigureOut">
               <a:rPr lang="en-US" smtClean="0"/>
-              <a:t>1/25/2023</a:t>
+              <a:t>8/21/2023</a:t>
             </a:fld>
             <a:endParaRPr lang="en-US" dirty="0"/>
           </a:p>
@@ -1971,7 +1972,7 @@
           <a:p>
             <a:fld id="{F0C581FB-8A15-4138-AF72-01C2FB61CC8B}" type="datetimeFigureOut">
               <a:rPr lang="en-US" smtClean="0"/>
-              <a:t>1/25/2023</a:t>
+              <a:t>8/21/2023</a:t>
             </a:fld>
             <a:endParaRPr lang="en-US" dirty="0"/>
           </a:p>
@@ -2084,7 +2085,7 @@
           <a:p>
             <a:fld id="{F0C581FB-8A15-4138-AF72-01C2FB61CC8B}" type="datetimeFigureOut">
               <a:rPr lang="en-US" smtClean="0"/>
-              <a:t>1/25/2023</a:t>
+              <a:t>8/21/2023</a:t>
             </a:fld>
             <a:endParaRPr lang="en-US" dirty="0"/>
           </a:p>
@@ -2395,7 +2396,7 @@
           <a:p>
             <a:fld id="{F0C581FB-8A15-4138-AF72-01C2FB61CC8B}" type="datetimeFigureOut">
               <a:rPr lang="en-US" smtClean="0"/>
-              <a:t>1/25/2023</a:t>
+              <a:t>8/21/2023</a:t>
             </a:fld>
             <a:endParaRPr lang="en-US" dirty="0"/>
           </a:p>
@@ -2683,7 +2684,7 @@
           <a:p>
             <a:fld id="{F0C581FB-8A15-4138-AF72-01C2FB61CC8B}" type="datetimeFigureOut">
               <a:rPr lang="en-US" smtClean="0"/>
-              <a:t>1/25/2023</a:t>
+              <a:t>8/21/2023</a:t>
             </a:fld>
             <a:endParaRPr lang="en-US" dirty="0"/>
           </a:p>
@@ -2924,7 +2925,7 @@
           <a:p>
             <a:fld id="{F0C581FB-8A15-4138-AF72-01C2FB61CC8B}" type="datetimeFigureOut">
               <a:rPr lang="en-US" smtClean="0"/>
-              <a:t>1/25/2023</a:t>
+              <a:t>8/21/2023</a:t>
             </a:fld>
             <a:endParaRPr lang="en-US" dirty="0"/>
           </a:p>
@@ -24416,6 +24417,6683 @@
 </p:sld>
 </file>
 
+<file path=ppt/slides/slide17.xml><?xml version="1.0" encoding="utf-8"?>
+<p:sld xmlns:a="http://schemas.openxmlformats.org/drawingml/2006/main" xmlns:r="http://schemas.openxmlformats.org/officeDocument/2006/relationships" xmlns:p="http://schemas.openxmlformats.org/presentationml/2006/main">
+  <p:cSld>
+    <p:spTree>
+      <p:nvGrpSpPr>
+        <p:cNvPr id="1" name=""/>
+        <p:cNvGrpSpPr/>
+        <p:nvPr/>
+      </p:nvGrpSpPr>
+      <p:grpSpPr>
+        <a:xfrm>
+          <a:off x="0" y="0"/>
+          <a:ext cx="0" cy="0"/>
+          <a:chOff x="0" y="0"/>
+          <a:chExt cx="0" cy="0"/>
+        </a:xfrm>
+      </p:grpSpPr>
+      <p:sp>
+        <p:nvSpPr>
+          <p:cNvPr id="4" name="Oval 3">
+            <a:extLst>
+              <a:ext uri="{FF2B5EF4-FFF2-40B4-BE49-F238E27FC236}">
+                <a16:creationId xmlns:a16="http://schemas.microsoft.com/office/drawing/2014/main" id="{BF296D6E-9926-4838-948C-6096AAB1677A}"/>
+              </a:ext>
+            </a:extLst>
+          </p:cNvPr>
+          <p:cNvSpPr/>
+          <p:nvPr/>
+        </p:nvSpPr>
+        <p:spPr>
+          <a:xfrm>
+            <a:off x="660435" y="2172429"/>
+            <a:ext cx="339038" cy="339038"/>
+          </a:xfrm>
+          <a:prstGeom prst="ellipse">
+            <a:avLst/>
+          </a:prstGeom>
+          <a:noFill/>
+          <a:ln>
+            <a:solidFill>
+              <a:schemeClr val="tx1"/>
+            </a:solidFill>
+          </a:ln>
+        </p:spPr>
+        <p:style>
+          <a:lnRef idx="2">
+            <a:schemeClr val="accent1">
+              <a:shade val="50000"/>
+            </a:schemeClr>
+          </a:lnRef>
+          <a:fillRef idx="1">
+            <a:schemeClr val="accent1"/>
+          </a:fillRef>
+          <a:effectRef idx="0">
+            <a:schemeClr val="accent1"/>
+          </a:effectRef>
+          <a:fontRef idx="minor">
+            <a:schemeClr val="lt1"/>
+          </a:fontRef>
+        </p:style>
+        <p:txBody>
+          <a:bodyPr lIns="0" tIns="0" rIns="0" bIns="0" rtlCol="0" anchor="ctr"/>
+          <a:lstStyle/>
+          <a:p>
+            <a:pPr algn="ctr"/>
+            <a:r>
+              <a:rPr lang="en-US" sz="1400" dirty="0">
+                <a:solidFill>
+                  <a:schemeClr val="tx1"/>
+                </a:solidFill>
+              </a:rPr>
+              <a:t>S</a:t>
+            </a:r>
+          </a:p>
+        </p:txBody>
+      </p:sp>
+      <p:sp>
+        <p:nvSpPr>
+          <p:cNvPr id="5" name="Oval 4">
+            <a:extLst>
+              <a:ext uri="{FF2B5EF4-FFF2-40B4-BE49-F238E27FC236}">
+                <a16:creationId xmlns:a16="http://schemas.microsoft.com/office/drawing/2014/main" id="{F95AAEBF-C51B-4110-A242-934926680FF7}"/>
+              </a:ext>
+            </a:extLst>
+          </p:cNvPr>
+          <p:cNvSpPr/>
+          <p:nvPr/>
+        </p:nvSpPr>
+        <p:spPr>
+          <a:xfrm>
+            <a:off x="166159" y="2779520"/>
+            <a:ext cx="339038" cy="339038"/>
+          </a:xfrm>
+          <a:prstGeom prst="ellipse">
+            <a:avLst/>
+          </a:prstGeom>
+          <a:noFill/>
+          <a:ln>
+            <a:solidFill>
+              <a:schemeClr val="tx1"/>
+            </a:solidFill>
+          </a:ln>
+        </p:spPr>
+        <p:style>
+          <a:lnRef idx="2">
+            <a:schemeClr val="accent1">
+              <a:shade val="50000"/>
+            </a:schemeClr>
+          </a:lnRef>
+          <a:fillRef idx="1">
+            <a:schemeClr val="accent1"/>
+          </a:fillRef>
+          <a:effectRef idx="0">
+            <a:schemeClr val="accent1"/>
+          </a:effectRef>
+          <a:fontRef idx="minor">
+            <a:schemeClr val="lt1"/>
+          </a:fontRef>
+        </p:style>
+        <p:txBody>
+          <a:bodyPr lIns="0" tIns="0" rIns="0" bIns="0" rtlCol="0" anchor="ctr"/>
+          <a:lstStyle/>
+          <a:p>
+            <a:pPr algn="ctr"/>
+            <a:r>
+              <a:rPr lang="en-US" sz="1400" dirty="0">
+                <a:solidFill>
+                  <a:schemeClr val="tx1"/>
+                </a:solidFill>
+              </a:rPr>
+              <a:t>S</a:t>
+            </a:r>
+          </a:p>
+        </p:txBody>
+      </p:sp>
+      <p:sp>
+        <p:nvSpPr>
+          <p:cNvPr id="6" name="Oval 5">
+            <a:extLst>
+              <a:ext uri="{FF2B5EF4-FFF2-40B4-BE49-F238E27FC236}">
+                <a16:creationId xmlns:a16="http://schemas.microsoft.com/office/drawing/2014/main" id="{1021F861-9741-4A44-AE68-534B3622CDD3}"/>
+              </a:ext>
+            </a:extLst>
+          </p:cNvPr>
+          <p:cNvSpPr/>
+          <p:nvPr/>
+        </p:nvSpPr>
+        <p:spPr>
+          <a:xfrm>
+            <a:off x="166159" y="3526711"/>
+            <a:ext cx="339038" cy="339038"/>
+          </a:xfrm>
+          <a:prstGeom prst="ellipse">
+            <a:avLst/>
+          </a:prstGeom>
+          <a:noFill/>
+          <a:ln>
+            <a:solidFill>
+              <a:schemeClr val="tx1"/>
+            </a:solidFill>
+          </a:ln>
+        </p:spPr>
+        <p:style>
+          <a:lnRef idx="2">
+            <a:schemeClr val="accent1">
+              <a:shade val="50000"/>
+            </a:schemeClr>
+          </a:lnRef>
+          <a:fillRef idx="1">
+            <a:schemeClr val="accent1"/>
+          </a:fillRef>
+          <a:effectRef idx="0">
+            <a:schemeClr val="accent1"/>
+          </a:effectRef>
+          <a:fontRef idx="minor">
+            <a:schemeClr val="lt1"/>
+          </a:fontRef>
+        </p:style>
+        <p:txBody>
+          <a:bodyPr lIns="0" tIns="0" rIns="0" bIns="0" rtlCol="0" anchor="ctr"/>
+          <a:lstStyle/>
+          <a:p>
+            <a:pPr algn="ctr"/>
+            <a:r>
+              <a:rPr lang="en-US" sz="1400" dirty="0">
+                <a:solidFill>
+                  <a:schemeClr val="tx1"/>
+                </a:solidFill>
+              </a:rPr>
+              <a:t>S</a:t>
+            </a:r>
+          </a:p>
+        </p:txBody>
+      </p:sp>
+      <p:sp>
+        <p:nvSpPr>
+          <p:cNvPr id="7" name="Oval 6">
+            <a:extLst>
+              <a:ext uri="{FF2B5EF4-FFF2-40B4-BE49-F238E27FC236}">
+                <a16:creationId xmlns:a16="http://schemas.microsoft.com/office/drawing/2014/main" id="{AC7A52E8-D408-44BE-AC60-61E09E8B0E01}"/>
+              </a:ext>
+            </a:extLst>
+          </p:cNvPr>
+          <p:cNvSpPr/>
+          <p:nvPr/>
+        </p:nvSpPr>
+        <p:spPr>
+          <a:xfrm>
+            <a:off x="1154710" y="2779520"/>
+            <a:ext cx="339038" cy="339038"/>
+          </a:xfrm>
+          <a:prstGeom prst="ellipse">
+            <a:avLst/>
+          </a:prstGeom>
+          <a:noFill/>
+          <a:ln>
+            <a:solidFill>
+              <a:schemeClr val="tx1"/>
+            </a:solidFill>
+          </a:ln>
+        </p:spPr>
+        <p:style>
+          <a:lnRef idx="2">
+            <a:schemeClr val="accent1">
+              <a:shade val="50000"/>
+            </a:schemeClr>
+          </a:lnRef>
+          <a:fillRef idx="1">
+            <a:schemeClr val="accent1"/>
+          </a:fillRef>
+          <a:effectRef idx="0">
+            <a:schemeClr val="accent1"/>
+          </a:effectRef>
+          <a:fontRef idx="minor">
+            <a:schemeClr val="lt1"/>
+          </a:fontRef>
+        </p:style>
+        <p:txBody>
+          <a:bodyPr lIns="0" tIns="0" rIns="0" bIns="0" rtlCol="0" anchor="ctr"/>
+          <a:lstStyle/>
+          <a:p>
+            <a:pPr algn="ctr"/>
+            <a:r>
+              <a:rPr lang="en-US" sz="1400" dirty="0">
+                <a:solidFill>
+                  <a:srgbClr val="FF0000"/>
+                </a:solidFill>
+              </a:rPr>
+              <a:t>S</a:t>
+            </a:r>
+          </a:p>
+        </p:txBody>
+      </p:sp>
+      <p:sp>
+        <p:nvSpPr>
+          <p:cNvPr id="8" name="Oval 7">
+            <a:extLst>
+              <a:ext uri="{FF2B5EF4-FFF2-40B4-BE49-F238E27FC236}">
+                <a16:creationId xmlns:a16="http://schemas.microsoft.com/office/drawing/2014/main" id="{AFA83866-4577-44DB-ABFF-022E6181B1A1}"/>
+              </a:ext>
+            </a:extLst>
+          </p:cNvPr>
+          <p:cNvSpPr/>
+          <p:nvPr/>
+        </p:nvSpPr>
+        <p:spPr>
+          <a:xfrm>
+            <a:off x="1154710" y="3526711"/>
+            <a:ext cx="339038" cy="339038"/>
+          </a:xfrm>
+          <a:prstGeom prst="ellipse">
+            <a:avLst/>
+          </a:prstGeom>
+          <a:noFill/>
+          <a:ln>
+            <a:solidFill>
+              <a:schemeClr val="tx1"/>
+            </a:solidFill>
+          </a:ln>
+        </p:spPr>
+        <p:style>
+          <a:lnRef idx="2">
+            <a:schemeClr val="accent1">
+              <a:shade val="50000"/>
+            </a:schemeClr>
+          </a:lnRef>
+          <a:fillRef idx="1">
+            <a:schemeClr val="accent1"/>
+          </a:fillRef>
+          <a:effectRef idx="0">
+            <a:schemeClr val="accent1"/>
+          </a:effectRef>
+          <a:fontRef idx="minor">
+            <a:schemeClr val="lt1"/>
+          </a:fontRef>
+        </p:style>
+        <p:txBody>
+          <a:bodyPr lIns="0" tIns="0" rIns="0" bIns="0" rtlCol="0" anchor="ctr"/>
+          <a:lstStyle/>
+          <a:p>
+            <a:pPr algn="ctr"/>
+            <a:r>
+              <a:rPr lang="en-US" sz="1400" dirty="0">
+                <a:solidFill>
+                  <a:schemeClr val="accent6">
+                    <a:lumMod val="75000"/>
+                  </a:schemeClr>
+                </a:solidFill>
+              </a:rPr>
+              <a:t>S</a:t>
+            </a:r>
+          </a:p>
+        </p:txBody>
+      </p:sp>
+      <p:cxnSp>
+        <p:nvCxnSpPr>
+          <p:cNvPr id="10" name="Straight Arrow Connector 9">
+            <a:extLst>
+              <a:ext uri="{FF2B5EF4-FFF2-40B4-BE49-F238E27FC236}">
+                <a16:creationId xmlns:a16="http://schemas.microsoft.com/office/drawing/2014/main" id="{806EC213-BC85-4FEE-9C33-78696439E91B}"/>
+              </a:ext>
+            </a:extLst>
+          </p:cNvPr>
+          <p:cNvCxnSpPr>
+            <a:cxnSpLocks/>
+            <a:stCxn id="4" idx="4"/>
+            <a:endCxn id="8" idx="0"/>
+          </p:cNvCxnSpPr>
+          <p:nvPr/>
+        </p:nvCxnSpPr>
+        <p:spPr>
+          <a:xfrm>
+            <a:off x="829954" y="2511466"/>
+            <a:ext cx="494276" cy="1015245"/>
+          </a:xfrm>
+          <a:prstGeom prst="straightConnector1">
+            <a:avLst/>
+          </a:prstGeom>
+          <a:ln>
+            <a:solidFill>
+              <a:schemeClr val="accent6">
+                <a:lumMod val="75000"/>
+              </a:schemeClr>
+            </a:solidFill>
+            <a:tailEnd type="triangle"/>
+          </a:ln>
+        </p:spPr>
+        <p:style>
+          <a:lnRef idx="1">
+            <a:schemeClr val="accent1"/>
+          </a:lnRef>
+          <a:fillRef idx="0">
+            <a:schemeClr val="accent1"/>
+          </a:fillRef>
+          <a:effectRef idx="0">
+            <a:schemeClr val="accent1"/>
+          </a:effectRef>
+          <a:fontRef idx="minor">
+            <a:schemeClr val="tx1"/>
+          </a:fontRef>
+        </p:style>
+      </p:cxnSp>
+      <p:cxnSp>
+        <p:nvCxnSpPr>
+          <p:cNvPr id="11" name="Straight Arrow Connector 10">
+            <a:extLst>
+              <a:ext uri="{FF2B5EF4-FFF2-40B4-BE49-F238E27FC236}">
+                <a16:creationId xmlns:a16="http://schemas.microsoft.com/office/drawing/2014/main" id="{5EF91330-0680-4DC2-8B2A-ECF7C8296B43}"/>
+              </a:ext>
+            </a:extLst>
+          </p:cNvPr>
+          <p:cNvCxnSpPr>
+            <a:cxnSpLocks/>
+            <a:stCxn id="4" idx="5"/>
+            <a:endCxn id="7" idx="0"/>
+          </p:cNvCxnSpPr>
+          <p:nvPr/>
+        </p:nvCxnSpPr>
+        <p:spPr>
+          <a:xfrm>
+            <a:off x="949822" y="2461815"/>
+            <a:ext cx="374408" cy="317705"/>
+          </a:xfrm>
+          <a:prstGeom prst="straightConnector1">
+            <a:avLst/>
+          </a:prstGeom>
+          <a:ln>
+            <a:solidFill>
+              <a:srgbClr val="FF0000"/>
+            </a:solidFill>
+            <a:tailEnd type="triangle"/>
+          </a:ln>
+        </p:spPr>
+        <p:style>
+          <a:lnRef idx="1">
+            <a:schemeClr val="accent1"/>
+          </a:lnRef>
+          <a:fillRef idx="0">
+            <a:schemeClr val="accent1"/>
+          </a:fillRef>
+          <a:effectRef idx="0">
+            <a:schemeClr val="accent1"/>
+          </a:effectRef>
+          <a:fontRef idx="minor">
+            <a:schemeClr val="tx1"/>
+          </a:fontRef>
+        </p:style>
+      </p:cxnSp>
+      <p:cxnSp>
+        <p:nvCxnSpPr>
+          <p:cNvPr id="15" name="Straight Arrow Connector 14">
+            <a:extLst>
+              <a:ext uri="{FF2B5EF4-FFF2-40B4-BE49-F238E27FC236}">
+                <a16:creationId xmlns:a16="http://schemas.microsoft.com/office/drawing/2014/main" id="{339F9543-0309-44E0-AFBF-8AE64A40C21D}"/>
+              </a:ext>
+            </a:extLst>
+          </p:cNvPr>
+          <p:cNvCxnSpPr>
+            <a:cxnSpLocks/>
+            <a:stCxn id="8" idx="2"/>
+            <a:endCxn id="6" idx="6"/>
+          </p:cNvCxnSpPr>
+          <p:nvPr/>
+        </p:nvCxnSpPr>
+        <p:spPr>
+          <a:xfrm flipH="1">
+            <a:off x="505197" y="3696230"/>
+            <a:ext cx="649514" cy="0"/>
+          </a:xfrm>
+          <a:prstGeom prst="straightConnector1">
+            <a:avLst/>
+          </a:prstGeom>
+          <a:ln>
+            <a:solidFill>
+              <a:schemeClr val="accent6">
+                <a:lumMod val="75000"/>
+              </a:schemeClr>
+            </a:solidFill>
+            <a:tailEnd type="triangle"/>
+          </a:ln>
+        </p:spPr>
+        <p:style>
+          <a:lnRef idx="1">
+            <a:schemeClr val="accent1"/>
+          </a:lnRef>
+          <a:fillRef idx="0">
+            <a:schemeClr val="accent1"/>
+          </a:fillRef>
+          <a:effectRef idx="0">
+            <a:schemeClr val="accent1"/>
+          </a:effectRef>
+          <a:fontRef idx="minor">
+            <a:schemeClr val="tx1"/>
+          </a:fontRef>
+        </p:style>
+      </p:cxnSp>
+      <p:cxnSp>
+        <p:nvCxnSpPr>
+          <p:cNvPr id="18" name="Straight Arrow Connector 17">
+            <a:extLst>
+              <a:ext uri="{FF2B5EF4-FFF2-40B4-BE49-F238E27FC236}">
+                <a16:creationId xmlns:a16="http://schemas.microsoft.com/office/drawing/2014/main" id="{EB333FA3-6425-48C0-927F-43AE5E9D371A}"/>
+              </a:ext>
+            </a:extLst>
+          </p:cNvPr>
+          <p:cNvCxnSpPr>
+            <a:cxnSpLocks/>
+            <a:stCxn id="7" idx="2"/>
+            <a:endCxn id="5" idx="6"/>
+          </p:cNvCxnSpPr>
+          <p:nvPr/>
+        </p:nvCxnSpPr>
+        <p:spPr>
+          <a:xfrm flipH="1">
+            <a:off x="505197" y="2949039"/>
+            <a:ext cx="649514" cy="0"/>
+          </a:xfrm>
+          <a:prstGeom prst="straightConnector1">
+            <a:avLst/>
+          </a:prstGeom>
+          <a:ln>
+            <a:solidFill>
+              <a:srgbClr val="FF0000"/>
+            </a:solidFill>
+            <a:tailEnd type="triangle"/>
+          </a:ln>
+        </p:spPr>
+        <p:style>
+          <a:lnRef idx="1">
+            <a:schemeClr val="accent1"/>
+          </a:lnRef>
+          <a:fillRef idx="0">
+            <a:schemeClr val="accent1"/>
+          </a:fillRef>
+          <a:effectRef idx="0">
+            <a:schemeClr val="accent1"/>
+          </a:effectRef>
+          <a:fontRef idx="minor">
+            <a:schemeClr val="tx1"/>
+          </a:fontRef>
+        </p:style>
+      </p:cxnSp>
+      <p:cxnSp>
+        <p:nvCxnSpPr>
+          <p:cNvPr id="21" name="Straight Arrow Connector 20">
+            <a:extLst>
+              <a:ext uri="{FF2B5EF4-FFF2-40B4-BE49-F238E27FC236}">
+                <a16:creationId xmlns:a16="http://schemas.microsoft.com/office/drawing/2014/main" id="{1043B87F-F32C-4695-96A5-8E7A4B43531D}"/>
+              </a:ext>
+            </a:extLst>
+          </p:cNvPr>
+          <p:cNvCxnSpPr>
+            <a:cxnSpLocks/>
+            <a:stCxn id="7" idx="3"/>
+            <a:endCxn id="6" idx="6"/>
+          </p:cNvCxnSpPr>
+          <p:nvPr/>
+        </p:nvCxnSpPr>
+        <p:spPr>
+          <a:xfrm flipH="1">
+            <a:off x="505197" y="3068907"/>
+            <a:ext cx="699165" cy="627323"/>
+          </a:xfrm>
+          <a:prstGeom prst="straightConnector1">
+            <a:avLst/>
+          </a:prstGeom>
+          <a:ln>
+            <a:solidFill>
+              <a:srgbClr val="FF0000"/>
+            </a:solidFill>
+            <a:tailEnd type="triangle"/>
+          </a:ln>
+        </p:spPr>
+        <p:style>
+          <a:lnRef idx="1">
+            <a:schemeClr val="accent1"/>
+          </a:lnRef>
+          <a:fillRef idx="0">
+            <a:schemeClr val="accent1"/>
+          </a:fillRef>
+          <a:effectRef idx="0">
+            <a:schemeClr val="accent1"/>
+          </a:effectRef>
+          <a:fontRef idx="minor">
+            <a:schemeClr val="tx1"/>
+          </a:fontRef>
+        </p:style>
+      </p:cxnSp>
+      <p:cxnSp>
+        <p:nvCxnSpPr>
+          <p:cNvPr id="24" name="Straight Arrow Connector 23">
+            <a:extLst>
+              <a:ext uri="{FF2B5EF4-FFF2-40B4-BE49-F238E27FC236}">
+                <a16:creationId xmlns:a16="http://schemas.microsoft.com/office/drawing/2014/main" id="{F02C00F6-B029-4F6B-9037-0775860A195C}"/>
+              </a:ext>
+            </a:extLst>
+          </p:cNvPr>
+          <p:cNvCxnSpPr>
+            <a:cxnSpLocks/>
+            <a:stCxn id="8" idx="1"/>
+            <a:endCxn id="5" idx="6"/>
+          </p:cNvCxnSpPr>
+          <p:nvPr/>
+        </p:nvCxnSpPr>
+        <p:spPr>
+          <a:xfrm flipH="1" flipV="1">
+            <a:off x="505197" y="2949039"/>
+            <a:ext cx="699165" cy="627323"/>
+          </a:xfrm>
+          <a:prstGeom prst="straightConnector1">
+            <a:avLst/>
+          </a:prstGeom>
+          <a:ln>
+            <a:solidFill>
+              <a:schemeClr val="accent6">
+                <a:lumMod val="75000"/>
+              </a:schemeClr>
+            </a:solidFill>
+            <a:tailEnd type="triangle"/>
+          </a:ln>
+        </p:spPr>
+        <p:style>
+          <a:lnRef idx="1">
+            <a:schemeClr val="accent1"/>
+          </a:lnRef>
+          <a:fillRef idx="0">
+            <a:schemeClr val="accent1"/>
+          </a:fillRef>
+          <a:effectRef idx="0">
+            <a:schemeClr val="accent1"/>
+          </a:effectRef>
+          <a:fontRef idx="minor">
+            <a:schemeClr val="tx1"/>
+          </a:fontRef>
+        </p:style>
+      </p:cxnSp>
+      <p:cxnSp>
+        <p:nvCxnSpPr>
+          <p:cNvPr id="52" name="Straight Arrow Connector 51">
+            <a:extLst>
+              <a:ext uri="{FF2B5EF4-FFF2-40B4-BE49-F238E27FC236}">
+                <a16:creationId xmlns:a16="http://schemas.microsoft.com/office/drawing/2014/main" id="{E2CD4DAA-88AB-4893-93C4-EFCE3692C751}"/>
+              </a:ext>
+            </a:extLst>
+          </p:cNvPr>
+          <p:cNvCxnSpPr>
+            <a:cxnSpLocks/>
+            <a:stCxn id="5" idx="4"/>
+            <a:endCxn id="6" idx="0"/>
+          </p:cNvCxnSpPr>
+          <p:nvPr/>
+        </p:nvCxnSpPr>
+        <p:spPr>
+          <a:xfrm>
+            <a:off x="335678" y="3118559"/>
+            <a:ext cx="0" cy="408153"/>
+          </a:xfrm>
+          <a:prstGeom prst="straightConnector1">
+            <a:avLst/>
+          </a:prstGeom>
+          <a:ln>
+            <a:solidFill>
+              <a:schemeClr val="tx1"/>
+            </a:solidFill>
+            <a:tailEnd type="triangle"/>
+          </a:ln>
+        </p:spPr>
+        <p:style>
+          <a:lnRef idx="1">
+            <a:schemeClr val="accent1"/>
+          </a:lnRef>
+          <a:fillRef idx="0">
+            <a:schemeClr val="accent1"/>
+          </a:fillRef>
+          <a:effectRef idx="0">
+            <a:schemeClr val="accent1"/>
+          </a:effectRef>
+          <a:fontRef idx="minor">
+            <a:schemeClr val="tx1"/>
+          </a:fontRef>
+        </p:style>
+      </p:cxnSp>
+      <p:sp>
+        <p:nvSpPr>
+          <p:cNvPr id="62" name="Rectangle: Rounded Corners 61">
+            <a:extLst>
+              <a:ext uri="{FF2B5EF4-FFF2-40B4-BE49-F238E27FC236}">
+                <a16:creationId xmlns:a16="http://schemas.microsoft.com/office/drawing/2014/main" id="{033D8F9D-A0AA-4A4E-B8B6-63CC67C29435}"/>
+              </a:ext>
+            </a:extLst>
+          </p:cNvPr>
+          <p:cNvSpPr/>
+          <p:nvPr/>
+        </p:nvSpPr>
+        <p:spPr>
+          <a:xfrm>
+            <a:off x="1913868" y="1964910"/>
+            <a:ext cx="308216" cy="1968259"/>
+          </a:xfrm>
+          <a:prstGeom prst="roundRect">
+            <a:avLst/>
+          </a:prstGeom>
+          <a:solidFill>
+            <a:schemeClr val="accent2">
+              <a:lumMod val="20000"/>
+              <a:lumOff val="80000"/>
+            </a:schemeClr>
+          </a:solidFill>
+          <a:ln>
+            <a:solidFill>
+              <a:schemeClr val="accent2">
+                <a:lumMod val="75000"/>
+              </a:schemeClr>
+            </a:solidFill>
+          </a:ln>
+        </p:spPr>
+        <p:style>
+          <a:lnRef idx="2">
+            <a:schemeClr val="accent1">
+              <a:shade val="50000"/>
+            </a:schemeClr>
+          </a:lnRef>
+          <a:fillRef idx="1">
+            <a:schemeClr val="accent1"/>
+          </a:fillRef>
+          <a:effectRef idx="0">
+            <a:schemeClr val="accent1"/>
+          </a:effectRef>
+          <a:fontRef idx="minor">
+            <a:schemeClr val="lt1"/>
+          </a:fontRef>
+        </p:style>
+        <p:txBody>
+          <a:bodyPr rtlCol="0" anchor="ctr"/>
+          <a:lstStyle/>
+          <a:p>
+            <a:pPr algn="ctr"/>
+            <a:endParaRPr lang="en-US" sz="1400" dirty="0"/>
+          </a:p>
+        </p:txBody>
+      </p:sp>
+      <p:sp>
+        <p:nvSpPr>
+          <p:cNvPr id="63" name="Oval 62">
+            <a:extLst>
+              <a:ext uri="{FF2B5EF4-FFF2-40B4-BE49-F238E27FC236}">
+                <a16:creationId xmlns:a16="http://schemas.microsoft.com/office/drawing/2014/main" id="{2EAA54F9-F9A5-4951-A17F-DF98279B0F1C}"/>
+              </a:ext>
+            </a:extLst>
+          </p:cNvPr>
+          <p:cNvSpPr/>
+          <p:nvPr/>
+        </p:nvSpPr>
+        <p:spPr>
+          <a:xfrm>
+            <a:off x="3177627" y="2172429"/>
+            <a:ext cx="339038" cy="339038"/>
+          </a:xfrm>
+          <a:prstGeom prst="ellipse">
+            <a:avLst/>
+          </a:prstGeom>
+          <a:noFill/>
+          <a:ln>
+            <a:solidFill>
+              <a:schemeClr val="tx1"/>
+            </a:solidFill>
+          </a:ln>
+        </p:spPr>
+        <p:style>
+          <a:lnRef idx="2">
+            <a:schemeClr val="accent1">
+              <a:shade val="50000"/>
+            </a:schemeClr>
+          </a:lnRef>
+          <a:fillRef idx="1">
+            <a:schemeClr val="accent1"/>
+          </a:fillRef>
+          <a:effectRef idx="0">
+            <a:schemeClr val="accent1"/>
+          </a:effectRef>
+          <a:fontRef idx="minor">
+            <a:schemeClr val="lt1"/>
+          </a:fontRef>
+        </p:style>
+        <p:txBody>
+          <a:bodyPr lIns="0" tIns="0" rIns="0" bIns="0" rtlCol="0" anchor="ctr"/>
+          <a:lstStyle/>
+          <a:p>
+            <a:pPr algn="ctr"/>
+            <a:endParaRPr lang="en-US" sz="1400" dirty="0">
+              <a:solidFill>
+                <a:schemeClr val="tx1"/>
+              </a:solidFill>
+              <a:latin typeface="Century Schoolbook" panose="02040604050505020304" pitchFamily="18" charset="0"/>
+            </a:endParaRPr>
+          </a:p>
+        </p:txBody>
+      </p:sp>
+      <p:sp>
+        <p:nvSpPr>
+          <p:cNvPr id="64" name="Oval 63">
+            <a:extLst>
+              <a:ext uri="{FF2B5EF4-FFF2-40B4-BE49-F238E27FC236}">
+                <a16:creationId xmlns:a16="http://schemas.microsoft.com/office/drawing/2014/main" id="{859CE233-287C-4461-8E7D-282AF9266953}"/>
+              </a:ext>
+            </a:extLst>
+          </p:cNvPr>
+          <p:cNvSpPr/>
+          <p:nvPr/>
+        </p:nvSpPr>
+        <p:spPr>
+          <a:xfrm>
+            <a:off x="2683351" y="2779520"/>
+            <a:ext cx="339038" cy="339038"/>
+          </a:xfrm>
+          <a:prstGeom prst="ellipse">
+            <a:avLst/>
+          </a:prstGeom>
+          <a:noFill/>
+          <a:ln>
+            <a:solidFill>
+              <a:schemeClr val="tx1"/>
+            </a:solidFill>
+          </a:ln>
+        </p:spPr>
+        <p:style>
+          <a:lnRef idx="2">
+            <a:schemeClr val="accent1">
+              <a:shade val="50000"/>
+            </a:schemeClr>
+          </a:lnRef>
+          <a:fillRef idx="1">
+            <a:schemeClr val="accent1"/>
+          </a:fillRef>
+          <a:effectRef idx="0">
+            <a:schemeClr val="accent1"/>
+          </a:effectRef>
+          <a:fontRef idx="minor">
+            <a:schemeClr val="lt1"/>
+          </a:fontRef>
+        </p:style>
+        <p:txBody>
+          <a:bodyPr lIns="0" tIns="0" rIns="0" bIns="0" rtlCol="0" anchor="ctr"/>
+          <a:lstStyle/>
+          <a:p>
+            <a:pPr algn="ctr"/>
+            <a:endParaRPr lang="en-US" sz="1400" dirty="0">
+              <a:solidFill>
+                <a:schemeClr val="tx1"/>
+              </a:solidFill>
+            </a:endParaRPr>
+          </a:p>
+        </p:txBody>
+      </p:sp>
+      <p:sp>
+        <p:nvSpPr>
+          <p:cNvPr id="65" name="Oval 64">
+            <a:extLst>
+              <a:ext uri="{FF2B5EF4-FFF2-40B4-BE49-F238E27FC236}">
+                <a16:creationId xmlns:a16="http://schemas.microsoft.com/office/drawing/2014/main" id="{E1077FFE-AC39-4DBC-AA22-355035FF021F}"/>
+              </a:ext>
+            </a:extLst>
+          </p:cNvPr>
+          <p:cNvSpPr/>
+          <p:nvPr/>
+        </p:nvSpPr>
+        <p:spPr>
+          <a:xfrm>
+            <a:off x="2683351" y="3526711"/>
+            <a:ext cx="339038" cy="339038"/>
+          </a:xfrm>
+          <a:prstGeom prst="ellipse">
+            <a:avLst/>
+          </a:prstGeom>
+          <a:noFill/>
+          <a:ln>
+            <a:solidFill>
+              <a:schemeClr val="tx1"/>
+            </a:solidFill>
+          </a:ln>
+        </p:spPr>
+        <p:style>
+          <a:lnRef idx="2">
+            <a:schemeClr val="accent1">
+              <a:shade val="50000"/>
+            </a:schemeClr>
+          </a:lnRef>
+          <a:fillRef idx="1">
+            <a:schemeClr val="accent1"/>
+          </a:fillRef>
+          <a:effectRef idx="0">
+            <a:schemeClr val="accent1"/>
+          </a:effectRef>
+          <a:fontRef idx="minor">
+            <a:schemeClr val="lt1"/>
+          </a:fontRef>
+        </p:style>
+        <p:txBody>
+          <a:bodyPr lIns="0" tIns="0" rIns="0" bIns="0" rtlCol="0" anchor="ctr"/>
+          <a:lstStyle/>
+          <a:p>
+            <a:pPr algn="ctr"/>
+            <a:endParaRPr lang="en-US" sz="1400" dirty="0">
+              <a:solidFill>
+                <a:schemeClr val="tx1"/>
+              </a:solidFill>
+            </a:endParaRPr>
+          </a:p>
+        </p:txBody>
+      </p:sp>
+      <p:sp>
+        <p:nvSpPr>
+          <p:cNvPr id="66" name="Oval 65">
+            <a:extLst>
+              <a:ext uri="{FF2B5EF4-FFF2-40B4-BE49-F238E27FC236}">
+                <a16:creationId xmlns:a16="http://schemas.microsoft.com/office/drawing/2014/main" id="{32F6015F-8D8F-470A-AF65-3AD555CEF520}"/>
+              </a:ext>
+            </a:extLst>
+          </p:cNvPr>
+          <p:cNvSpPr/>
+          <p:nvPr/>
+        </p:nvSpPr>
+        <p:spPr>
+          <a:xfrm>
+            <a:off x="3671903" y="2779520"/>
+            <a:ext cx="339038" cy="339038"/>
+          </a:xfrm>
+          <a:prstGeom prst="ellipse">
+            <a:avLst/>
+          </a:prstGeom>
+          <a:noFill/>
+          <a:ln>
+            <a:solidFill>
+              <a:schemeClr val="tx1"/>
+            </a:solidFill>
+          </a:ln>
+        </p:spPr>
+        <p:style>
+          <a:lnRef idx="2">
+            <a:schemeClr val="accent1">
+              <a:shade val="50000"/>
+            </a:schemeClr>
+          </a:lnRef>
+          <a:fillRef idx="1">
+            <a:schemeClr val="accent1"/>
+          </a:fillRef>
+          <a:effectRef idx="0">
+            <a:schemeClr val="accent1"/>
+          </a:effectRef>
+          <a:fontRef idx="minor">
+            <a:schemeClr val="lt1"/>
+          </a:fontRef>
+        </p:style>
+        <p:txBody>
+          <a:bodyPr lIns="0" tIns="0" rIns="0" bIns="0" rtlCol="0" anchor="ctr"/>
+          <a:lstStyle/>
+          <a:p>
+            <a:pPr algn="ctr"/>
+            <a:endParaRPr lang="en-US" sz="1400" dirty="0">
+              <a:solidFill>
+                <a:srgbClr val="FF0000"/>
+              </a:solidFill>
+            </a:endParaRPr>
+          </a:p>
+        </p:txBody>
+      </p:sp>
+      <p:sp>
+        <p:nvSpPr>
+          <p:cNvPr id="67" name="Oval 66">
+            <a:extLst>
+              <a:ext uri="{FF2B5EF4-FFF2-40B4-BE49-F238E27FC236}">
+                <a16:creationId xmlns:a16="http://schemas.microsoft.com/office/drawing/2014/main" id="{74937A28-E0BF-40B1-964C-AAABACEFCC8B}"/>
+              </a:ext>
+            </a:extLst>
+          </p:cNvPr>
+          <p:cNvSpPr/>
+          <p:nvPr/>
+        </p:nvSpPr>
+        <p:spPr>
+          <a:xfrm>
+            <a:off x="3671903" y="3526711"/>
+            <a:ext cx="339038" cy="339038"/>
+          </a:xfrm>
+          <a:prstGeom prst="ellipse">
+            <a:avLst/>
+          </a:prstGeom>
+          <a:noFill/>
+          <a:ln>
+            <a:solidFill>
+              <a:schemeClr val="tx1"/>
+            </a:solidFill>
+          </a:ln>
+        </p:spPr>
+        <p:style>
+          <a:lnRef idx="2">
+            <a:schemeClr val="accent1">
+              <a:shade val="50000"/>
+            </a:schemeClr>
+          </a:lnRef>
+          <a:fillRef idx="1">
+            <a:schemeClr val="accent1"/>
+          </a:fillRef>
+          <a:effectRef idx="0">
+            <a:schemeClr val="accent1"/>
+          </a:effectRef>
+          <a:fontRef idx="minor">
+            <a:schemeClr val="lt1"/>
+          </a:fontRef>
+        </p:style>
+        <p:txBody>
+          <a:bodyPr lIns="0" tIns="0" rIns="0" bIns="0" rtlCol="0" anchor="ctr"/>
+          <a:lstStyle/>
+          <a:p>
+            <a:pPr algn="ctr"/>
+            <a:endParaRPr lang="en-US" sz="1400" dirty="0">
+              <a:solidFill>
+                <a:schemeClr val="accent6">
+                  <a:lumMod val="75000"/>
+                </a:schemeClr>
+              </a:solidFill>
+            </a:endParaRPr>
+          </a:p>
+        </p:txBody>
+      </p:sp>
+      <p:cxnSp>
+        <p:nvCxnSpPr>
+          <p:cNvPr id="68" name="Straight Arrow Connector 67">
+            <a:extLst>
+              <a:ext uri="{FF2B5EF4-FFF2-40B4-BE49-F238E27FC236}">
+                <a16:creationId xmlns:a16="http://schemas.microsoft.com/office/drawing/2014/main" id="{E090B557-26B5-4814-B3B3-063BE2E4A09A}"/>
+              </a:ext>
+            </a:extLst>
+          </p:cNvPr>
+          <p:cNvCxnSpPr>
+            <a:cxnSpLocks/>
+            <a:stCxn id="63" idx="4"/>
+            <a:endCxn id="67" idx="0"/>
+          </p:cNvCxnSpPr>
+          <p:nvPr/>
+        </p:nvCxnSpPr>
+        <p:spPr>
+          <a:xfrm>
+            <a:off x="3347146" y="2511466"/>
+            <a:ext cx="494276" cy="1015245"/>
+          </a:xfrm>
+          <a:prstGeom prst="straightConnector1">
+            <a:avLst/>
+          </a:prstGeom>
+          <a:ln>
+            <a:solidFill>
+              <a:schemeClr val="accent6">
+                <a:lumMod val="75000"/>
+              </a:schemeClr>
+            </a:solidFill>
+            <a:tailEnd type="triangle"/>
+          </a:ln>
+        </p:spPr>
+        <p:style>
+          <a:lnRef idx="1">
+            <a:schemeClr val="accent1"/>
+          </a:lnRef>
+          <a:fillRef idx="0">
+            <a:schemeClr val="accent1"/>
+          </a:fillRef>
+          <a:effectRef idx="0">
+            <a:schemeClr val="accent1"/>
+          </a:effectRef>
+          <a:fontRef idx="minor">
+            <a:schemeClr val="tx1"/>
+          </a:fontRef>
+        </p:style>
+      </p:cxnSp>
+      <p:cxnSp>
+        <p:nvCxnSpPr>
+          <p:cNvPr id="69" name="Straight Arrow Connector 68">
+            <a:extLst>
+              <a:ext uri="{FF2B5EF4-FFF2-40B4-BE49-F238E27FC236}">
+                <a16:creationId xmlns:a16="http://schemas.microsoft.com/office/drawing/2014/main" id="{ABF82C2E-1C71-41EC-A9C9-A4A75C62EDFC}"/>
+              </a:ext>
+            </a:extLst>
+          </p:cNvPr>
+          <p:cNvCxnSpPr>
+            <a:cxnSpLocks/>
+            <a:stCxn id="63" idx="5"/>
+            <a:endCxn id="66" idx="0"/>
+          </p:cNvCxnSpPr>
+          <p:nvPr/>
+        </p:nvCxnSpPr>
+        <p:spPr>
+          <a:xfrm>
+            <a:off x="3467014" y="2461815"/>
+            <a:ext cx="374408" cy="317705"/>
+          </a:xfrm>
+          <a:prstGeom prst="straightConnector1">
+            <a:avLst/>
+          </a:prstGeom>
+          <a:ln>
+            <a:solidFill>
+              <a:srgbClr val="FF0000"/>
+            </a:solidFill>
+            <a:tailEnd type="triangle"/>
+          </a:ln>
+        </p:spPr>
+        <p:style>
+          <a:lnRef idx="1">
+            <a:schemeClr val="accent1"/>
+          </a:lnRef>
+          <a:fillRef idx="0">
+            <a:schemeClr val="accent1"/>
+          </a:fillRef>
+          <a:effectRef idx="0">
+            <a:schemeClr val="accent1"/>
+          </a:effectRef>
+          <a:fontRef idx="minor">
+            <a:schemeClr val="tx1"/>
+          </a:fontRef>
+        </p:style>
+      </p:cxnSp>
+      <p:cxnSp>
+        <p:nvCxnSpPr>
+          <p:cNvPr id="70" name="Straight Arrow Connector 69">
+            <a:extLst>
+              <a:ext uri="{FF2B5EF4-FFF2-40B4-BE49-F238E27FC236}">
+                <a16:creationId xmlns:a16="http://schemas.microsoft.com/office/drawing/2014/main" id="{F6AA6B66-CEE3-444C-8170-2887B70CB354}"/>
+              </a:ext>
+            </a:extLst>
+          </p:cNvPr>
+          <p:cNvCxnSpPr>
+            <a:cxnSpLocks/>
+            <a:stCxn id="67" idx="2"/>
+            <a:endCxn id="65" idx="6"/>
+          </p:cNvCxnSpPr>
+          <p:nvPr/>
+        </p:nvCxnSpPr>
+        <p:spPr>
+          <a:xfrm flipH="1">
+            <a:off x="3022389" y="3696230"/>
+            <a:ext cx="649514" cy="0"/>
+          </a:xfrm>
+          <a:prstGeom prst="straightConnector1">
+            <a:avLst/>
+          </a:prstGeom>
+          <a:ln>
+            <a:solidFill>
+              <a:schemeClr val="accent6">
+                <a:lumMod val="75000"/>
+              </a:schemeClr>
+            </a:solidFill>
+            <a:tailEnd type="triangle"/>
+          </a:ln>
+        </p:spPr>
+        <p:style>
+          <a:lnRef idx="1">
+            <a:schemeClr val="accent1"/>
+          </a:lnRef>
+          <a:fillRef idx="0">
+            <a:schemeClr val="accent1"/>
+          </a:fillRef>
+          <a:effectRef idx="0">
+            <a:schemeClr val="accent1"/>
+          </a:effectRef>
+          <a:fontRef idx="minor">
+            <a:schemeClr val="tx1"/>
+          </a:fontRef>
+        </p:style>
+      </p:cxnSp>
+      <p:cxnSp>
+        <p:nvCxnSpPr>
+          <p:cNvPr id="71" name="Straight Arrow Connector 70">
+            <a:extLst>
+              <a:ext uri="{FF2B5EF4-FFF2-40B4-BE49-F238E27FC236}">
+                <a16:creationId xmlns:a16="http://schemas.microsoft.com/office/drawing/2014/main" id="{45D42260-B2B3-4A48-B7DA-C332C1C6279D}"/>
+              </a:ext>
+            </a:extLst>
+          </p:cNvPr>
+          <p:cNvCxnSpPr>
+            <a:cxnSpLocks/>
+            <a:stCxn id="66" idx="2"/>
+            <a:endCxn id="64" idx="6"/>
+          </p:cNvCxnSpPr>
+          <p:nvPr/>
+        </p:nvCxnSpPr>
+        <p:spPr>
+          <a:xfrm flipH="1">
+            <a:off x="3022389" y="2949039"/>
+            <a:ext cx="649514" cy="0"/>
+          </a:xfrm>
+          <a:prstGeom prst="straightConnector1">
+            <a:avLst/>
+          </a:prstGeom>
+          <a:ln>
+            <a:solidFill>
+              <a:srgbClr val="FF0000"/>
+            </a:solidFill>
+            <a:tailEnd type="triangle"/>
+          </a:ln>
+        </p:spPr>
+        <p:style>
+          <a:lnRef idx="1">
+            <a:schemeClr val="accent1"/>
+          </a:lnRef>
+          <a:fillRef idx="0">
+            <a:schemeClr val="accent1"/>
+          </a:fillRef>
+          <a:effectRef idx="0">
+            <a:schemeClr val="accent1"/>
+          </a:effectRef>
+          <a:fontRef idx="minor">
+            <a:schemeClr val="tx1"/>
+          </a:fontRef>
+        </p:style>
+      </p:cxnSp>
+      <p:cxnSp>
+        <p:nvCxnSpPr>
+          <p:cNvPr id="72" name="Straight Arrow Connector 71">
+            <a:extLst>
+              <a:ext uri="{FF2B5EF4-FFF2-40B4-BE49-F238E27FC236}">
+                <a16:creationId xmlns:a16="http://schemas.microsoft.com/office/drawing/2014/main" id="{0B1FD167-67E6-4BD7-AFC6-86D620CD15DC}"/>
+              </a:ext>
+            </a:extLst>
+          </p:cNvPr>
+          <p:cNvCxnSpPr>
+            <a:cxnSpLocks/>
+            <a:stCxn id="66" idx="3"/>
+            <a:endCxn id="65" idx="6"/>
+          </p:cNvCxnSpPr>
+          <p:nvPr/>
+        </p:nvCxnSpPr>
+        <p:spPr>
+          <a:xfrm flipH="1">
+            <a:off x="3022389" y="3068907"/>
+            <a:ext cx="699165" cy="627323"/>
+          </a:xfrm>
+          <a:prstGeom prst="straightConnector1">
+            <a:avLst/>
+          </a:prstGeom>
+          <a:ln>
+            <a:solidFill>
+              <a:srgbClr val="FF0000"/>
+            </a:solidFill>
+            <a:tailEnd type="triangle"/>
+          </a:ln>
+        </p:spPr>
+        <p:style>
+          <a:lnRef idx="1">
+            <a:schemeClr val="accent1"/>
+          </a:lnRef>
+          <a:fillRef idx="0">
+            <a:schemeClr val="accent1"/>
+          </a:fillRef>
+          <a:effectRef idx="0">
+            <a:schemeClr val="accent1"/>
+          </a:effectRef>
+          <a:fontRef idx="minor">
+            <a:schemeClr val="tx1"/>
+          </a:fontRef>
+        </p:style>
+      </p:cxnSp>
+      <p:cxnSp>
+        <p:nvCxnSpPr>
+          <p:cNvPr id="73" name="Straight Arrow Connector 72">
+            <a:extLst>
+              <a:ext uri="{FF2B5EF4-FFF2-40B4-BE49-F238E27FC236}">
+                <a16:creationId xmlns:a16="http://schemas.microsoft.com/office/drawing/2014/main" id="{F56F8211-AF0C-443F-8D37-863FF1AC1717}"/>
+              </a:ext>
+            </a:extLst>
+          </p:cNvPr>
+          <p:cNvCxnSpPr>
+            <a:cxnSpLocks/>
+            <a:stCxn id="67" idx="1"/>
+            <a:endCxn id="64" idx="6"/>
+          </p:cNvCxnSpPr>
+          <p:nvPr/>
+        </p:nvCxnSpPr>
+        <p:spPr>
+          <a:xfrm flipH="1" flipV="1">
+            <a:off x="3022389" y="2949039"/>
+            <a:ext cx="699165" cy="627323"/>
+          </a:xfrm>
+          <a:prstGeom prst="straightConnector1">
+            <a:avLst/>
+          </a:prstGeom>
+          <a:ln>
+            <a:solidFill>
+              <a:schemeClr val="accent6">
+                <a:lumMod val="75000"/>
+              </a:schemeClr>
+            </a:solidFill>
+            <a:tailEnd type="triangle"/>
+          </a:ln>
+        </p:spPr>
+        <p:style>
+          <a:lnRef idx="1">
+            <a:schemeClr val="accent1"/>
+          </a:lnRef>
+          <a:fillRef idx="0">
+            <a:schemeClr val="accent1"/>
+          </a:fillRef>
+          <a:effectRef idx="0">
+            <a:schemeClr val="accent1"/>
+          </a:effectRef>
+          <a:fontRef idx="minor">
+            <a:schemeClr val="tx1"/>
+          </a:fontRef>
+        </p:style>
+      </p:cxnSp>
+      <p:cxnSp>
+        <p:nvCxnSpPr>
+          <p:cNvPr id="74" name="Straight Arrow Connector 73">
+            <a:extLst>
+              <a:ext uri="{FF2B5EF4-FFF2-40B4-BE49-F238E27FC236}">
+                <a16:creationId xmlns:a16="http://schemas.microsoft.com/office/drawing/2014/main" id="{65995541-66AC-4B8F-AA16-7DF8AC57BE8B}"/>
+              </a:ext>
+            </a:extLst>
+          </p:cNvPr>
+          <p:cNvCxnSpPr>
+            <a:cxnSpLocks/>
+            <a:stCxn id="64" idx="4"/>
+            <a:endCxn id="65" idx="0"/>
+          </p:cNvCxnSpPr>
+          <p:nvPr/>
+        </p:nvCxnSpPr>
+        <p:spPr>
+          <a:xfrm>
+            <a:off x="2852871" y="3118559"/>
+            <a:ext cx="0" cy="408153"/>
+          </a:xfrm>
+          <a:prstGeom prst="straightConnector1">
+            <a:avLst/>
+          </a:prstGeom>
+          <a:ln>
+            <a:solidFill>
+              <a:schemeClr val="tx1"/>
+            </a:solidFill>
+            <a:tailEnd type="triangle"/>
+          </a:ln>
+        </p:spPr>
+        <p:style>
+          <a:lnRef idx="1">
+            <a:schemeClr val="accent1"/>
+          </a:lnRef>
+          <a:fillRef idx="0">
+            <a:schemeClr val="accent1"/>
+          </a:fillRef>
+          <a:effectRef idx="0">
+            <a:schemeClr val="accent1"/>
+          </a:effectRef>
+          <a:fontRef idx="minor">
+            <a:schemeClr val="tx1"/>
+          </a:fontRef>
+        </p:style>
+      </p:cxnSp>
+      <p:sp>
+        <p:nvSpPr>
+          <p:cNvPr id="97" name="Left Brace 96">
+            <a:extLst>
+              <a:ext uri="{FF2B5EF4-FFF2-40B4-BE49-F238E27FC236}">
+                <a16:creationId xmlns:a16="http://schemas.microsoft.com/office/drawing/2014/main" id="{1CC19830-85AC-4355-BFB6-B7CCC6939B8F}"/>
+              </a:ext>
+            </a:extLst>
+          </p:cNvPr>
+          <p:cNvSpPr/>
+          <p:nvPr/>
+        </p:nvSpPr>
+        <p:spPr>
+          <a:xfrm>
+            <a:off x="4457164" y="1507194"/>
+            <a:ext cx="239162" cy="1149505"/>
+          </a:xfrm>
+          <a:prstGeom prst="leftBrace">
+            <a:avLst/>
+          </a:prstGeom>
+          <a:ln>
+            <a:solidFill>
+              <a:schemeClr val="tx1"/>
+            </a:solidFill>
+          </a:ln>
+        </p:spPr>
+        <p:style>
+          <a:lnRef idx="1">
+            <a:schemeClr val="accent1"/>
+          </a:lnRef>
+          <a:fillRef idx="0">
+            <a:schemeClr val="accent1"/>
+          </a:fillRef>
+          <a:effectRef idx="0">
+            <a:schemeClr val="accent1"/>
+          </a:effectRef>
+          <a:fontRef idx="minor">
+            <a:schemeClr val="tx1"/>
+          </a:fontRef>
+        </p:style>
+        <p:txBody>
+          <a:bodyPr rtlCol="0" anchor="ctr"/>
+          <a:lstStyle/>
+          <a:p>
+            <a:pPr algn="ctr"/>
+            <a:endParaRPr lang="en-US" sz="1400" dirty="0"/>
+          </a:p>
+        </p:txBody>
+      </p:sp>
+      <p:sp>
+        <p:nvSpPr>
+          <p:cNvPr id="98" name="Left Brace 97">
+            <a:extLst>
+              <a:ext uri="{FF2B5EF4-FFF2-40B4-BE49-F238E27FC236}">
+                <a16:creationId xmlns:a16="http://schemas.microsoft.com/office/drawing/2014/main" id="{692C9BE2-27D6-413B-8E18-201A722FF252}"/>
+              </a:ext>
+            </a:extLst>
+          </p:cNvPr>
+          <p:cNvSpPr/>
+          <p:nvPr/>
+        </p:nvSpPr>
+        <p:spPr>
+          <a:xfrm>
+            <a:off x="4457164" y="3113808"/>
+            <a:ext cx="239162" cy="1149505"/>
+          </a:xfrm>
+          <a:prstGeom prst="leftBrace">
+            <a:avLst/>
+          </a:prstGeom>
+          <a:ln>
+            <a:solidFill>
+              <a:schemeClr val="tx1"/>
+            </a:solidFill>
+          </a:ln>
+        </p:spPr>
+        <p:style>
+          <a:lnRef idx="1">
+            <a:schemeClr val="accent1"/>
+          </a:lnRef>
+          <a:fillRef idx="0">
+            <a:schemeClr val="accent1"/>
+          </a:fillRef>
+          <a:effectRef idx="0">
+            <a:schemeClr val="accent1"/>
+          </a:effectRef>
+          <a:fontRef idx="minor">
+            <a:schemeClr val="tx1"/>
+          </a:fontRef>
+        </p:style>
+        <p:txBody>
+          <a:bodyPr rtlCol="0" anchor="ctr"/>
+          <a:lstStyle/>
+          <a:p>
+            <a:pPr algn="ctr"/>
+            <a:endParaRPr lang="en-US" sz="1400" dirty="0"/>
+          </a:p>
+        </p:txBody>
+      </p:sp>
+      <p:sp>
+        <p:nvSpPr>
+          <p:cNvPr id="99" name="Rectangle: Rounded Corners 98">
+            <a:extLst>
+              <a:ext uri="{FF2B5EF4-FFF2-40B4-BE49-F238E27FC236}">
+                <a16:creationId xmlns:a16="http://schemas.microsoft.com/office/drawing/2014/main" id="{44683507-885C-47EC-96A5-2639EBD01BAB}"/>
+              </a:ext>
+            </a:extLst>
+          </p:cNvPr>
+          <p:cNvSpPr/>
+          <p:nvPr/>
+        </p:nvSpPr>
+        <p:spPr>
+          <a:xfrm>
+            <a:off x="5384768" y="1494039"/>
+            <a:ext cx="308216" cy="1148898"/>
+          </a:xfrm>
+          <a:prstGeom prst="roundRect">
+            <a:avLst/>
+          </a:prstGeom>
+          <a:solidFill>
+            <a:schemeClr val="accent2">
+              <a:lumMod val="20000"/>
+              <a:lumOff val="80000"/>
+            </a:schemeClr>
+          </a:solidFill>
+          <a:ln>
+            <a:solidFill>
+              <a:schemeClr val="accent2">
+                <a:lumMod val="75000"/>
+              </a:schemeClr>
+            </a:solidFill>
+          </a:ln>
+        </p:spPr>
+        <p:style>
+          <a:lnRef idx="2">
+            <a:schemeClr val="accent1">
+              <a:shade val="50000"/>
+            </a:schemeClr>
+          </a:lnRef>
+          <a:fillRef idx="1">
+            <a:schemeClr val="accent1"/>
+          </a:fillRef>
+          <a:effectRef idx="0">
+            <a:schemeClr val="accent1"/>
+          </a:effectRef>
+          <a:fontRef idx="minor">
+            <a:schemeClr val="lt1"/>
+          </a:fontRef>
+        </p:style>
+        <p:txBody>
+          <a:bodyPr rtlCol="0" anchor="ctr"/>
+          <a:lstStyle/>
+          <a:p>
+            <a:pPr algn="ctr"/>
+            <a:endParaRPr lang="en-US" sz="1400" dirty="0"/>
+          </a:p>
+        </p:txBody>
+      </p:sp>
+      <p:sp>
+        <p:nvSpPr>
+          <p:cNvPr id="100" name="Rectangle: Rounded Corners 99">
+            <a:extLst>
+              <a:ext uri="{FF2B5EF4-FFF2-40B4-BE49-F238E27FC236}">
+                <a16:creationId xmlns:a16="http://schemas.microsoft.com/office/drawing/2014/main" id="{3BA80A0E-CB67-4FF9-8E15-93682CFBF084}"/>
+              </a:ext>
+            </a:extLst>
+          </p:cNvPr>
+          <p:cNvSpPr/>
+          <p:nvPr/>
+        </p:nvSpPr>
+        <p:spPr>
+          <a:xfrm>
+            <a:off x="5384768" y="3113808"/>
+            <a:ext cx="308216" cy="1148898"/>
+          </a:xfrm>
+          <a:prstGeom prst="roundRect">
+            <a:avLst/>
+          </a:prstGeom>
+          <a:solidFill>
+            <a:schemeClr val="accent2">
+              <a:lumMod val="20000"/>
+              <a:lumOff val="80000"/>
+            </a:schemeClr>
+          </a:solidFill>
+          <a:ln>
+            <a:solidFill>
+              <a:schemeClr val="accent2">
+                <a:lumMod val="75000"/>
+              </a:schemeClr>
+            </a:solidFill>
+          </a:ln>
+        </p:spPr>
+        <p:style>
+          <a:lnRef idx="2">
+            <a:schemeClr val="accent1">
+              <a:shade val="50000"/>
+            </a:schemeClr>
+          </a:lnRef>
+          <a:fillRef idx="1">
+            <a:schemeClr val="accent1"/>
+          </a:fillRef>
+          <a:effectRef idx="0">
+            <a:schemeClr val="accent1"/>
+          </a:effectRef>
+          <a:fontRef idx="minor">
+            <a:schemeClr val="lt1"/>
+          </a:fontRef>
+        </p:style>
+        <p:txBody>
+          <a:bodyPr rtlCol="0" anchor="ctr"/>
+          <a:lstStyle/>
+          <a:p>
+            <a:pPr algn="ctr"/>
+            <a:endParaRPr lang="en-US" sz="1400" dirty="0"/>
+          </a:p>
+        </p:txBody>
+      </p:sp>
+      <p:sp>
+        <p:nvSpPr>
+          <p:cNvPr id="108" name="Oval 107">
+            <a:extLst>
+              <a:ext uri="{FF2B5EF4-FFF2-40B4-BE49-F238E27FC236}">
+                <a16:creationId xmlns:a16="http://schemas.microsoft.com/office/drawing/2014/main" id="{BA436479-0B47-443E-8060-AE3022443253}"/>
+              </a:ext>
+            </a:extLst>
+          </p:cNvPr>
+          <p:cNvSpPr/>
+          <p:nvPr/>
+        </p:nvSpPr>
+        <p:spPr>
+          <a:xfrm>
+            <a:off x="6043014" y="1837011"/>
+            <a:ext cx="473622" cy="462614"/>
+          </a:xfrm>
+          <a:prstGeom prst="ellipse">
+            <a:avLst/>
+          </a:prstGeom>
+          <a:noFill/>
+          <a:ln>
+            <a:solidFill>
+              <a:schemeClr val="tx1"/>
+            </a:solidFill>
+          </a:ln>
+        </p:spPr>
+        <p:style>
+          <a:lnRef idx="2">
+            <a:schemeClr val="accent1">
+              <a:shade val="50000"/>
+            </a:schemeClr>
+          </a:lnRef>
+          <a:fillRef idx="1">
+            <a:schemeClr val="accent1"/>
+          </a:fillRef>
+          <a:effectRef idx="0">
+            <a:schemeClr val="accent1"/>
+          </a:effectRef>
+          <a:fontRef idx="minor">
+            <a:schemeClr val="lt1"/>
+          </a:fontRef>
+        </p:style>
+        <p:txBody>
+          <a:bodyPr lIns="0" tIns="0" rIns="0" bIns="0" rtlCol="0" anchor="ctr"/>
+          <a:lstStyle/>
+          <a:p>
+            <a:pPr algn="ctr"/>
+            <a:endParaRPr lang="en-US" sz="1400" i="1" baseline="-25000" dirty="0">
+              <a:solidFill>
+                <a:schemeClr val="tx1"/>
+              </a:solidFill>
+              <a:latin typeface="Times New Roman" panose="02020603050405020304" pitchFamily="18" charset="0"/>
+              <a:cs typeface="Times New Roman" panose="02020603050405020304" pitchFamily="18" charset="0"/>
+            </a:endParaRPr>
+          </a:p>
+        </p:txBody>
+      </p:sp>
+      <p:sp>
+        <p:nvSpPr>
+          <p:cNvPr id="109" name="Oval 108">
+            <a:extLst>
+              <a:ext uri="{FF2B5EF4-FFF2-40B4-BE49-F238E27FC236}">
+                <a16:creationId xmlns:a16="http://schemas.microsoft.com/office/drawing/2014/main" id="{0382E9EB-AB1C-4C28-BCAD-BE322C263890}"/>
+              </a:ext>
+            </a:extLst>
+          </p:cNvPr>
+          <p:cNvSpPr/>
+          <p:nvPr/>
+        </p:nvSpPr>
+        <p:spPr>
+          <a:xfrm>
+            <a:off x="6043014" y="3470584"/>
+            <a:ext cx="473622" cy="473622"/>
+          </a:xfrm>
+          <a:prstGeom prst="ellipse">
+            <a:avLst/>
+          </a:prstGeom>
+          <a:noFill/>
+          <a:ln>
+            <a:solidFill>
+              <a:schemeClr val="tx1"/>
+            </a:solidFill>
+          </a:ln>
+        </p:spPr>
+        <p:style>
+          <a:lnRef idx="2">
+            <a:schemeClr val="accent1">
+              <a:shade val="50000"/>
+            </a:schemeClr>
+          </a:lnRef>
+          <a:fillRef idx="1">
+            <a:schemeClr val="accent1"/>
+          </a:fillRef>
+          <a:effectRef idx="0">
+            <a:schemeClr val="accent1"/>
+          </a:effectRef>
+          <a:fontRef idx="minor">
+            <a:schemeClr val="lt1"/>
+          </a:fontRef>
+        </p:style>
+        <p:txBody>
+          <a:bodyPr lIns="0" tIns="0" rIns="0" bIns="0" rtlCol="0" anchor="ctr"/>
+          <a:lstStyle/>
+          <a:p>
+            <a:pPr algn="ctr"/>
+            <a:endParaRPr lang="en-US" sz="1400" i="1" baseline="-25000" dirty="0">
+              <a:solidFill>
+                <a:schemeClr val="tx1"/>
+              </a:solidFill>
+              <a:latin typeface="Times New Roman" panose="02020603050405020304" pitchFamily="18" charset="0"/>
+              <a:cs typeface="Times New Roman" panose="02020603050405020304" pitchFamily="18" charset="0"/>
+            </a:endParaRPr>
+          </a:p>
+        </p:txBody>
+      </p:sp>
+      <p:sp>
+        <p:nvSpPr>
+          <p:cNvPr id="110" name="Oval 109">
+            <a:extLst>
+              <a:ext uri="{FF2B5EF4-FFF2-40B4-BE49-F238E27FC236}">
+                <a16:creationId xmlns:a16="http://schemas.microsoft.com/office/drawing/2014/main" id="{FC7B7E7C-9810-4D51-BA5B-F77F29304267}"/>
+              </a:ext>
+            </a:extLst>
+          </p:cNvPr>
+          <p:cNvSpPr/>
+          <p:nvPr/>
+        </p:nvSpPr>
+        <p:spPr>
+          <a:xfrm>
+            <a:off x="6881030" y="2609039"/>
+            <a:ext cx="418773" cy="418773"/>
+          </a:xfrm>
+          <a:prstGeom prst="ellipse">
+            <a:avLst/>
+          </a:prstGeom>
+          <a:noFill/>
+          <a:ln>
+            <a:solidFill>
+              <a:schemeClr val="tx1"/>
+            </a:solidFill>
+          </a:ln>
+        </p:spPr>
+        <p:style>
+          <a:lnRef idx="2">
+            <a:schemeClr val="accent1">
+              <a:shade val="50000"/>
+            </a:schemeClr>
+          </a:lnRef>
+          <a:fillRef idx="1">
+            <a:schemeClr val="accent1"/>
+          </a:fillRef>
+          <a:effectRef idx="0">
+            <a:schemeClr val="accent1"/>
+          </a:effectRef>
+          <a:fontRef idx="minor">
+            <a:schemeClr val="lt1"/>
+          </a:fontRef>
+        </p:style>
+        <p:txBody>
+          <a:bodyPr lIns="0" tIns="0" rIns="0" bIns="0" rtlCol="0" anchor="ctr"/>
+          <a:lstStyle/>
+          <a:p>
+            <a:pPr algn="ctr"/>
+            <a:endParaRPr lang="en-US" sz="1400" dirty="0">
+              <a:solidFill>
+                <a:srgbClr val="FF0000"/>
+              </a:solidFill>
+            </a:endParaRPr>
+          </a:p>
+        </p:txBody>
+      </p:sp>
+      <p:sp>
+        <p:nvSpPr>
+          <p:cNvPr id="111" name="Oval 110">
+            <a:extLst>
+              <a:ext uri="{FF2B5EF4-FFF2-40B4-BE49-F238E27FC236}">
+                <a16:creationId xmlns:a16="http://schemas.microsoft.com/office/drawing/2014/main" id="{7B115795-37B4-4AEB-A6F4-908388EB2D40}"/>
+              </a:ext>
+            </a:extLst>
+          </p:cNvPr>
+          <p:cNvSpPr/>
+          <p:nvPr/>
+        </p:nvSpPr>
+        <p:spPr>
+          <a:xfrm>
+            <a:off x="6881029" y="3067943"/>
+            <a:ext cx="414596" cy="414596"/>
+          </a:xfrm>
+          <a:prstGeom prst="ellipse">
+            <a:avLst/>
+          </a:prstGeom>
+          <a:noFill/>
+          <a:ln>
+            <a:solidFill>
+              <a:schemeClr val="tx1"/>
+            </a:solidFill>
+          </a:ln>
+        </p:spPr>
+        <p:style>
+          <a:lnRef idx="2">
+            <a:schemeClr val="accent1">
+              <a:shade val="50000"/>
+            </a:schemeClr>
+          </a:lnRef>
+          <a:fillRef idx="1">
+            <a:schemeClr val="accent1"/>
+          </a:fillRef>
+          <a:effectRef idx="0">
+            <a:schemeClr val="accent1"/>
+          </a:effectRef>
+          <a:fontRef idx="minor">
+            <a:schemeClr val="lt1"/>
+          </a:fontRef>
+        </p:style>
+        <p:txBody>
+          <a:bodyPr lIns="0" tIns="0" rIns="0" bIns="0" rtlCol="0" anchor="ctr"/>
+          <a:lstStyle/>
+          <a:p>
+            <a:pPr algn="ctr"/>
+            <a:endParaRPr lang="en-US" sz="1400" dirty="0">
+              <a:solidFill>
+                <a:schemeClr val="accent6">
+                  <a:lumMod val="75000"/>
+                </a:schemeClr>
+              </a:solidFill>
+            </a:endParaRPr>
+          </a:p>
+        </p:txBody>
+      </p:sp>
+      <p:sp>
+        <p:nvSpPr>
+          <p:cNvPr id="112" name="Left Brace 111">
+            <a:extLst>
+              <a:ext uri="{FF2B5EF4-FFF2-40B4-BE49-F238E27FC236}">
+                <a16:creationId xmlns:a16="http://schemas.microsoft.com/office/drawing/2014/main" id="{CCCB4DEC-0C80-46E2-8FB8-CF1906B7B08E}"/>
+              </a:ext>
+            </a:extLst>
+          </p:cNvPr>
+          <p:cNvSpPr/>
+          <p:nvPr/>
+        </p:nvSpPr>
+        <p:spPr>
+          <a:xfrm>
+            <a:off x="6711485" y="2605719"/>
+            <a:ext cx="239162" cy="873501"/>
+          </a:xfrm>
+          <a:prstGeom prst="leftBrace">
+            <a:avLst/>
+          </a:prstGeom>
+          <a:ln>
+            <a:solidFill>
+              <a:schemeClr val="tx1"/>
+            </a:solidFill>
+          </a:ln>
+        </p:spPr>
+        <p:style>
+          <a:lnRef idx="1">
+            <a:schemeClr val="accent1"/>
+          </a:lnRef>
+          <a:fillRef idx="0">
+            <a:schemeClr val="accent1"/>
+          </a:fillRef>
+          <a:effectRef idx="0">
+            <a:schemeClr val="accent1"/>
+          </a:effectRef>
+          <a:fontRef idx="minor">
+            <a:schemeClr val="tx1"/>
+          </a:fontRef>
+        </p:style>
+        <p:txBody>
+          <a:bodyPr rtlCol="0" anchor="ctr"/>
+          <a:lstStyle/>
+          <a:p>
+            <a:pPr algn="ctr"/>
+            <a:endParaRPr lang="en-US" sz="1400" dirty="0"/>
+          </a:p>
+        </p:txBody>
+      </p:sp>
+      <p:sp>
+        <p:nvSpPr>
+          <p:cNvPr id="113" name="Rectangle: Rounded Corners 112">
+            <a:extLst>
+              <a:ext uri="{FF2B5EF4-FFF2-40B4-BE49-F238E27FC236}">
+                <a16:creationId xmlns:a16="http://schemas.microsoft.com/office/drawing/2014/main" id="{B84A1CB2-E755-4398-B4A6-2C142D9C2FFA}"/>
+              </a:ext>
+            </a:extLst>
+          </p:cNvPr>
+          <p:cNvSpPr/>
+          <p:nvPr/>
+        </p:nvSpPr>
+        <p:spPr>
+          <a:xfrm>
+            <a:off x="7571503" y="2452127"/>
+            <a:ext cx="308216" cy="1148898"/>
+          </a:xfrm>
+          <a:prstGeom prst="roundRect">
+            <a:avLst/>
+          </a:prstGeom>
+          <a:solidFill>
+            <a:schemeClr val="accent2">
+              <a:lumMod val="20000"/>
+              <a:lumOff val="80000"/>
+            </a:schemeClr>
+          </a:solidFill>
+          <a:ln>
+            <a:solidFill>
+              <a:schemeClr val="accent2">
+                <a:lumMod val="75000"/>
+              </a:schemeClr>
+            </a:solidFill>
+          </a:ln>
+        </p:spPr>
+        <p:style>
+          <a:lnRef idx="2">
+            <a:schemeClr val="accent1">
+              <a:shade val="50000"/>
+            </a:schemeClr>
+          </a:lnRef>
+          <a:fillRef idx="1">
+            <a:schemeClr val="accent1"/>
+          </a:fillRef>
+          <a:effectRef idx="0">
+            <a:schemeClr val="accent1"/>
+          </a:effectRef>
+          <a:fontRef idx="minor">
+            <a:schemeClr val="lt1"/>
+          </a:fontRef>
+        </p:style>
+        <p:txBody>
+          <a:bodyPr rtlCol="0" anchor="ctr"/>
+          <a:lstStyle/>
+          <a:p>
+            <a:pPr algn="ctr"/>
+            <a:endParaRPr lang="en-US" sz="1400" dirty="0"/>
+          </a:p>
+        </p:txBody>
+      </p:sp>
+      <p:sp>
+        <p:nvSpPr>
+          <p:cNvPr id="114" name="Oval 113">
+            <a:extLst>
+              <a:ext uri="{FF2B5EF4-FFF2-40B4-BE49-F238E27FC236}">
+                <a16:creationId xmlns:a16="http://schemas.microsoft.com/office/drawing/2014/main" id="{F48848E2-32F2-473D-AD67-2E3A222DBF3C}"/>
+              </a:ext>
+            </a:extLst>
+          </p:cNvPr>
+          <p:cNvSpPr/>
+          <p:nvPr/>
+        </p:nvSpPr>
+        <p:spPr>
+          <a:xfrm>
+            <a:off x="9480229" y="3161657"/>
+            <a:ext cx="580175" cy="580175"/>
+          </a:xfrm>
+          <a:prstGeom prst="ellipse">
+            <a:avLst/>
+          </a:prstGeom>
+          <a:noFill/>
+          <a:ln>
+            <a:solidFill>
+              <a:schemeClr val="tx1"/>
+            </a:solidFill>
+          </a:ln>
+        </p:spPr>
+        <p:style>
+          <a:lnRef idx="2">
+            <a:schemeClr val="accent1">
+              <a:shade val="50000"/>
+            </a:schemeClr>
+          </a:lnRef>
+          <a:fillRef idx="1">
+            <a:schemeClr val="accent1"/>
+          </a:fillRef>
+          <a:effectRef idx="0">
+            <a:schemeClr val="accent1"/>
+          </a:effectRef>
+          <a:fontRef idx="minor">
+            <a:schemeClr val="lt1"/>
+          </a:fontRef>
+        </p:style>
+        <p:txBody>
+          <a:bodyPr lIns="0" tIns="0" rIns="0" bIns="0" rtlCol="0" anchor="ctr"/>
+          <a:lstStyle/>
+          <a:p>
+            <a:pPr algn="ctr"/>
+            <a:endParaRPr lang="en-US" sz="1400" b="1" baseline="30000" dirty="0">
+              <a:solidFill>
+                <a:srgbClr val="FF0000"/>
+              </a:solidFill>
+            </a:endParaRPr>
+          </a:p>
+        </p:txBody>
+      </p:sp>
+      <p:sp>
+        <p:nvSpPr>
+          <p:cNvPr id="115" name="Rectangle: Rounded Corners 114">
+            <a:extLst>
+              <a:ext uri="{FF2B5EF4-FFF2-40B4-BE49-F238E27FC236}">
+                <a16:creationId xmlns:a16="http://schemas.microsoft.com/office/drawing/2014/main" id="{822BF3A3-493E-427C-8062-B7F6A9602DCD}"/>
+              </a:ext>
+            </a:extLst>
+          </p:cNvPr>
+          <p:cNvSpPr/>
+          <p:nvPr/>
+        </p:nvSpPr>
+        <p:spPr>
+          <a:xfrm>
+            <a:off x="10266661" y="2877576"/>
+            <a:ext cx="308216" cy="1148898"/>
+          </a:xfrm>
+          <a:prstGeom prst="roundRect">
+            <a:avLst/>
+          </a:prstGeom>
+          <a:solidFill>
+            <a:schemeClr val="accent2">
+              <a:lumMod val="20000"/>
+              <a:lumOff val="80000"/>
+            </a:schemeClr>
+          </a:solidFill>
+          <a:ln>
+            <a:solidFill>
+              <a:schemeClr val="accent2">
+                <a:lumMod val="75000"/>
+              </a:schemeClr>
+            </a:solidFill>
+          </a:ln>
+        </p:spPr>
+        <p:style>
+          <a:lnRef idx="2">
+            <a:schemeClr val="accent1">
+              <a:shade val="50000"/>
+            </a:schemeClr>
+          </a:lnRef>
+          <a:fillRef idx="1">
+            <a:schemeClr val="accent1"/>
+          </a:fillRef>
+          <a:effectRef idx="0">
+            <a:schemeClr val="accent1"/>
+          </a:effectRef>
+          <a:fontRef idx="minor">
+            <a:schemeClr val="lt1"/>
+          </a:fontRef>
+        </p:style>
+        <p:txBody>
+          <a:bodyPr rtlCol="0" anchor="ctr"/>
+          <a:lstStyle/>
+          <a:p>
+            <a:pPr algn="ctr"/>
+            <a:endParaRPr lang="en-US" sz="1400" dirty="0"/>
+          </a:p>
+        </p:txBody>
+      </p:sp>
+      <p:sp>
+        <p:nvSpPr>
+          <p:cNvPr id="117" name="Rectangle: Rounded Corners 116">
+            <a:extLst>
+              <a:ext uri="{FF2B5EF4-FFF2-40B4-BE49-F238E27FC236}">
+                <a16:creationId xmlns:a16="http://schemas.microsoft.com/office/drawing/2014/main" id="{C454DAA4-1186-430A-923D-9C2672DDBD62}"/>
+              </a:ext>
+            </a:extLst>
+          </p:cNvPr>
+          <p:cNvSpPr/>
+          <p:nvPr/>
+        </p:nvSpPr>
+        <p:spPr>
+          <a:xfrm>
+            <a:off x="10968047" y="2875560"/>
+            <a:ext cx="308216" cy="1148898"/>
+          </a:xfrm>
+          <a:prstGeom prst="roundRect">
+            <a:avLst>
+              <a:gd name="adj" fmla="val 0"/>
+            </a:avLst>
+          </a:prstGeom>
+          <a:solidFill>
+            <a:schemeClr val="accent1">
+              <a:lumMod val="20000"/>
+              <a:lumOff val="80000"/>
+            </a:schemeClr>
+          </a:solidFill>
+          <a:ln>
+            <a:solidFill>
+              <a:srgbClr val="0070C0"/>
+            </a:solidFill>
+          </a:ln>
+        </p:spPr>
+        <p:style>
+          <a:lnRef idx="2">
+            <a:schemeClr val="accent1">
+              <a:shade val="50000"/>
+            </a:schemeClr>
+          </a:lnRef>
+          <a:fillRef idx="1">
+            <a:schemeClr val="accent1"/>
+          </a:fillRef>
+          <a:effectRef idx="0">
+            <a:schemeClr val="accent1"/>
+          </a:effectRef>
+          <a:fontRef idx="minor">
+            <a:schemeClr val="lt1"/>
+          </a:fontRef>
+        </p:style>
+        <p:txBody>
+          <a:bodyPr rtlCol="0" anchor="ctr"/>
+          <a:lstStyle/>
+          <a:p>
+            <a:pPr algn="ctr"/>
+            <a:endParaRPr lang="en-US" sz="1400" dirty="0"/>
+          </a:p>
+        </p:txBody>
+      </p:sp>
+      <p:grpSp>
+        <p:nvGrpSpPr>
+          <p:cNvPr id="12" name="Group 11">
+            <a:extLst>
+              <a:ext uri="{FF2B5EF4-FFF2-40B4-BE49-F238E27FC236}">
+                <a16:creationId xmlns:a16="http://schemas.microsoft.com/office/drawing/2014/main" id="{0D077EEF-46CD-4EC6-9CF4-A163AA28D693}"/>
+              </a:ext>
+            </a:extLst>
+          </p:cNvPr>
+          <p:cNvGrpSpPr/>
+          <p:nvPr/>
+        </p:nvGrpSpPr>
+        <p:grpSpPr>
+          <a:xfrm>
+            <a:off x="505652" y="1601618"/>
+            <a:ext cx="784758" cy="422209"/>
+            <a:chOff x="507067" y="3731944"/>
+            <a:chExt cx="931273" cy="501035"/>
+          </a:xfrm>
+        </p:grpSpPr>
+        <p:sp>
+          <p:nvSpPr>
+            <p:cNvPr id="60" name="TextBox 59">
+              <a:extLst>
+                <a:ext uri="{FF2B5EF4-FFF2-40B4-BE49-F238E27FC236}">
+                  <a16:creationId xmlns:a16="http://schemas.microsoft.com/office/drawing/2014/main" id="{81C20488-A66B-48CB-AAA7-42BAF6E3A3BD}"/>
+                </a:ext>
+              </a:extLst>
+            </p:cNvPr>
+            <p:cNvSpPr txBox="1"/>
+            <p:nvPr/>
+          </p:nvSpPr>
+          <p:spPr>
+            <a:xfrm>
+              <a:off x="907422" y="3731944"/>
+              <a:ext cx="530006" cy="338554"/>
+            </a:xfrm>
+            <a:prstGeom prst="rect">
+              <a:avLst/>
+            </a:prstGeom>
+            <a:noFill/>
+          </p:spPr>
+          <p:txBody>
+            <a:bodyPr wrap="square" rtlCol="0">
+              <a:spAutoFit/>
+            </a:bodyPr>
+            <a:lstStyle/>
+            <a:p>
+              <a:pPr algn="ctr"/>
+              <a:r>
+                <a:rPr lang="en-US" sz="1200" b="1" dirty="0"/>
+                <a:t>x,y</a:t>
+              </a:r>
+            </a:p>
+          </p:txBody>
+        </p:sp>
+        <p:sp>
+          <p:nvSpPr>
+            <p:cNvPr id="119" name="TextBox 118">
+              <a:extLst>
+                <a:ext uri="{FF2B5EF4-FFF2-40B4-BE49-F238E27FC236}">
+                  <a16:creationId xmlns:a16="http://schemas.microsoft.com/office/drawing/2014/main" id="{5C98BA7A-20D0-4E99-B1E9-CDCDC4D96CB8}"/>
+                </a:ext>
+              </a:extLst>
+            </p:cNvPr>
+            <p:cNvSpPr txBox="1"/>
+            <p:nvPr/>
+          </p:nvSpPr>
+          <p:spPr>
+            <a:xfrm>
+              <a:off x="507067" y="3894425"/>
+              <a:ext cx="931273" cy="338554"/>
+            </a:xfrm>
+            <a:prstGeom prst="rect">
+              <a:avLst/>
+            </a:prstGeom>
+            <a:noFill/>
+          </p:spPr>
+          <p:txBody>
+            <a:bodyPr wrap="square" rtlCol="0">
+              <a:spAutoFit/>
+            </a:bodyPr>
+            <a:lstStyle/>
+            <a:p>
+              <a:r>
+                <a:rPr lang="en-US" sz="1200" b="1" dirty="0"/>
+                <a:t>δ-PDG</a:t>
+              </a:r>
+            </a:p>
+          </p:txBody>
+        </p:sp>
+      </p:grpSp>
+      <p:sp>
+        <p:nvSpPr>
+          <p:cNvPr id="120" name="TextBox 119">
+            <a:extLst>
+              <a:ext uri="{FF2B5EF4-FFF2-40B4-BE49-F238E27FC236}">
+                <a16:creationId xmlns:a16="http://schemas.microsoft.com/office/drawing/2014/main" id="{A4CE847E-B04B-4146-BEF9-88EA7168B0D1}"/>
+              </a:ext>
+            </a:extLst>
+          </p:cNvPr>
+          <p:cNvSpPr txBox="1"/>
+          <p:nvPr/>
+        </p:nvSpPr>
+        <p:spPr>
+          <a:xfrm>
+            <a:off x="1476450" y="1694366"/>
+            <a:ext cx="1183051" cy="285290"/>
+          </a:xfrm>
+          <a:prstGeom prst="rect">
+            <a:avLst/>
+          </a:prstGeom>
+          <a:noFill/>
+        </p:spPr>
+        <p:txBody>
+          <a:bodyPr wrap="square" rtlCol="0">
+            <a:spAutoFit/>
+          </a:bodyPr>
+          <a:lstStyle/>
+          <a:p>
+            <a:pPr algn="ctr"/>
+            <a:r>
+              <a:rPr lang="en-US" sz="1200" b="1" dirty="0"/>
+              <a:t>Label-GCN</a:t>
+            </a:r>
+          </a:p>
+        </p:txBody>
+      </p:sp>
+      <p:sp>
+        <p:nvSpPr>
+          <p:cNvPr id="121" name="TextBox 120">
+            <a:extLst>
+              <a:ext uri="{FF2B5EF4-FFF2-40B4-BE49-F238E27FC236}">
+                <a16:creationId xmlns:a16="http://schemas.microsoft.com/office/drawing/2014/main" id="{48BB5C0A-D771-4428-A824-84F7058BDB85}"/>
+              </a:ext>
+            </a:extLst>
+          </p:cNvPr>
+          <p:cNvSpPr txBox="1"/>
+          <p:nvPr/>
+        </p:nvSpPr>
+        <p:spPr>
+          <a:xfrm>
+            <a:off x="4696325" y="1255596"/>
+            <a:ext cx="1840588" cy="285290"/>
+          </a:xfrm>
+          <a:prstGeom prst="rect">
+            <a:avLst/>
+          </a:prstGeom>
+          <a:noFill/>
+        </p:spPr>
+        <p:txBody>
+          <a:bodyPr wrap="square" rtlCol="0">
+            <a:spAutoFit/>
+          </a:bodyPr>
+          <a:lstStyle/>
+          <a:p>
+            <a:r>
+              <a:rPr lang="en-US" sz="1200" b="1" dirty="0"/>
+              <a:t>Fully-connected Layer</a:t>
+            </a:r>
+          </a:p>
+        </p:txBody>
+      </p:sp>
+      <p:sp>
+        <p:nvSpPr>
+          <p:cNvPr id="122" name="TextBox 121">
+            <a:extLst>
+              <a:ext uri="{FF2B5EF4-FFF2-40B4-BE49-F238E27FC236}">
+                <a16:creationId xmlns:a16="http://schemas.microsoft.com/office/drawing/2014/main" id="{10984A8B-C355-4FD0-A6F5-47A65BB0D5D9}"/>
+              </a:ext>
+            </a:extLst>
+          </p:cNvPr>
+          <p:cNvSpPr txBox="1"/>
+          <p:nvPr/>
+        </p:nvSpPr>
+        <p:spPr>
+          <a:xfrm>
+            <a:off x="4704352" y="2884217"/>
+            <a:ext cx="1840588" cy="285290"/>
+          </a:xfrm>
+          <a:prstGeom prst="rect">
+            <a:avLst/>
+          </a:prstGeom>
+          <a:noFill/>
+        </p:spPr>
+        <p:txBody>
+          <a:bodyPr wrap="square" rtlCol="0">
+            <a:spAutoFit/>
+          </a:bodyPr>
+          <a:lstStyle/>
+          <a:p>
+            <a:r>
+              <a:rPr lang="en-US" sz="1200" b="1" dirty="0"/>
+              <a:t>Fully-connected Layer</a:t>
+            </a:r>
+          </a:p>
+        </p:txBody>
+      </p:sp>
+      <p:sp>
+        <p:nvSpPr>
+          <p:cNvPr id="123" name="TextBox 122">
+            <a:extLst>
+              <a:ext uri="{FF2B5EF4-FFF2-40B4-BE49-F238E27FC236}">
+                <a16:creationId xmlns:a16="http://schemas.microsoft.com/office/drawing/2014/main" id="{2B8F43C0-FA4B-4C4D-8A74-35B5EDA77961}"/>
+              </a:ext>
+            </a:extLst>
+          </p:cNvPr>
+          <p:cNvSpPr txBox="1"/>
+          <p:nvPr/>
+        </p:nvSpPr>
+        <p:spPr>
+          <a:xfrm>
+            <a:off x="7119172" y="2004312"/>
+            <a:ext cx="1285108" cy="461665"/>
+          </a:xfrm>
+          <a:prstGeom prst="rect">
+            <a:avLst/>
+          </a:prstGeom>
+          <a:noFill/>
+        </p:spPr>
+        <p:txBody>
+          <a:bodyPr wrap="square" rtlCol="0">
+            <a:spAutoFit/>
+          </a:bodyPr>
+          <a:lstStyle/>
+          <a:p>
+            <a:r>
+              <a:rPr lang="en-US" sz="1200" b="1" dirty="0"/>
+              <a:t>Fully-connected </a:t>
+            </a:r>
+          </a:p>
+          <a:p>
+            <a:pPr algn="ctr"/>
+            <a:r>
+              <a:rPr lang="en-US" sz="1200" b="1" dirty="0"/>
+              <a:t>Layer</a:t>
+            </a:r>
+          </a:p>
+        </p:txBody>
+      </p:sp>
+      <p:sp>
+        <p:nvSpPr>
+          <p:cNvPr id="124" name="TextBox 123">
+            <a:extLst>
+              <a:ext uri="{FF2B5EF4-FFF2-40B4-BE49-F238E27FC236}">
+                <a16:creationId xmlns:a16="http://schemas.microsoft.com/office/drawing/2014/main" id="{0146B9AE-B799-472E-BDB5-6CDDB378BD31}"/>
+              </a:ext>
+            </a:extLst>
+          </p:cNvPr>
+          <p:cNvSpPr txBox="1"/>
+          <p:nvPr/>
+        </p:nvSpPr>
+        <p:spPr>
+          <a:xfrm>
+            <a:off x="9995337" y="2656745"/>
+            <a:ext cx="815381" cy="285290"/>
+          </a:xfrm>
+          <a:prstGeom prst="rect">
+            <a:avLst/>
+          </a:prstGeom>
+          <a:noFill/>
+        </p:spPr>
+        <p:txBody>
+          <a:bodyPr wrap="square" rtlCol="0">
+            <a:spAutoFit/>
+          </a:bodyPr>
+          <a:lstStyle/>
+          <a:p>
+            <a:r>
+              <a:rPr lang="en-US" sz="1200" b="1" dirty="0"/>
+              <a:t>SoftMax</a:t>
+            </a:r>
+          </a:p>
+        </p:txBody>
+      </p:sp>
+      <p:sp>
+        <p:nvSpPr>
+          <p:cNvPr id="126" name="TextBox 125">
+            <a:extLst>
+              <a:ext uri="{FF2B5EF4-FFF2-40B4-BE49-F238E27FC236}">
+                <a16:creationId xmlns:a16="http://schemas.microsoft.com/office/drawing/2014/main" id="{4E0CF74E-ED86-4B5A-BF65-5E4E3661A863}"/>
+              </a:ext>
+            </a:extLst>
+          </p:cNvPr>
+          <p:cNvSpPr txBox="1"/>
+          <p:nvPr/>
+        </p:nvSpPr>
+        <p:spPr>
+          <a:xfrm>
+            <a:off x="10554625" y="4071373"/>
+            <a:ext cx="1070701" cy="276999"/>
+          </a:xfrm>
+          <a:prstGeom prst="rect">
+            <a:avLst/>
+          </a:prstGeom>
+          <a:noFill/>
+        </p:spPr>
+        <p:txBody>
+          <a:bodyPr wrap="square" rtlCol="0">
+            <a:spAutoFit/>
+          </a:bodyPr>
+          <a:lstStyle/>
+          <a:p>
+            <a:pPr algn="ctr"/>
+            <a:r>
+              <a:rPr lang="en-US" sz="1200" b="1" dirty="0"/>
+              <a:t>Classifier</a:t>
+            </a:r>
+          </a:p>
+        </p:txBody>
+      </p:sp>
+      <p:cxnSp>
+        <p:nvCxnSpPr>
+          <p:cNvPr id="128" name="Straight Arrow Connector 127">
+            <a:extLst>
+              <a:ext uri="{FF2B5EF4-FFF2-40B4-BE49-F238E27FC236}">
+                <a16:creationId xmlns:a16="http://schemas.microsoft.com/office/drawing/2014/main" id="{C7A822EF-34DA-40ED-98ED-7E8CBC346F90}"/>
+              </a:ext>
+            </a:extLst>
+          </p:cNvPr>
+          <p:cNvCxnSpPr>
+            <a:cxnSpLocks/>
+          </p:cNvCxnSpPr>
+          <p:nvPr/>
+        </p:nvCxnSpPr>
+        <p:spPr>
+          <a:xfrm>
+            <a:off x="1590066" y="2949039"/>
+            <a:ext cx="269689" cy="0"/>
+          </a:xfrm>
+          <a:prstGeom prst="straightConnector1">
+            <a:avLst/>
+          </a:prstGeom>
+          <a:ln w="38100">
+            <a:tailEnd type="triangle"/>
+          </a:ln>
+        </p:spPr>
+        <p:style>
+          <a:lnRef idx="1">
+            <a:schemeClr val="accent1"/>
+          </a:lnRef>
+          <a:fillRef idx="0">
+            <a:schemeClr val="accent1"/>
+          </a:fillRef>
+          <a:effectRef idx="0">
+            <a:schemeClr val="accent1"/>
+          </a:effectRef>
+          <a:fontRef idx="minor">
+            <a:schemeClr val="tx1"/>
+          </a:fontRef>
+        </p:style>
+      </p:cxnSp>
+      <p:cxnSp>
+        <p:nvCxnSpPr>
+          <p:cNvPr id="129" name="Straight Arrow Connector 128">
+            <a:extLst>
+              <a:ext uri="{FF2B5EF4-FFF2-40B4-BE49-F238E27FC236}">
+                <a16:creationId xmlns:a16="http://schemas.microsoft.com/office/drawing/2014/main" id="{C3FDD14E-826A-45D3-82C1-05209FF52BA6}"/>
+              </a:ext>
+            </a:extLst>
+          </p:cNvPr>
+          <p:cNvCxnSpPr>
+            <a:cxnSpLocks/>
+          </p:cNvCxnSpPr>
+          <p:nvPr/>
+        </p:nvCxnSpPr>
+        <p:spPr>
+          <a:xfrm>
+            <a:off x="2344553" y="2949039"/>
+            <a:ext cx="269689" cy="0"/>
+          </a:xfrm>
+          <a:prstGeom prst="straightConnector1">
+            <a:avLst/>
+          </a:prstGeom>
+          <a:ln w="38100">
+            <a:tailEnd type="triangle"/>
+          </a:ln>
+        </p:spPr>
+        <p:style>
+          <a:lnRef idx="1">
+            <a:schemeClr val="accent1"/>
+          </a:lnRef>
+          <a:fillRef idx="0">
+            <a:schemeClr val="accent1"/>
+          </a:fillRef>
+          <a:effectRef idx="0">
+            <a:schemeClr val="accent1"/>
+          </a:effectRef>
+          <a:fontRef idx="minor">
+            <a:schemeClr val="tx1"/>
+          </a:fontRef>
+        </p:style>
+      </p:cxnSp>
+      <p:cxnSp>
+        <p:nvCxnSpPr>
+          <p:cNvPr id="130" name="Straight Arrow Connector 129">
+            <a:extLst>
+              <a:ext uri="{FF2B5EF4-FFF2-40B4-BE49-F238E27FC236}">
+                <a16:creationId xmlns:a16="http://schemas.microsoft.com/office/drawing/2014/main" id="{6F102BC5-B2F8-4374-BB64-340EA9311C4C}"/>
+              </a:ext>
+            </a:extLst>
+          </p:cNvPr>
+          <p:cNvCxnSpPr>
+            <a:cxnSpLocks/>
+          </p:cNvCxnSpPr>
+          <p:nvPr/>
+        </p:nvCxnSpPr>
+        <p:spPr>
+          <a:xfrm>
+            <a:off x="7301813" y="3021278"/>
+            <a:ext cx="269689" cy="0"/>
+          </a:xfrm>
+          <a:prstGeom prst="straightConnector1">
+            <a:avLst/>
+          </a:prstGeom>
+          <a:ln w="38100">
+            <a:tailEnd type="triangle"/>
+          </a:ln>
+        </p:spPr>
+        <p:style>
+          <a:lnRef idx="1">
+            <a:schemeClr val="accent1"/>
+          </a:lnRef>
+          <a:fillRef idx="0">
+            <a:schemeClr val="accent1"/>
+          </a:fillRef>
+          <a:effectRef idx="0">
+            <a:schemeClr val="accent1"/>
+          </a:effectRef>
+          <a:fontRef idx="minor">
+            <a:schemeClr val="tx1"/>
+          </a:fontRef>
+        </p:style>
+      </p:cxnSp>
+      <p:cxnSp>
+        <p:nvCxnSpPr>
+          <p:cNvPr id="131" name="Straight Arrow Connector 130">
+            <a:extLst>
+              <a:ext uri="{FF2B5EF4-FFF2-40B4-BE49-F238E27FC236}">
+                <a16:creationId xmlns:a16="http://schemas.microsoft.com/office/drawing/2014/main" id="{876CC648-9C07-4D64-A08A-FAAC7694B3F1}"/>
+              </a:ext>
+            </a:extLst>
+          </p:cNvPr>
+          <p:cNvCxnSpPr>
+            <a:cxnSpLocks/>
+            <a:stCxn id="113" idx="3"/>
+          </p:cNvCxnSpPr>
+          <p:nvPr/>
+        </p:nvCxnSpPr>
+        <p:spPr>
+          <a:xfrm>
+            <a:off x="7879719" y="3026576"/>
+            <a:ext cx="225505" cy="0"/>
+          </a:xfrm>
+          <a:prstGeom prst="straightConnector1">
+            <a:avLst/>
+          </a:prstGeom>
+          <a:ln w="38100">
+            <a:tailEnd type="triangle"/>
+          </a:ln>
+        </p:spPr>
+        <p:style>
+          <a:lnRef idx="1">
+            <a:schemeClr val="accent1"/>
+          </a:lnRef>
+          <a:fillRef idx="0">
+            <a:schemeClr val="accent1"/>
+          </a:fillRef>
+          <a:effectRef idx="0">
+            <a:schemeClr val="accent1"/>
+          </a:effectRef>
+          <a:fontRef idx="minor">
+            <a:schemeClr val="tx1"/>
+          </a:fontRef>
+        </p:style>
+      </p:cxnSp>
+      <p:cxnSp>
+        <p:nvCxnSpPr>
+          <p:cNvPr id="134" name="Straight Arrow Connector 133">
+            <a:extLst>
+              <a:ext uri="{FF2B5EF4-FFF2-40B4-BE49-F238E27FC236}">
+                <a16:creationId xmlns:a16="http://schemas.microsoft.com/office/drawing/2014/main" id="{B78B5819-2E4B-48AF-8698-1778873420C8}"/>
+              </a:ext>
+            </a:extLst>
+          </p:cNvPr>
+          <p:cNvCxnSpPr>
+            <a:cxnSpLocks/>
+            <a:stCxn id="114" idx="6"/>
+            <a:endCxn id="115" idx="1"/>
+          </p:cNvCxnSpPr>
+          <p:nvPr/>
+        </p:nvCxnSpPr>
+        <p:spPr>
+          <a:xfrm>
+            <a:off x="10060403" y="3451744"/>
+            <a:ext cx="206259" cy="281"/>
+          </a:xfrm>
+          <a:prstGeom prst="straightConnector1">
+            <a:avLst/>
+          </a:prstGeom>
+          <a:ln w="38100">
+            <a:tailEnd type="triangle"/>
+          </a:ln>
+        </p:spPr>
+        <p:style>
+          <a:lnRef idx="1">
+            <a:schemeClr val="accent1"/>
+          </a:lnRef>
+          <a:fillRef idx="0">
+            <a:schemeClr val="accent1"/>
+          </a:fillRef>
+          <a:effectRef idx="0">
+            <a:schemeClr val="accent1"/>
+          </a:effectRef>
+          <a:fontRef idx="minor">
+            <a:schemeClr val="tx1"/>
+          </a:fontRef>
+        </p:style>
+      </p:cxnSp>
+      <p:cxnSp>
+        <p:nvCxnSpPr>
+          <p:cNvPr id="137" name="Straight Arrow Connector 136">
+            <a:extLst>
+              <a:ext uri="{FF2B5EF4-FFF2-40B4-BE49-F238E27FC236}">
+                <a16:creationId xmlns:a16="http://schemas.microsoft.com/office/drawing/2014/main" id="{54B57479-4A41-4CB8-8B4B-37EDE0274A42}"/>
+              </a:ext>
+            </a:extLst>
+          </p:cNvPr>
+          <p:cNvCxnSpPr>
+            <a:cxnSpLocks/>
+            <a:stCxn id="115" idx="3"/>
+            <a:endCxn id="117" idx="1"/>
+          </p:cNvCxnSpPr>
+          <p:nvPr/>
+        </p:nvCxnSpPr>
+        <p:spPr>
+          <a:xfrm flipV="1">
+            <a:off x="10574877" y="3450009"/>
+            <a:ext cx="393170" cy="2016"/>
+          </a:xfrm>
+          <a:prstGeom prst="straightConnector1">
+            <a:avLst/>
+          </a:prstGeom>
+          <a:ln w="38100">
+            <a:tailEnd type="triangle"/>
+          </a:ln>
+        </p:spPr>
+        <p:style>
+          <a:lnRef idx="1">
+            <a:schemeClr val="accent1"/>
+          </a:lnRef>
+          <a:fillRef idx="0">
+            <a:schemeClr val="accent1"/>
+          </a:fillRef>
+          <a:effectRef idx="0">
+            <a:schemeClr val="accent1"/>
+          </a:effectRef>
+          <a:fontRef idx="minor">
+            <a:schemeClr val="tx1"/>
+          </a:fontRef>
+        </p:style>
+      </p:cxnSp>
+      <p:cxnSp>
+        <p:nvCxnSpPr>
+          <p:cNvPr id="140" name="Straight Arrow Connector 139">
+            <a:extLst>
+              <a:ext uri="{FF2B5EF4-FFF2-40B4-BE49-F238E27FC236}">
+                <a16:creationId xmlns:a16="http://schemas.microsoft.com/office/drawing/2014/main" id="{9D314E28-2CCF-4F79-9A02-769A7767EB3D}"/>
+              </a:ext>
+            </a:extLst>
+          </p:cNvPr>
+          <p:cNvCxnSpPr>
+            <a:cxnSpLocks/>
+          </p:cNvCxnSpPr>
+          <p:nvPr/>
+        </p:nvCxnSpPr>
+        <p:spPr>
+          <a:xfrm flipV="1">
+            <a:off x="5096758" y="2071145"/>
+            <a:ext cx="241219" cy="282"/>
+          </a:xfrm>
+          <a:prstGeom prst="straightConnector1">
+            <a:avLst/>
+          </a:prstGeom>
+          <a:ln w="38100">
+            <a:tailEnd type="triangle"/>
+          </a:ln>
+        </p:spPr>
+        <p:style>
+          <a:lnRef idx="1">
+            <a:schemeClr val="accent1"/>
+          </a:lnRef>
+          <a:fillRef idx="0">
+            <a:schemeClr val="accent1"/>
+          </a:fillRef>
+          <a:effectRef idx="0">
+            <a:schemeClr val="accent1"/>
+          </a:effectRef>
+          <a:fontRef idx="minor">
+            <a:schemeClr val="tx1"/>
+          </a:fontRef>
+        </p:style>
+      </p:cxnSp>
+      <p:cxnSp>
+        <p:nvCxnSpPr>
+          <p:cNvPr id="141" name="Straight Arrow Connector 140">
+            <a:extLst>
+              <a:ext uri="{FF2B5EF4-FFF2-40B4-BE49-F238E27FC236}">
+                <a16:creationId xmlns:a16="http://schemas.microsoft.com/office/drawing/2014/main" id="{02075C68-5E85-444A-9E3D-1AF79A797094}"/>
+              </a:ext>
+            </a:extLst>
+          </p:cNvPr>
+          <p:cNvCxnSpPr>
+            <a:cxnSpLocks/>
+          </p:cNvCxnSpPr>
+          <p:nvPr/>
+        </p:nvCxnSpPr>
+        <p:spPr>
+          <a:xfrm flipV="1">
+            <a:off x="5096758" y="3715965"/>
+            <a:ext cx="241219" cy="282"/>
+          </a:xfrm>
+          <a:prstGeom prst="straightConnector1">
+            <a:avLst/>
+          </a:prstGeom>
+          <a:ln w="38100">
+            <a:tailEnd type="triangle"/>
+          </a:ln>
+        </p:spPr>
+        <p:style>
+          <a:lnRef idx="1">
+            <a:schemeClr val="accent1"/>
+          </a:lnRef>
+          <a:fillRef idx="0">
+            <a:schemeClr val="accent1"/>
+          </a:fillRef>
+          <a:effectRef idx="0">
+            <a:schemeClr val="accent1"/>
+          </a:effectRef>
+          <a:fontRef idx="minor">
+            <a:schemeClr val="tx1"/>
+          </a:fontRef>
+        </p:style>
+      </p:cxnSp>
+      <p:cxnSp>
+        <p:nvCxnSpPr>
+          <p:cNvPr id="142" name="Straight Arrow Connector 141">
+            <a:extLst>
+              <a:ext uri="{FF2B5EF4-FFF2-40B4-BE49-F238E27FC236}">
+                <a16:creationId xmlns:a16="http://schemas.microsoft.com/office/drawing/2014/main" id="{4C0A8C7C-9E9A-46B5-A0C5-7A0AAA3E3003}"/>
+              </a:ext>
+            </a:extLst>
+          </p:cNvPr>
+          <p:cNvCxnSpPr>
+            <a:cxnSpLocks/>
+          </p:cNvCxnSpPr>
+          <p:nvPr/>
+        </p:nvCxnSpPr>
+        <p:spPr>
+          <a:xfrm flipV="1">
+            <a:off x="4058108" y="2071145"/>
+            <a:ext cx="288010" cy="708375"/>
+          </a:xfrm>
+          <a:prstGeom prst="straightConnector1">
+            <a:avLst/>
+          </a:prstGeom>
+          <a:ln w="38100">
+            <a:tailEnd type="triangle"/>
+          </a:ln>
+        </p:spPr>
+        <p:style>
+          <a:lnRef idx="1">
+            <a:schemeClr val="accent1"/>
+          </a:lnRef>
+          <a:fillRef idx="0">
+            <a:schemeClr val="accent1"/>
+          </a:fillRef>
+          <a:effectRef idx="0">
+            <a:schemeClr val="accent1"/>
+          </a:effectRef>
+          <a:fontRef idx="minor">
+            <a:schemeClr val="tx1"/>
+          </a:fontRef>
+        </p:style>
+      </p:cxnSp>
+      <p:cxnSp>
+        <p:nvCxnSpPr>
+          <p:cNvPr id="145" name="Straight Arrow Connector 144">
+            <a:extLst>
+              <a:ext uri="{FF2B5EF4-FFF2-40B4-BE49-F238E27FC236}">
+                <a16:creationId xmlns:a16="http://schemas.microsoft.com/office/drawing/2014/main" id="{5EB4D040-D533-47E8-BA75-E4EC3B9691F9}"/>
+              </a:ext>
+            </a:extLst>
+          </p:cNvPr>
+          <p:cNvCxnSpPr>
+            <a:cxnSpLocks/>
+          </p:cNvCxnSpPr>
+          <p:nvPr/>
+        </p:nvCxnSpPr>
+        <p:spPr>
+          <a:xfrm flipV="1">
+            <a:off x="4133685" y="3691886"/>
+            <a:ext cx="241219" cy="282"/>
+          </a:xfrm>
+          <a:prstGeom prst="straightConnector1">
+            <a:avLst/>
+          </a:prstGeom>
+          <a:ln w="38100">
+            <a:tailEnd type="triangle"/>
+          </a:ln>
+        </p:spPr>
+        <p:style>
+          <a:lnRef idx="1">
+            <a:schemeClr val="accent1"/>
+          </a:lnRef>
+          <a:fillRef idx="0">
+            <a:schemeClr val="accent1"/>
+          </a:fillRef>
+          <a:effectRef idx="0">
+            <a:schemeClr val="accent1"/>
+          </a:effectRef>
+          <a:fontRef idx="minor">
+            <a:schemeClr val="tx1"/>
+          </a:fontRef>
+        </p:style>
+      </p:cxnSp>
+      <p:cxnSp>
+        <p:nvCxnSpPr>
+          <p:cNvPr id="146" name="Straight Arrow Connector 145">
+            <a:extLst>
+              <a:ext uri="{FF2B5EF4-FFF2-40B4-BE49-F238E27FC236}">
+                <a16:creationId xmlns:a16="http://schemas.microsoft.com/office/drawing/2014/main" id="{D8996EEB-BA69-4B95-B833-998EBAF275F6}"/>
+              </a:ext>
+            </a:extLst>
+          </p:cNvPr>
+          <p:cNvCxnSpPr>
+            <a:cxnSpLocks/>
+          </p:cNvCxnSpPr>
+          <p:nvPr/>
+        </p:nvCxnSpPr>
+        <p:spPr>
+          <a:xfrm flipV="1">
+            <a:off x="5756521" y="3715965"/>
+            <a:ext cx="241219" cy="282"/>
+          </a:xfrm>
+          <a:prstGeom prst="straightConnector1">
+            <a:avLst/>
+          </a:prstGeom>
+          <a:ln w="38100">
+            <a:tailEnd type="triangle"/>
+          </a:ln>
+        </p:spPr>
+        <p:style>
+          <a:lnRef idx="1">
+            <a:schemeClr val="accent1"/>
+          </a:lnRef>
+          <a:fillRef idx="0">
+            <a:schemeClr val="accent1"/>
+          </a:fillRef>
+          <a:effectRef idx="0">
+            <a:schemeClr val="accent1"/>
+          </a:effectRef>
+          <a:fontRef idx="minor">
+            <a:schemeClr val="tx1"/>
+          </a:fontRef>
+        </p:style>
+      </p:cxnSp>
+      <p:cxnSp>
+        <p:nvCxnSpPr>
+          <p:cNvPr id="147" name="Straight Arrow Connector 146">
+            <a:extLst>
+              <a:ext uri="{FF2B5EF4-FFF2-40B4-BE49-F238E27FC236}">
+                <a16:creationId xmlns:a16="http://schemas.microsoft.com/office/drawing/2014/main" id="{3AB369A0-C3EF-4675-8B29-4E89DCDADFD3}"/>
+              </a:ext>
+            </a:extLst>
+          </p:cNvPr>
+          <p:cNvCxnSpPr>
+            <a:cxnSpLocks/>
+          </p:cNvCxnSpPr>
+          <p:nvPr/>
+        </p:nvCxnSpPr>
+        <p:spPr>
+          <a:xfrm flipV="1">
+            <a:off x="5756521" y="2068205"/>
+            <a:ext cx="241219" cy="282"/>
+          </a:xfrm>
+          <a:prstGeom prst="straightConnector1">
+            <a:avLst/>
+          </a:prstGeom>
+          <a:ln w="38100">
+            <a:tailEnd type="triangle"/>
+          </a:ln>
+        </p:spPr>
+        <p:style>
+          <a:lnRef idx="1">
+            <a:schemeClr val="accent1"/>
+          </a:lnRef>
+          <a:fillRef idx="0">
+            <a:schemeClr val="accent1"/>
+          </a:fillRef>
+          <a:effectRef idx="0">
+            <a:schemeClr val="accent1"/>
+          </a:effectRef>
+          <a:fontRef idx="minor">
+            <a:schemeClr val="tx1"/>
+          </a:fontRef>
+        </p:style>
+      </p:cxnSp>
+      <p:sp>
+        <p:nvSpPr>
+          <p:cNvPr id="148" name="Flowchart: Summing Junction 147">
+            <a:extLst>
+              <a:ext uri="{FF2B5EF4-FFF2-40B4-BE49-F238E27FC236}">
+                <a16:creationId xmlns:a16="http://schemas.microsoft.com/office/drawing/2014/main" id="{167C5F30-C647-46B4-96A3-06CD4963C4F2}"/>
+              </a:ext>
+            </a:extLst>
+          </p:cNvPr>
+          <p:cNvSpPr/>
+          <p:nvPr/>
+        </p:nvSpPr>
+        <p:spPr>
+          <a:xfrm>
+            <a:off x="6150037" y="2679175"/>
+            <a:ext cx="266544" cy="266544"/>
+          </a:xfrm>
+          <a:prstGeom prst="flowChartSummingJunction">
+            <a:avLst/>
+          </a:prstGeom>
+          <a:noFill/>
+          <a:ln w="44450">
+            <a:solidFill>
+              <a:schemeClr val="accent5">
+                <a:lumMod val="75000"/>
+              </a:schemeClr>
+            </a:solidFill>
+          </a:ln>
+        </p:spPr>
+        <p:style>
+          <a:lnRef idx="2">
+            <a:schemeClr val="accent1">
+              <a:shade val="50000"/>
+            </a:schemeClr>
+          </a:lnRef>
+          <a:fillRef idx="1">
+            <a:schemeClr val="accent1"/>
+          </a:fillRef>
+          <a:effectRef idx="0">
+            <a:schemeClr val="accent1"/>
+          </a:effectRef>
+          <a:fontRef idx="minor">
+            <a:schemeClr val="lt1"/>
+          </a:fontRef>
+        </p:style>
+        <p:txBody>
+          <a:bodyPr rtlCol="0" anchor="ctr"/>
+          <a:lstStyle/>
+          <a:p>
+            <a:pPr algn="ctr"/>
+            <a:endParaRPr lang="en-US" sz="1400" dirty="0"/>
+          </a:p>
+        </p:txBody>
+      </p:sp>
+      <p:sp>
+        <p:nvSpPr>
+          <p:cNvPr id="149" name="Flowchart: Summing Junction 148">
+            <a:extLst>
+              <a:ext uri="{FF2B5EF4-FFF2-40B4-BE49-F238E27FC236}">
+                <a16:creationId xmlns:a16="http://schemas.microsoft.com/office/drawing/2014/main" id="{77917B56-EB6A-4143-9D5C-7E9D4BDB571E}"/>
+              </a:ext>
+            </a:extLst>
+          </p:cNvPr>
+          <p:cNvSpPr/>
+          <p:nvPr/>
+        </p:nvSpPr>
+        <p:spPr>
+          <a:xfrm>
+            <a:off x="6151228" y="4261205"/>
+            <a:ext cx="266544" cy="266544"/>
+          </a:xfrm>
+          <a:prstGeom prst="flowChartSummingJunction">
+            <a:avLst/>
+          </a:prstGeom>
+          <a:noFill/>
+          <a:ln w="44450">
+            <a:solidFill>
+              <a:schemeClr val="accent5">
+                <a:lumMod val="75000"/>
+              </a:schemeClr>
+            </a:solidFill>
+          </a:ln>
+        </p:spPr>
+        <p:style>
+          <a:lnRef idx="2">
+            <a:schemeClr val="accent1">
+              <a:shade val="50000"/>
+            </a:schemeClr>
+          </a:lnRef>
+          <a:fillRef idx="1">
+            <a:schemeClr val="accent1"/>
+          </a:fillRef>
+          <a:effectRef idx="0">
+            <a:schemeClr val="accent1"/>
+          </a:effectRef>
+          <a:fontRef idx="minor">
+            <a:schemeClr val="lt1"/>
+          </a:fontRef>
+        </p:style>
+        <p:txBody>
+          <a:bodyPr rtlCol="0" anchor="ctr"/>
+          <a:lstStyle/>
+          <a:p>
+            <a:pPr algn="ctr"/>
+            <a:endParaRPr lang="en-US" sz="1400" dirty="0"/>
+          </a:p>
+        </p:txBody>
+      </p:sp>
+      <p:cxnSp>
+        <p:nvCxnSpPr>
+          <p:cNvPr id="151" name="Straight Arrow Connector 150">
+            <a:extLst>
+              <a:ext uri="{FF2B5EF4-FFF2-40B4-BE49-F238E27FC236}">
+                <a16:creationId xmlns:a16="http://schemas.microsoft.com/office/drawing/2014/main" id="{0D59F925-6E7E-43CE-9B32-036369AA0394}"/>
+              </a:ext>
+            </a:extLst>
+          </p:cNvPr>
+          <p:cNvCxnSpPr>
+            <a:cxnSpLocks/>
+            <a:stCxn id="108" idx="4"/>
+            <a:endCxn id="148" idx="0"/>
+          </p:cNvCxnSpPr>
+          <p:nvPr/>
+        </p:nvCxnSpPr>
+        <p:spPr>
+          <a:xfrm>
+            <a:off x="6279825" y="2299625"/>
+            <a:ext cx="3483" cy="379550"/>
+          </a:xfrm>
+          <a:prstGeom prst="straightConnector1">
+            <a:avLst/>
+          </a:prstGeom>
+          <a:ln w="38100">
+            <a:tailEnd type="triangle"/>
+          </a:ln>
+        </p:spPr>
+        <p:style>
+          <a:lnRef idx="1">
+            <a:schemeClr val="accent1"/>
+          </a:lnRef>
+          <a:fillRef idx="0">
+            <a:schemeClr val="accent1"/>
+          </a:fillRef>
+          <a:effectRef idx="0">
+            <a:schemeClr val="accent1"/>
+          </a:effectRef>
+          <a:fontRef idx="minor">
+            <a:schemeClr val="tx1"/>
+          </a:fontRef>
+        </p:style>
+      </p:cxnSp>
+      <p:cxnSp>
+        <p:nvCxnSpPr>
+          <p:cNvPr id="152" name="Straight Arrow Connector 151">
+            <a:extLst>
+              <a:ext uri="{FF2B5EF4-FFF2-40B4-BE49-F238E27FC236}">
+                <a16:creationId xmlns:a16="http://schemas.microsoft.com/office/drawing/2014/main" id="{2E1FECDC-AC27-4BB1-9647-70DCAC1CC54F}"/>
+              </a:ext>
+            </a:extLst>
+          </p:cNvPr>
+          <p:cNvCxnSpPr>
+            <a:cxnSpLocks/>
+            <a:stCxn id="109" idx="4"/>
+            <a:endCxn id="149" idx="0"/>
+          </p:cNvCxnSpPr>
+          <p:nvPr/>
+        </p:nvCxnSpPr>
+        <p:spPr>
+          <a:xfrm>
+            <a:off x="6279825" y="3944207"/>
+            <a:ext cx="4675" cy="316997"/>
+          </a:xfrm>
+          <a:prstGeom prst="straightConnector1">
+            <a:avLst/>
+          </a:prstGeom>
+          <a:ln w="38100">
+            <a:tailEnd type="triangle"/>
+          </a:ln>
+        </p:spPr>
+        <p:style>
+          <a:lnRef idx="1">
+            <a:schemeClr val="accent1"/>
+          </a:lnRef>
+          <a:fillRef idx="0">
+            <a:schemeClr val="accent1"/>
+          </a:fillRef>
+          <a:effectRef idx="0">
+            <a:schemeClr val="accent1"/>
+          </a:effectRef>
+          <a:fontRef idx="minor">
+            <a:schemeClr val="tx1"/>
+          </a:fontRef>
+        </p:style>
+      </p:cxnSp>
+      <p:cxnSp>
+        <p:nvCxnSpPr>
+          <p:cNvPr id="160" name="Connector: Elbow 159">
+            <a:extLst>
+              <a:ext uri="{FF2B5EF4-FFF2-40B4-BE49-F238E27FC236}">
+                <a16:creationId xmlns:a16="http://schemas.microsoft.com/office/drawing/2014/main" id="{3AABB888-DD4C-4384-8813-12222BAD5B6D}"/>
+              </a:ext>
+            </a:extLst>
+          </p:cNvPr>
+          <p:cNvCxnSpPr>
+            <a:cxnSpLocks/>
+            <a:stCxn id="67" idx="4"/>
+            <a:endCxn id="149" idx="2"/>
+          </p:cNvCxnSpPr>
+          <p:nvPr/>
+        </p:nvCxnSpPr>
+        <p:spPr>
+          <a:xfrm rot="16200000" flipH="1">
+            <a:off x="4731961" y="2975208"/>
+            <a:ext cx="528728" cy="2309806"/>
+          </a:xfrm>
+          <a:prstGeom prst="bentConnector2">
+            <a:avLst/>
+          </a:prstGeom>
+          <a:ln w="38100">
+            <a:tailEnd type="triangle"/>
+          </a:ln>
+        </p:spPr>
+        <p:style>
+          <a:lnRef idx="1">
+            <a:schemeClr val="accent1"/>
+          </a:lnRef>
+          <a:fillRef idx="0">
+            <a:schemeClr val="accent1"/>
+          </a:fillRef>
+          <a:effectRef idx="0">
+            <a:schemeClr val="accent1"/>
+          </a:effectRef>
+          <a:fontRef idx="minor">
+            <a:schemeClr val="tx1"/>
+          </a:fontRef>
+        </p:style>
+      </p:cxnSp>
+      <p:cxnSp>
+        <p:nvCxnSpPr>
+          <p:cNvPr id="165" name="Connector: Elbow 164">
+            <a:extLst>
+              <a:ext uri="{FF2B5EF4-FFF2-40B4-BE49-F238E27FC236}">
+                <a16:creationId xmlns:a16="http://schemas.microsoft.com/office/drawing/2014/main" id="{0C9009A6-64A0-4217-8784-8A8D96969B1A}"/>
+              </a:ext>
+            </a:extLst>
+          </p:cNvPr>
+          <p:cNvCxnSpPr>
+            <a:cxnSpLocks/>
+            <a:stCxn id="149" idx="6"/>
+          </p:cNvCxnSpPr>
+          <p:nvPr/>
+        </p:nvCxnSpPr>
+        <p:spPr>
+          <a:xfrm flipV="1">
+            <a:off x="6417773" y="3569203"/>
+            <a:ext cx="688370" cy="825274"/>
+          </a:xfrm>
+          <a:prstGeom prst="bentConnector2">
+            <a:avLst/>
+          </a:prstGeom>
+          <a:ln w="38100">
+            <a:tailEnd type="triangle"/>
+          </a:ln>
+        </p:spPr>
+        <p:style>
+          <a:lnRef idx="1">
+            <a:schemeClr val="accent1"/>
+          </a:lnRef>
+          <a:fillRef idx="0">
+            <a:schemeClr val="accent1"/>
+          </a:fillRef>
+          <a:effectRef idx="0">
+            <a:schemeClr val="accent1"/>
+          </a:effectRef>
+          <a:fontRef idx="minor">
+            <a:schemeClr val="tx1"/>
+          </a:fontRef>
+        </p:style>
+      </p:cxnSp>
+      <p:cxnSp>
+        <p:nvCxnSpPr>
+          <p:cNvPr id="170" name="Straight Arrow Connector 169">
+            <a:extLst>
+              <a:ext uri="{FF2B5EF4-FFF2-40B4-BE49-F238E27FC236}">
+                <a16:creationId xmlns:a16="http://schemas.microsoft.com/office/drawing/2014/main" id="{BAFD0540-D7DA-4496-9563-5AD281B89749}"/>
+              </a:ext>
+            </a:extLst>
+          </p:cNvPr>
+          <p:cNvCxnSpPr>
+            <a:cxnSpLocks/>
+          </p:cNvCxnSpPr>
+          <p:nvPr/>
+        </p:nvCxnSpPr>
+        <p:spPr>
+          <a:xfrm flipV="1">
+            <a:off x="6421845" y="2819793"/>
+            <a:ext cx="241219" cy="282"/>
+          </a:xfrm>
+          <a:prstGeom prst="straightConnector1">
+            <a:avLst/>
+          </a:prstGeom>
+          <a:ln w="38100">
+            <a:tailEnd type="triangle"/>
+          </a:ln>
+        </p:spPr>
+        <p:style>
+          <a:lnRef idx="1">
+            <a:schemeClr val="accent1"/>
+          </a:lnRef>
+          <a:fillRef idx="0">
+            <a:schemeClr val="accent1"/>
+          </a:fillRef>
+          <a:effectRef idx="0">
+            <a:schemeClr val="accent1"/>
+          </a:effectRef>
+          <a:fontRef idx="minor">
+            <a:schemeClr val="tx1"/>
+          </a:fontRef>
+        </p:style>
+      </p:cxnSp>
+      <p:cxnSp>
+        <p:nvCxnSpPr>
+          <p:cNvPr id="171" name="Straight Arrow Connector 170">
+            <a:extLst>
+              <a:ext uri="{FF2B5EF4-FFF2-40B4-BE49-F238E27FC236}">
+                <a16:creationId xmlns:a16="http://schemas.microsoft.com/office/drawing/2014/main" id="{4E005057-3848-43C7-88B9-4CFC61590069}"/>
+              </a:ext>
+            </a:extLst>
+          </p:cNvPr>
+          <p:cNvCxnSpPr>
+            <a:cxnSpLocks/>
+            <a:endCxn id="148" idx="2"/>
+          </p:cNvCxnSpPr>
+          <p:nvPr/>
+        </p:nvCxnSpPr>
+        <p:spPr>
+          <a:xfrm>
+            <a:off x="4150537" y="2812049"/>
+            <a:ext cx="1999499" cy="399"/>
+          </a:xfrm>
+          <a:prstGeom prst="straightConnector1">
+            <a:avLst/>
+          </a:prstGeom>
+          <a:ln w="38100">
+            <a:tailEnd type="triangle"/>
+          </a:ln>
+        </p:spPr>
+        <p:style>
+          <a:lnRef idx="1">
+            <a:schemeClr val="accent1"/>
+          </a:lnRef>
+          <a:fillRef idx="0">
+            <a:schemeClr val="accent1"/>
+          </a:fillRef>
+          <a:effectRef idx="0">
+            <a:schemeClr val="accent1"/>
+          </a:effectRef>
+          <a:fontRef idx="minor">
+            <a:schemeClr val="tx1"/>
+          </a:fontRef>
+        </p:style>
+      </p:cxnSp>
+      <p:grpSp>
+        <p:nvGrpSpPr>
+          <p:cNvPr id="3" name="Group 2">
+            <a:extLst>
+              <a:ext uri="{FF2B5EF4-FFF2-40B4-BE49-F238E27FC236}">
+                <a16:creationId xmlns:a16="http://schemas.microsoft.com/office/drawing/2014/main" id="{15681609-3DB0-426A-8B9A-279AB6B63B8F}"/>
+              </a:ext>
+            </a:extLst>
+          </p:cNvPr>
+          <p:cNvGrpSpPr/>
+          <p:nvPr/>
+        </p:nvGrpSpPr>
+        <p:grpSpPr>
+          <a:xfrm>
+            <a:off x="924897" y="1934872"/>
+            <a:ext cx="413672" cy="482062"/>
+            <a:chOff x="1066553" y="1449631"/>
+            <a:chExt cx="490905" cy="572063"/>
+          </a:xfrm>
+        </p:grpSpPr>
+        <p:sp>
+          <p:nvSpPr>
+            <p:cNvPr id="2" name="TextBox 1">
+              <a:extLst>
+                <a:ext uri="{FF2B5EF4-FFF2-40B4-BE49-F238E27FC236}">
+                  <a16:creationId xmlns:a16="http://schemas.microsoft.com/office/drawing/2014/main" id="{114AE03A-EB46-4C6C-B52A-02C0014104D5}"/>
+                </a:ext>
+              </a:extLst>
+            </p:cNvPr>
+            <p:cNvSpPr txBox="1"/>
+            <p:nvPr/>
+          </p:nvSpPr>
+          <p:spPr>
+            <a:xfrm>
+              <a:off x="1066553" y="1449631"/>
+              <a:ext cx="377034" cy="474810"/>
+            </a:xfrm>
+            <a:prstGeom prst="rect">
+              <a:avLst/>
+            </a:prstGeom>
+            <a:noFill/>
+          </p:spPr>
+          <p:txBody>
+            <a:bodyPr wrap="none" rtlCol="0">
+              <a:spAutoFit/>
+            </a:bodyPr>
+            <a:lstStyle/>
+            <a:p>
+              <a:r>
+                <a:rPr lang="en-US" sz="2000" i="1" dirty="0">
+                  <a:latin typeface="Century Schoolbook" panose="02040604050505020304" pitchFamily="18" charset="0"/>
+                  <a:cs typeface="Times New Roman" panose="02020603050405020304" pitchFamily="18" charset="0"/>
+                </a:rPr>
+                <a:t>v</a:t>
+              </a:r>
+            </a:p>
+          </p:txBody>
+        </p:sp>
+        <p:sp>
+          <p:nvSpPr>
+            <p:cNvPr id="77" name="TextBox 76">
+              <a:extLst>
+                <a:ext uri="{FF2B5EF4-FFF2-40B4-BE49-F238E27FC236}">
+                  <a16:creationId xmlns:a16="http://schemas.microsoft.com/office/drawing/2014/main" id="{9A4A2D25-F26C-4444-98EC-E7C8C8339AAA}"/>
+                </a:ext>
+              </a:extLst>
+            </p:cNvPr>
+            <p:cNvSpPr txBox="1"/>
+            <p:nvPr/>
+          </p:nvSpPr>
+          <p:spPr>
+            <a:xfrm>
+              <a:off x="1214049" y="1711241"/>
+              <a:ext cx="302844" cy="310453"/>
+            </a:xfrm>
+            <a:prstGeom prst="rect">
+              <a:avLst/>
+            </a:prstGeom>
+            <a:noFill/>
+          </p:spPr>
+          <p:txBody>
+            <a:bodyPr wrap="none" rtlCol="0">
+              <a:spAutoFit/>
+            </a:bodyPr>
+            <a:lstStyle/>
+            <a:p>
+              <a:r>
+                <a:rPr lang="en-US" sz="1100" i="1" dirty="0">
+                  <a:latin typeface="Times New Roman" panose="02020603050405020304" pitchFamily="18" charset="0"/>
+                  <a:cs typeface="Times New Roman" panose="02020603050405020304" pitchFamily="18" charset="0"/>
+                </a:rPr>
+                <a:t>2</a:t>
+              </a:r>
+            </a:p>
+          </p:txBody>
+        </p:sp>
+        <p:sp>
+          <p:nvSpPr>
+            <p:cNvPr id="78" name="TextBox 77">
+              <a:extLst>
+                <a:ext uri="{FF2B5EF4-FFF2-40B4-BE49-F238E27FC236}">
+                  <a16:creationId xmlns:a16="http://schemas.microsoft.com/office/drawing/2014/main" id="{FBF9E8B5-EBCE-46AB-AB39-49AC7CEFBA32}"/>
+                </a:ext>
+              </a:extLst>
+            </p:cNvPr>
+            <p:cNvSpPr txBox="1"/>
+            <p:nvPr/>
+          </p:nvSpPr>
+          <p:spPr>
+            <a:xfrm>
+              <a:off x="1292660" y="1457702"/>
+              <a:ext cx="264798" cy="310453"/>
+            </a:xfrm>
+            <a:prstGeom prst="rect">
+              <a:avLst/>
+            </a:prstGeom>
+            <a:noFill/>
+          </p:spPr>
+          <p:txBody>
+            <a:bodyPr wrap="none" rtlCol="0">
+              <a:spAutoFit/>
+            </a:bodyPr>
+            <a:lstStyle/>
+            <a:p>
+              <a:r>
+                <a:rPr lang="en-US" sz="1100" i="1" dirty="0">
+                  <a:latin typeface="Times New Roman" panose="02020603050405020304" pitchFamily="18" charset="0"/>
+                  <a:cs typeface="Times New Roman" panose="02020603050405020304" pitchFamily="18" charset="0"/>
+                </a:rPr>
+                <a:t>f</a:t>
+              </a:r>
+            </a:p>
+          </p:txBody>
+        </p:sp>
+      </p:grpSp>
+      <p:grpSp>
+        <p:nvGrpSpPr>
+          <p:cNvPr id="80" name="Group 79">
+            <a:extLst>
+              <a:ext uri="{FF2B5EF4-FFF2-40B4-BE49-F238E27FC236}">
+                <a16:creationId xmlns:a16="http://schemas.microsoft.com/office/drawing/2014/main" id="{0300EBCC-8D00-4052-A540-EF5ABCBF5A25}"/>
+              </a:ext>
+            </a:extLst>
+          </p:cNvPr>
+          <p:cNvGrpSpPr/>
+          <p:nvPr/>
+        </p:nvGrpSpPr>
+        <p:grpSpPr>
+          <a:xfrm>
+            <a:off x="1322411" y="2414988"/>
+            <a:ext cx="413672" cy="475509"/>
+            <a:chOff x="1066553" y="1449631"/>
+            <a:chExt cx="490905" cy="564287"/>
+          </a:xfrm>
+        </p:grpSpPr>
+        <p:sp>
+          <p:nvSpPr>
+            <p:cNvPr id="81" name="TextBox 80">
+              <a:extLst>
+                <a:ext uri="{FF2B5EF4-FFF2-40B4-BE49-F238E27FC236}">
+                  <a16:creationId xmlns:a16="http://schemas.microsoft.com/office/drawing/2014/main" id="{B1A2517A-6644-4F0A-ABFA-B2D26DBC6ED3}"/>
+                </a:ext>
+              </a:extLst>
+            </p:cNvPr>
+            <p:cNvSpPr txBox="1"/>
+            <p:nvPr/>
+          </p:nvSpPr>
+          <p:spPr>
+            <a:xfrm>
+              <a:off x="1066553" y="1449631"/>
+              <a:ext cx="377034" cy="474811"/>
+            </a:xfrm>
+            <a:prstGeom prst="rect">
+              <a:avLst/>
+            </a:prstGeom>
+            <a:noFill/>
+          </p:spPr>
+          <p:txBody>
+            <a:bodyPr wrap="none" rtlCol="0">
+              <a:spAutoFit/>
+            </a:bodyPr>
+            <a:lstStyle/>
+            <a:p>
+              <a:r>
+                <a:rPr lang="en-US" sz="2000" i="1" dirty="0">
+                  <a:latin typeface="Century Schoolbook" panose="02040604050505020304" pitchFamily="18" charset="0"/>
+                  <a:cs typeface="Times New Roman" panose="02020603050405020304" pitchFamily="18" charset="0"/>
+                </a:rPr>
+                <a:t>v</a:t>
+              </a:r>
+            </a:p>
+          </p:txBody>
+        </p:sp>
+        <p:sp>
+          <p:nvSpPr>
+            <p:cNvPr id="82" name="TextBox 81">
+              <a:extLst>
+                <a:ext uri="{FF2B5EF4-FFF2-40B4-BE49-F238E27FC236}">
+                  <a16:creationId xmlns:a16="http://schemas.microsoft.com/office/drawing/2014/main" id="{8C0C581F-4E7F-44DE-88AF-F0214BA8886A}"/>
+                </a:ext>
+              </a:extLst>
+            </p:cNvPr>
+            <p:cNvSpPr txBox="1"/>
+            <p:nvPr/>
+          </p:nvSpPr>
+          <p:spPr>
+            <a:xfrm>
+              <a:off x="1212753" y="1703465"/>
+              <a:ext cx="302844" cy="310453"/>
+            </a:xfrm>
+            <a:prstGeom prst="rect">
+              <a:avLst/>
+            </a:prstGeom>
+            <a:noFill/>
+          </p:spPr>
+          <p:txBody>
+            <a:bodyPr wrap="none" rtlCol="0">
+              <a:spAutoFit/>
+            </a:bodyPr>
+            <a:lstStyle/>
+            <a:p>
+              <a:r>
+                <a:rPr lang="en-US" sz="1100" i="1" dirty="0">
+                  <a:latin typeface="Times New Roman" panose="02020603050405020304" pitchFamily="18" charset="0"/>
+                  <a:cs typeface="Times New Roman" panose="02020603050405020304" pitchFamily="18" charset="0"/>
+                </a:rPr>
+                <a:t>3</a:t>
+              </a:r>
+            </a:p>
+          </p:txBody>
+        </p:sp>
+        <p:sp>
+          <p:nvSpPr>
+            <p:cNvPr id="83" name="TextBox 82">
+              <a:extLst>
+                <a:ext uri="{FF2B5EF4-FFF2-40B4-BE49-F238E27FC236}">
+                  <a16:creationId xmlns:a16="http://schemas.microsoft.com/office/drawing/2014/main" id="{504EFCAF-3776-4F34-862E-9FFE39E153B1}"/>
+                </a:ext>
+              </a:extLst>
+            </p:cNvPr>
+            <p:cNvSpPr txBox="1"/>
+            <p:nvPr/>
+          </p:nvSpPr>
+          <p:spPr>
+            <a:xfrm>
+              <a:off x="1292660" y="1457702"/>
+              <a:ext cx="264798" cy="310453"/>
+            </a:xfrm>
+            <a:prstGeom prst="rect">
+              <a:avLst/>
+            </a:prstGeom>
+            <a:noFill/>
+          </p:spPr>
+          <p:txBody>
+            <a:bodyPr wrap="none" rtlCol="0">
+              <a:spAutoFit/>
+            </a:bodyPr>
+            <a:lstStyle/>
+            <a:p>
+              <a:r>
+                <a:rPr lang="en-US" sz="1100" i="1" dirty="0">
+                  <a:latin typeface="Times New Roman" panose="02020603050405020304" pitchFamily="18" charset="0"/>
+                  <a:cs typeface="Times New Roman" panose="02020603050405020304" pitchFamily="18" charset="0"/>
+                </a:rPr>
+                <a:t>f</a:t>
+              </a:r>
+            </a:p>
+          </p:txBody>
+        </p:sp>
+      </p:grpSp>
+      <p:grpSp>
+        <p:nvGrpSpPr>
+          <p:cNvPr id="84" name="Group 83">
+            <a:extLst>
+              <a:ext uri="{FF2B5EF4-FFF2-40B4-BE49-F238E27FC236}">
+                <a16:creationId xmlns:a16="http://schemas.microsoft.com/office/drawing/2014/main" id="{3B4F1700-3567-4AC3-B38F-988C0D78EBC7}"/>
+              </a:ext>
+            </a:extLst>
+          </p:cNvPr>
+          <p:cNvGrpSpPr/>
+          <p:nvPr/>
+        </p:nvGrpSpPr>
+        <p:grpSpPr>
+          <a:xfrm>
+            <a:off x="321321" y="2421789"/>
+            <a:ext cx="413672" cy="482706"/>
+            <a:chOff x="1066553" y="1449631"/>
+            <a:chExt cx="490905" cy="572826"/>
+          </a:xfrm>
+        </p:grpSpPr>
+        <p:sp>
+          <p:nvSpPr>
+            <p:cNvPr id="85" name="TextBox 84">
+              <a:extLst>
+                <a:ext uri="{FF2B5EF4-FFF2-40B4-BE49-F238E27FC236}">
+                  <a16:creationId xmlns:a16="http://schemas.microsoft.com/office/drawing/2014/main" id="{931FEB09-F6C1-4B51-9845-BA6E3E3778CE}"/>
+                </a:ext>
+              </a:extLst>
+            </p:cNvPr>
+            <p:cNvSpPr txBox="1"/>
+            <p:nvPr/>
+          </p:nvSpPr>
+          <p:spPr>
+            <a:xfrm>
+              <a:off x="1066553" y="1449631"/>
+              <a:ext cx="377034" cy="474810"/>
+            </a:xfrm>
+            <a:prstGeom prst="rect">
+              <a:avLst/>
+            </a:prstGeom>
+            <a:noFill/>
+          </p:spPr>
+          <p:txBody>
+            <a:bodyPr wrap="none" rtlCol="0">
+              <a:spAutoFit/>
+            </a:bodyPr>
+            <a:lstStyle/>
+            <a:p>
+              <a:r>
+                <a:rPr lang="en-US" sz="2000" i="1" dirty="0">
+                  <a:latin typeface="Century Schoolbook" panose="02040604050505020304" pitchFamily="18" charset="0"/>
+                  <a:cs typeface="Times New Roman" panose="02020603050405020304" pitchFamily="18" charset="0"/>
+                </a:rPr>
+                <a:t>v</a:t>
+              </a:r>
+            </a:p>
+          </p:txBody>
+        </p:sp>
+        <p:sp>
+          <p:nvSpPr>
+            <p:cNvPr id="86" name="TextBox 85">
+              <a:extLst>
+                <a:ext uri="{FF2B5EF4-FFF2-40B4-BE49-F238E27FC236}">
+                  <a16:creationId xmlns:a16="http://schemas.microsoft.com/office/drawing/2014/main" id="{A807823B-68D9-4DA4-B663-2074C373E634}"/>
+                </a:ext>
+              </a:extLst>
+            </p:cNvPr>
+            <p:cNvSpPr txBox="1"/>
+            <p:nvPr/>
+          </p:nvSpPr>
+          <p:spPr>
+            <a:xfrm>
+              <a:off x="1203574" y="1712004"/>
+              <a:ext cx="302844" cy="310453"/>
+            </a:xfrm>
+            <a:prstGeom prst="rect">
+              <a:avLst/>
+            </a:prstGeom>
+            <a:noFill/>
+          </p:spPr>
+          <p:txBody>
+            <a:bodyPr wrap="none" rtlCol="0">
+              <a:spAutoFit/>
+            </a:bodyPr>
+            <a:lstStyle/>
+            <a:p>
+              <a:r>
+                <a:rPr lang="en-US" sz="1100" i="1" dirty="0">
+                  <a:latin typeface="Times New Roman" panose="02020603050405020304" pitchFamily="18" charset="0"/>
+                  <a:cs typeface="Times New Roman" panose="02020603050405020304" pitchFamily="18" charset="0"/>
+                </a:rPr>
+                <a:t>5</a:t>
+              </a:r>
+            </a:p>
+          </p:txBody>
+        </p:sp>
+        <p:sp>
+          <p:nvSpPr>
+            <p:cNvPr id="87" name="TextBox 86">
+              <a:extLst>
+                <a:ext uri="{FF2B5EF4-FFF2-40B4-BE49-F238E27FC236}">
+                  <a16:creationId xmlns:a16="http://schemas.microsoft.com/office/drawing/2014/main" id="{C55C1E4C-D16A-469B-B7C3-15D9A00DD242}"/>
+                </a:ext>
+              </a:extLst>
+            </p:cNvPr>
+            <p:cNvSpPr txBox="1"/>
+            <p:nvPr/>
+          </p:nvSpPr>
+          <p:spPr>
+            <a:xfrm>
+              <a:off x="1292660" y="1457702"/>
+              <a:ext cx="264798" cy="310452"/>
+            </a:xfrm>
+            <a:prstGeom prst="rect">
+              <a:avLst/>
+            </a:prstGeom>
+            <a:noFill/>
+          </p:spPr>
+          <p:txBody>
+            <a:bodyPr wrap="none" rtlCol="0">
+              <a:spAutoFit/>
+            </a:bodyPr>
+            <a:lstStyle/>
+            <a:p>
+              <a:r>
+                <a:rPr lang="en-US" sz="1100" i="1" dirty="0">
+                  <a:latin typeface="Times New Roman" panose="02020603050405020304" pitchFamily="18" charset="0"/>
+                  <a:cs typeface="Times New Roman" panose="02020603050405020304" pitchFamily="18" charset="0"/>
+                </a:rPr>
+                <a:t>f</a:t>
+              </a:r>
+            </a:p>
+          </p:txBody>
+        </p:sp>
+      </p:grpSp>
+      <p:grpSp>
+        <p:nvGrpSpPr>
+          <p:cNvPr id="88" name="Group 87">
+            <a:extLst>
+              <a:ext uri="{FF2B5EF4-FFF2-40B4-BE49-F238E27FC236}">
+                <a16:creationId xmlns:a16="http://schemas.microsoft.com/office/drawing/2014/main" id="{CA6F00A0-257A-4058-8258-A08BC0A623FE}"/>
+              </a:ext>
+            </a:extLst>
+          </p:cNvPr>
+          <p:cNvGrpSpPr/>
+          <p:nvPr/>
+        </p:nvGrpSpPr>
+        <p:grpSpPr>
+          <a:xfrm>
+            <a:off x="1342808" y="3176377"/>
+            <a:ext cx="413672" cy="478004"/>
+            <a:chOff x="1066553" y="1449631"/>
+            <a:chExt cx="490905" cy="567247"/>
+          </a:xfrm>
+        </p:grpSpPr>
+        <p:sp>
+          <p:nvSpPr>
+            <p:cNvPr id="101" name="TextBox 100">
+              <a:extLst>
+                <a:ext uri="{FF2B5EF4-FFF2-40B4-BE49-F238E27FC236}">
+                  <a16:creationId xmlns:a16="http://schemas.microsoft.com/office/drawing/2014/main" id="{52BA5FF0-1236-4A58-A79B-3C866090ED69}"/>
+                </a:ext>
+              </a:extLst>
+            </p:cNvPr>
+            <p:cNvSpPr txBox="1"/>
+            <p:nvPr/>
+          </p:nvSpPr>
+          <p:spPr>
+            <a:xfrm>
+              <a:off x="1066553" y="1449631"/>
+              <a:ext cx="377034" cy="474810"/>
+            </a:xfrm>
+            <a:prstGeom prst="rect">
+              <a:avLst/>
+            </a:prstGeom>
+            <a:noFill/>
+          </p:spPr>
+          <p:txBody>
+            <a:bodyPr wrap="none" rtlCol="0">
+              <a:spAutoFit/>
+            </a:bodyPr>
+            <a:lstStyle/>
+            <a:p>
+              <a:r>
+                <a:rPr lang="en-US" sz="2000" i="1" dirty="0">
+                  <a:latin typeface="Century Schoolbook" panose="02040604050505020304" pitchFamily="18" charset="0"/>
+                  <a:cs typeface="Times New Roman" panose="02020603050405020304" pitchFamily="18" charset="0"/>
+                </a:rPr>
+                <a:t>v</a:t>
+              </a:r>
+            </a:p>
+          </p:txBody>
+        </p:sp>
+        <p:sp>
+          <p:nvSpPr>
+            <p:cNvPr id="102" name="TextBox 101">
+              <a:extLst>
+                <a:ext uri="{FF2B5EF4-FFF2-40B4-BE49-F238E27FC236}">
+                  <a16:creationId xmlns:a16="http://schemas.microsoft.com/office/drawing/2014/main" id="{593BD4C2-0846-4A05-A924-C6209BB0B53C}"/>
+                </a:ext>
+              </a:extLst>
+            </p:cNvPr>
+            <p:cNvSpPr txBox="1"/>
+            <p:nvPr/>
+          </p:nvSpPr>
+          <p:spPr>
+            <a:xfrm>
+              <a:off x="1203287" y="1706426"/>
+              <a:ext cx="302844" cy="310452"/>
+            </a:xfrm>
+            <a:prstGeom prst="rect">
+              <a:avLst/>
+            </a:prstGeom>
+            <a:noFill/>
+          </p:spPr>
+          <p:txBody>
+            <a:bodyPr wrap="none" rtlCol="0">
+              <a:spAutoFit/>
+            </a:bodyPr>
+            <a:lstStyle/>
+            <a:p>
+              <a:r>
+                <a:rPr lang="en-US" sz="1100" i="1" dirty="0">
+                  <a:latin typeface="Times New Roman" panose="02020603050405020304" pitchFamily="18" charset="0"/>
+                  <a:cs typeface="Times New Roman" panose="02020603050405020304" pitchFamily="18" charset="0"/>
+                </a:rPr>
+                <a:t>4</a:t>
+              </a:r>
+            </a:p>
+          </p:txBody>
+        </p:sp>
+        <p:sp>
+          <p:nvSpPr>
+            <p:cNvPr id="103" name="TextBox 102">
+              <a:extLst>
+                <a:ext uri="{FF2B5EF4-FFF2-40B4-BE49-F238E27FC236}">
+                  <a16:creationId xmlns:a16="http://schemas.microsoft.com/office/drawing/2014/main" id="{A227D764-CB7C-44F1-A004-F2339461192F}"/>
+                </a:ext>
+              </a:extLst>
+            </p:cNvPr>
+            <p:cNvSpPr txBox="1"/>
+            <p:nvPr/>
+          </p:nvSpPr>
+          <p:spPr>
+            <a:xfrm>
+              <a:off x="1292660" y="1457702"/>
+              <a:ext cx="264798" cy="310452"/>
+            </a:xfrm>
+            <a:prstGeom prst="rect">
+              <a:avLst/>
+            </a:prstGeom>
+            <a:noFill/>
+          </p:spPr>
+          <p:txBody>
+            <a:bodyPr wrap="none" rtlCol="0">
+              <a:spAutoFit/>
+            </a:bodyPr>
+            <a:lstStyle/>
+            <a:p>
+              <a:r>
+                <a:rPr lang="en-US" sz="1100" i="1" dirty="0">
+                  <a:latin typeface="Times New Roman" panose="02020603050405020304" pitchFamily="18" charset="0"/>
+                  <a:cs typeface="Times New Roman" panose="02020603050405020304" pitchFamily="18" charset="0"/>
+                </a:rPr>
+                <a:t>f</a:t>
+              </a:r>
+            </a:p>
+          </p:txBody>
+        </p:sp>
+      </p:grpSp>
+      <p:grpSp>
+        <p:nvGrpSpPr>
+          <p:cNvPr id="104" name="Group 103">
+            <a:extLst>
+              <a:ext uri="{FF2B5EF4-FFF2-40B4-BE49-F238E27FC236}">
+                <a16:creationId xmlns:a16="http://schemas.microsoft.com/office/drawing/2014/main" id="{92E91438-D243-4CC7-BA60-2242D54D7402}"/>
+              </a:ext>
+            </a:extLst>
+          </p:cNvPr>
+          <p:cNvGrpSpPr/>
+          <p:nvPr/>
+        </p:nvGrpSpPr>
+        <p:grpSpPr>
+          <a:xfrm>
+            <a:off x="369781" y="3180025"/>
+            <a:ext cx="404119" cy="490973"/>
+            <a:chOff x="1066553" y="1448823"/>
+            <a:chExt cx="479569" cy="582638"/>
+          </a:xfrm>
+        </p:grpSpPr>
+        <p:sp>
+          <p:nvSpPr>
+            <p:cNvPr id="105" name="TextBox 104">
+              <a:extLst>
+                <a:ext uri="{FF2B5EF4-FFF2-40B4-BE49-F238E27FC236}">
+                  <a16:creationId xmlns:a16="http://schemas.microsoft.com/office/drawing/2014/main" id="{AE017EA3-686F-42E4-81BA-DF75B68AAFF1}"/>
+                </a:ext>
+              </a:extLst>
+            </p:cNvPr>
+            <p:cNvSpPr txBox="1"/>
+            <p:nvPr/>
+          </p:nvSpPr>
+          <p:spPr>
+            <a:xfrm>
+              <a:off x="1066553" y="1449631"/>
+              <a:ext cx="377034" cy="474811"/>
+            </a:xfrm>
+            <a:prstGeom prst="rect">
+              <a:avLst/>
+            </a:prstGeom>
+            <a:noFill/>
+          </p:spPr>
+          <p:txBody>
+            <a:bodyPr wrap="none" rtlCol="0">
+              <a:spAutoFit/>
+            </a:bodyPr>
+            <a:lstStyle/>
+            <a:p>
+              <a:r>
+                <a:rPr lang="en-US" sz="2000" i="1" dirty="0">
+                  <a:latin typeface="Century Schoolbook" panose="02040604050505020304" pitchFamily="18" charset="0"/>
+                  <a:cs typeface="Times New Roman" panose="02020603050405020304" pitchFamily="18" charset="0"/>
+                </a:rPr>
+                <a:t>v</a:t>
+              </a:r>
+            </a:p>
+          </p:txBody>
+        </p:sp>
+        <p:sp>
+          <p:nvSpPr>
+            <p:cNvPr id="106" name="TextBox 105">
+              <a:extLst>
+                <a:ext uri="{FF2B5EF4-FFF2-40B4-BE49-F238E27FC236}">
+                  <a16:creationId xmlns:a16="http://schemas.microsoft.com/office/drawing/2014/main" id="{C4705E2C-EE21-410A-AD41-2D9757E46089}"/>
+                </a:ext>
+              </a:extLst>
+            </p:cNvPr>
+            <p:cNvSpPr txBox="1"/>
+            <p:nvPr/>
+          </p:nvSpPr>
+          <p:spPr>
+            <a:xfrm>
+              <a:off x="1208907" y="1721008"/>
+              <a:ext cx="302843" cy="310453"/>
+            </a:xfrm>
+            <a:prstGeom prst="rect">
+              <a:avLst/>
+            </a:prstGeom>
+            <a:noFill/>
+          </p:spPr>
+          <p:txBody>
+            <a:bodyPr wrap="none" rtlCol="0">
+              <a:spAutoFit/>
+            </a:bodyPr>
+            <a:lstStyle/>
+            <a:p>
+              <a:r>
+                <a:rPr lang="en-US" sz="1100" i="1" dirty="0">
+                  <a:latin typeface="Times New Roman" panose="02020603050405020304" pitchFamily="18" charset="0"/>
+                  <a:cs typeface="Times New Roman" panose="02020603050405020304" pitchFamily="18" charset="0"/>
+                </a:rPr>
+                <a:t>7</a:t>
+              </a:r>
+            </a:p>
+          </p:txBody>
+        </p:sp>
+        <p:sp>
+          <p:nvSpPr>
+            <p:cNvPr id="107" name="TextBox 106">
+              <a:extLst>
+                <a:ext uri="{FF2B5EF4-FFF2-40B4-BE49-F238E27FC236}">
+                  <a16:creationId xmlns:a16="http://schemas.microsoft.com/office/drawing/2014/main" id="{B6A11C4F-E9DD-4517-ACD0-BF058ED9B3B8}"/>
+                </a:ext>
+              </a:extLst>
+            </p:cNvPr>
+            <p:cNvSpPr txBox="1"/>
+            <p:nvPr/>
+          </p:nvSpPr>
+          <p:spPr>
+            <a:xfrm>
+              <a:off x="1281324" y="1448823"/>
+              <a:ext cx="264798" cy="310453"/>
+            </a:xfrm>
+            <a:prstGeom prst="rect">
+              <a:avLst/>
+            </a:prstGeom>
+            <a:noFill/>
+          </p:spPr>
+          <p:txBody>
+            <a:bodyPr wrap="none" rtlCol="0">
+              <a:spAutoFit/>
+            </a:bodyPr>
+            <a:lstStyle/>
+            <a:p>
+              <a:r>
+                <a:rPr lang="en-US" sz="1100" i="1" dirty="0">
+                  <a:latin typeface="Times New Roman" panose="02020603050405020304" pitchFamily="18" charset="0"/>
+                  <a:cs typeface="Times New Roman" panose="02020603050405020304" pitchFamily="18" charset="0"/>
+                </a:rPr>
+                <a:t>f</a:t>
+              </a:r>
+            </a:p>
+          </p:txBody>
+        </p:sp>
+      </p:grpSp>
+      <p:sp>
+        <p:nvSpPr>
+          <p:cNvPr id="127" name="TextBox 126">
+            <a:extLst>
+              <a:ext uri="{FF2B5EF4-FFF2-40B4-BE49-F238E27FC236}">
+                <a16:creationId xmlns:a16="http://schemas.microsoft.com/office/drawing/2014/main" id="{6CF47FCA-AE76-4E4D-8CF9-9B542FBB2995}"/>
+              </a:ext>
+            </a:extLst>
+          </p:cNvPr>
+          <p:cNvSpPr txBox="1"/>
+          <p:nvPr/>
+        </p:nvSpPr>
+        <p:spPr>
+          <a:xfrm>
+            <a:off x="3177589" y="2071844"/>
+            <a:ext cx="317716" cy="400110"/>
+          </a:xfrm>
+          <a:prstGeom prst="rect">
+            <a:avLst/>
+          </a:prstGeom>
+          <a:noFill/>
+        </p:spPr>
+        <p:txBody>
+          <a:bodyPr wrap="none" rtlCol="0">
+            <a:spAutoFit/>
+          </a:bodyPr>
+          <a:lstStyle/>
+          <a:p>
+            <a:r>
+              <a:rPr lang="en-US" sz="2000" i="1" dirty="0">
+                <a:latin typeface="Century Schoolbook" panose="02040604050505020304" pitchFamily="18" charset="0"/>
+                <a:cs typeface="Times New Roman" panose="02020603050405020304" pitchFamily="18" charset="0"/>
+              </a:rPr>
+              <a:t>v</a:t>
+            </a:r>
+          </a:p>
+        </p:txBody>
+      </p:sp>
+      <p:sp>
+        <p:nvSpPr>
+          <p:cNvPr id="132" name="TextBox 131">
+            <a:extLst>
+              <a:ext uri="{FF2B5EF4-FFF2-40B4-BE49-F238E27FC236}">
+                <a16:creationId xmlns:a16="http://schemas.microsoft.com/office/drawing/2014/main" id="{79312232-2428-4C0F-902C-7D678A7AA452}"/>
+              </a:ext>
+            </a:extLst>
+          </p:cNvPr>
+          <p:cNvSpPr txBox="1"/>
+          <p:nvPr/>
+        </p:nvSpPr>
+        <p:spPr>
+          <a:xfrm>
+            <a:off x="3291451" y="2285648"/>
+            <a:ext cx="255198" cy="261610"/>
+          </a:xfrm>
+          <a:prstGeom prst="rect">
+            <a:avLst/>
+          </a:prstGeom>
+          <a:noFill/>
+        </p:spPr>
+        <p:txBody>
+          <a:bodyPr wrap="none" rtlCol="0">
+            <a:spAutoFit/>
+          </a:bodyPr>
+          <a:lstStyle/>
+          <a:p>
+            <a:r>
+              <a:rPr lang="en-US" sz="1100" i="1" dirty="0">
+                <a:latin typeface="Times New Roman" panose="02020603050405020304" pitchFamily="18" charset="0"/>
+                <a:cs typeface="Times New Roman" panose="02020603050405020304" pitchFamily="18" charset="0"/>
+              </a:rPr>
+              <a:t>2</a:t>
+            </a:r>
+          </a:p>
+        </p:txBody>
+      </p:sp>
+      <p:sp>
+        <p:nvSpPr>
+          <p:cNvPr id="133" name="TextBox 132">
+            <a:extLst>
+              <a:ext uri="{FF2B5EF4-FFF2-40B4-BE49-F238E27FC236}">
+                <a16:creationId xmlns:a16="http://schemas.microsoft.com/office/drawing/2014/main" id="{72BF2B3E-1AA3-40C5-B786-2A4238130492}"/>
+              </a:ext>
+            </a:extLst>
+          </p:cNvPr>
+          <p:cNvSpPr txBox="1"/>
+          <p:nvPr/>
+        </p:nvSpPr>
+        <p:spPr>
+          <a:xfrm>
+            <a:off x="2672360" y="2674815"/>
+            <a:ext cx="317716" cy="400110"/>
+          </a:xfrm>
+          <a:prstGeom prst="rect">
+            <a:avLst/>
+          </a:prstGeom>
+          <a:noFill/>
+        </p:spPr>
+        <p:txBody>
+          <a:bodyPr wrap="none" rtlCol="0">
+            <a:spAutoFit/>
+          </a:bodyPr>
+          <a:lstStyle/>
+          <a:p>
+            <a:r>
+              <a:rPr lang="en-US" sz="2000" i="1" dirty="0">
+                <a:latin typeface="Century Schoolbook" panose="02040604050505020304" pitchFamily="18" charset="0"/>
+                <a:cs typeface="Times New Roman" panose="02020603050405020304" pitchFamily="18" charset="0"/>
+              </a:rPr>
+              <a:t>v</a:t>
+            </a:r>
+          </a:p>
+        </p:txBody>
+      </p:sp>
+      <p:sp>
+        <p:nvSpPr>
+          <p:cNvPr id="135" name="TextBox 134">
+            <a:extLst>
+              <a:ext uri="{FF2B5EF4-FFF2-40B4-BE49-F238E27FC236}">
+                <a16:creationId xmlns:a16="http://schemas.microsoft.com/office/drawing/2014/main" id="{7B2902A0-9132-458A-8046-849B2D219C88}"/>
+              </a:ext>
+            </a:extLst>
+          </p:cNvPr>
+          <p:cNvSpPr txBox="1"/>
+          <p:nvPr/>
+        </p:nvSpPr>
+        <p:spPr>
+          <a:xfrm>
+            <a:off x="2791628" y="2891893"/>
+            <a:ext cx="255198" cy="261610"/>
+          </a:xfrm>
+          <a:prstGeom prst="rect">
+            <a:avLst/>
+          </a:prstGeom>
+          <a:noFill/>
+        </p:spPr>
+        <p:txBody>
+          <a:bodyPr wrap="none" rtlCol="0">
+            <a:spAutoFit/>
+          </a:bodyPr>
+          <a:lstStyle/>
+          <a:p>
+            <a:r>
+              <a:rPr lang="en-US" sz="1100" i="1" dirty="0">
+                <a:latin typeface="Times New Roman" panose="02020603050405020304" pitchFamily="18" charset="0"/>
+                <a:cs typeface="Times New Roman" panose="02020603050405020304" pitchFamily="18" charset="0"/>
+              </a:rPr>
+              <a:t>5</a:t>
+            </a:r>
+          </a:p>
+        </p:txBody>
+      </p:sp>
+      <p:sp>
+        <p:nvSpPr>
+          <p:cNvPr id="136" name="TextBox 135">
+            <a:extLst>
+              <a:ext uri="{FF2B5EF4-FFF2-40B4-BE49-F238E27FC236}">
+                <a16:creationId xmlns:a16="http://schemas.microsoft.com/office/drawing/2014/main" id="{2FFBC077-272B-4ACA-A872-C0FD9CCCB2A5}"/>
+              </a:ext>
+            </a:extLst>
+          </p:cNvPr>
+          <p:cNvSpPr txBox="1"/>
+          <p:nvPr/>
+        </p:nvSpPr>
+        <p:spPr>
+          <a:xfrm>
+            <a:off x="2672360" y="3419145"/>
+            <a:ext cx="317716" cy="400110"/>
+          </a:xfrm>
+          <a:prstGeom prst="rect">
+            <a:avLst/>
+          </a:prstGeom>
+          <a:noFill/>
+        </p:spPr>
+        <p:txBody>
+          <a:bodyPr wrap="none" rtlCol="0">
+            <a:spAutoFit/>
+          </a:bodyPr>
+          <a:lstStyle/>
+          <a:p>
+            <a:r>
+              <a:rPr lang="en-US" sz="2000" i="1" dirty="0">
+                <a:latin typeface="Century Schoolbook" panose="02040604050505020304" pitchFamily="18" charset="0"/>
+                <a:cs typeface="Times New Roman" panose="02020603050405020304" pitchFamily="18" charset="0"/>
+              </a:rPr>
+              <a:t>v</a:t>
+            </a:r>
+          </a:p>
+        </p:txBody>
+      </p:sp>
+      <p:sp>
+        <p:nvSpPr>
+          <p:cNvPr id="138" name="TextBox 137">
+            <a:extLst>
+              <a:ext uri="{FF2B5EF4-FFF2-40B4-BE49-F238E27FC236}">
+                <a16:creationId xmlns:a16="http://schemas.microsoft.com/office/drawing/2014/main" id="{B886CFD2-E639-481C-B5C1-CF651D9570AB}"/>
+              </a:ext>
+            </a:extLst>
+          </p:cNvPr>
+          <p:cNvSpPr txBox="1"/>
+          <p:nvPr/>
+        </p:nvSpPr>
+        <p:spPr>
+          <a:xfrm>
+            <a:off x="2802123" y="3629301"/>
+            <a:ext cx="255198" cy="261610"/>
+          </a:xfrm>
+          <a:prstGeom prst="rect">
+            <a:avLst/>
+          </a:prstGeom>
+          <a:noFill/>
+        </p:spPr>
+        <p:txBody>
+          <a:bodyPr wrap="none" rtlCol="0">
+            <a:spAutoFit/>
+          </a:bodyPr>
+          <a:lstStyle/>
+          <a:p>
+            <a:r>
+              <a:rPr lang="en-US" sz="1100" i="1" dirty="0">
+                <a:latin typeface="Times New Roman" panose="02020603050405020304" pitchFamily="18" charset="0"/>
+                <a:cs typeface="Times New Roman" panose="02020603050405020304" pitchFamily="18" charset="0"/>
+              </a:rPr>
+              <a:t>7</a:t>
+            </a:r>
+          </a:p>
+        </p:txBody>
+      </p:sp>
+      <p:sp>
+        <p:nvSpPr>
+          <p:cNvPr id="143" name="TextBox 142">
+            <a:extLst>
+              <a:ext uri="{FF2B5EF4-FFF2-40B4-BE49-F238E27FC236}">
+                <a16:creationId xmlns:a16="http://schemas.microsoft.com/office/drawing/2014/main" id="{C0561B66-7C19-4A63-A746-80D2593D5A08}"/>
+              </a:ext>
+            </a:extLst>
+          </p:cNvPr>
+          <p:cNvSpPr txBox="1"/>
+          <p:nvPr/>
+        </p:nvSpPr>
+        <p:spPr>
+          <a:xfrm>
+            <a:off x="3658669" y="2662459"/>
+            <a:ext cx="317716" cy="400110"/>
+          </a:xfrm>
+          <a:prstGeom prst="rect">
+            <a:avLst/>
+          </a:prstGeom>
+          <a:noFill/>
+        </p:spPr>
+        <p:txBody>
+          <a:bodyPr wrap="none" rtlCol="0">
+            <a:spAutoFit/>
+          </a:bodyPr>
+          <a:lstStyle/>
+          <a:p>
+            <a:r>
+              <a:rPr lang="en-US" sz="2000" i="1" dirty="0">
+                <a:solidFill>
+                  <a:srgbClr val="FF0000"/>
+                </a:solidFill>
+                <a:latin typeface="Century Schoolbook" panose="02040604050505020304" pitchFamily="18" charset="0"/>
+                <a:cs typeface="Times New Roman" panose="02020603050405020304" pitchFamily="18" charset="0"/>
+              </a:rPr>
+              <a:t>v</a:t>
+            </a:r>
+          </a:p>
+        </p:txBody>
+      </p:sp>
+      <p:sp>
+        <p:nvSpPr>
+          <p:cNvPr id="144" name="TextBox 143">
+            <a:extLst>
+              <a:ext uri="{FF2B5EF4-FFF2-40B4-BE49-F238E27FC236}">
+                <a16:creationId xmlns:a16="http://schemas.microsoft.com/office/drawing/2014/main" id="{7591D9EE-4C34-480D-B30B-55C5F280065A}"/>
+              </a:ext>
+            </a:extLst>
+          </p:cNvPr>
+          <p:cNvSpPr txBox="1"/>
+          <p:nvPr/>
+        </p:nvSpPr>
+        <p:spPr>
+          <a:xfrm>
+            <a:off x="3794481" y="2870383"/>
+            <a:ext cx="255198" cy="261610"/>
+          </a:xfrm>
+          <a:prstGeom prst="rect">
+            <a:avLst/>
+          </a:prstGeom>
+          <a:noFill/>
+        </p:spPr>
+        <p:txBody>
+          <a:bodyPr wrap="none" rtlCol="0">
+            <a:spAutoFit/>
+          </a:bodyPr>
+          <a:lstStyle/>
+          <a:p>
+            <a:r>
+              <a:rPr lang="en-US" sz="1100" i="1" dirty="0">
+                <a:solidFill>
+                  <a:srgbClr val="FF0000"/>
+                </a:solidFill>
+                <a:latin typeface="Times New Roman" panose="02020603050405020304" pitchFamily="18" charset="0"/>
+                <a:cs typeface="Times New Roman" panose="02020603050405020304" pitchFamily="18" charset="0"/>
+              </a:rPr>
+              <a:t>3</a:t>
+            </a:r>
+          </a:p>
+        </p:txBody>
+      </p:sp>
+      <p:sp>
+        <p:nvSpPr>
+          <p:cNvPr id="150" name="TextBox 149">
+            <a:extLst>
+              <a:ext uri="{FF2B5EF4-FFF2-40B4-BE49-F238E27FC236}">
+                <a16:creationId xmlns:a16="http://schemas.microsoft.com/office/drawing/2014/main" id="{0481DFD2-C5B7-49C6-8F5D-CB9CED7131E7}"/>
+              </a:ext>
+            </a:extLst>
+          </p:cNvPr>
+          <p:cNvSpPr txBox="1"/>
+          <p:nvPr/>
+        </p:nvSpPr>
+        <p:spPr>
+          <a:xfrm>
+            <a:off x="3656417" y="3419145"/>
+            <a:ext cx="317716" cy="400110"/>
+          </a:xfrm>
+          <a:prstGeom prst="rect">
+            <a:avLst/>
+          </a:prstGeom>
+          <a:noFill/>
+        </p:spPr>
+        <p:txBody>
+          <a:bodyPr wrap="none" rtlCol="0">
+            <a:spAutoFit/>
+          </a:bodyPr>
+          <a:lstStyle/>
+          <a:p>
+            <a:r>
+              <a:rPr lang="en-US" sz="2000" i="1" dirty="0">
+                <a:solidFill>
+                  <a:schemeClr val="accent6">
+                    <a:lumMod val="75000"/>
+                  </a:schemeClr>
+                </a:solidFill>
+                <a:latin typeface="Century Schoolbook" panose="02040604050505020304" pitchFamily="18" charset="0"/>
+                <a:cs typeface="Times New Roman" panose="02020603050405020304" pitchFamily="18" charset="0"/>
+              </a:rPr>
+              <a:t>v</a:t>
+            </a:r>
+          </a:p>
+        </p:txBody>
+      </p:sp>
+      <p:sp>
+        <p:nvSpPr>
+          <p:cNvPr id="153" name="TextBox 152">
+            <a:extLst>
+              <a:ext uri="{FF2B5EF4-FFF2-40B4-BE49-F238E27FC236}">
+                <a16:creationId xmlns:a16="http://schemas.microsoft.com/office/drawing/2014/main" id="{9F274A75-7167-4631-A1CF-C806D534EDC9}"/>
+              </a:ext>
+            </a:extLst>
+          </p:cNvPr>
+          <p:cNvSpPr txBox="1"/>
+          <p:nvPr/>
+        </p:nvSpPr>
+        <p:spPr>
+          <a:xfrm>
+            <a:off x="3798952" y="3606391"/>
+            <a:ext cx="255198" cy="261610"/>
+          </a:xfrm>
+          <a:prstGeom prst="rect">
+            <a:avLst/>
+          </a:prstGeom>
+          <a:noFill/>
+        </p:spPr>
+        <p:txBody>
+          <a:bodyPr wrap="none" rtlCol="0">
+            <a:spAutoFit/>
+          </a:bodyPr>
+          <a:lstStyle/>
+          <a:p>
+            <a:r>
+              <a:rPr lang="en-US" sz="1100" i="1" dirty="0">
+                <a:solidFill>
+                  <a:schemeClr val="accent6">
+                    <a:lumMod val="75000"/>
+                  </a:schemeClr>
+                </a:solidFill>
+                <a:latin typeface="Times New Roman" panose="02020603050405020304" pitchFamily="18" charset="0"/>
+                <a:cs typeface="Times New Roman" panose="02020603050405020304" pitchFamily="18" charset="0"/>
+              </a:rPr>
+              <a:t>4</a:t>
+            </a:r>
+          </a:p>
+        </p:txBody>
+      </p:sp>
+      <p:grpSp>
+        <p:nvGrpSpPr>
+          <p:cNvPr id="16" name="Group 15">
+            <a:extLst>
+              <a:ext uri="{FF2B5EF4-FFF2-40B4-BE49-F238E27FC236}">
+                <a16:creationId xmlns:a16="http://schemas.microsoft.com/office/drawing/2014/main" id="{3D1BBAD6-A7BD-48D6-AF08-6A88E604E681}"/>
+              </a:ext>
+            </a:extLst>
+          </p:cNvPr>
+          <p:cNvGrpSpPr/>
+          <p:nvPr/>
+        </p:nvGrpSpPr>
+        <p:grpSpPr>
+          <a:xfrm>
+            <a:off x="4639243" y="1415848"/>
+            <a:ext cx="369060" cy="475413"/>
+            <a:chOff x="4477180" y="806355"/>
+            <a:chExt cx="437964" cy="564173"/>
+          </a:xfrm>
+        </p:grpSpPr>
+        <p:sp>
+          <p:nvSpPr>
+            <p:cNvPr id="154" name="Oval 153">
+              <a:extLst>
+                <a:ext uri="{FF2B5EF4-FFF2-40B4-BE49-F238E27FC236}">
+                  <a16:creationId xmlns:a16="http://schemas.microsoft.com/office/drawing/2014/main" id="{EF6A79D0-F6E4-40E8-9148-BD717294A55A}"/>
+                </a:ext>
+              </a:extLst>
+            </p:cNvPr>
+            <p:cNvSpPr/>
+            <p:nvPr/>
+          </p:nvSpPr>
+          <p:spPr>
+            <a:xfrm>
+              <a:off x="4477226" y="925718"/>
+              <a:ext cx="402336" cy="402336"/>
+            </a:xfrm>
+            <a:prstGeom prst="ellipse">
+              <a:avLst/>
+            </a:prstGeom>
+            <a:noFill/>
+            <a:ln>
+              <a:solidFill>
+                <a:schemeClr val="tx1"/>
+              </a:solidFill>
+            </a:ln>
+          </p:spPr>
+          <p:style>
+            <a:lnRef idx="2">
+              <a:schemeClr val="accent1">
+                <a:shade val="50000"/>
+              </a:schemeClr>
+            </a:lnRef>
+            <a:fillRef idx="1">
+              <a:schemeClr val="accent1"/>
+            </a:fillRef>
+            <a:effectRef idx="0">
+              <a:schemeClr val="accent1"/>
+            </a:effectRef>
+            <a:fontRef idx="minor">
+              <a:schemeClr val="lt1"/>
+            </a:fontRef>
+          </p:style>
+          <p:txBody>
+            <a:bodyPr lIns="0" tIns="0" rIns="0" bIns="0" rtlCol="0" anchor="ctr"/>
+            <a:lstStyle/>
+            <a:p>
+              <a:pPr algn="ctr"/>
+              <a:endParaRPr lang="en-US" sz="1400" dirty="0">
+                <a:solidFill>
+                  <a:schemeClr val="tx1"/>
+                </a:solidFill>
+                <a:latin typeface="Century Schoolbook" panose="02040604050505020304" pitchFamily="18" charset="0"/>
+              </a:endParaRPr>
+            </a:p>
+          </p:txBody>
+        </p:sp>
+        <p:sp>
+          <p:nvSpPr>
+            <p:cNvPr id="155" name="TextBox 154">
+              <a:extLst>
+                <a:ext uri="{FF2B5EF4-FFF2-40B4-BE49-F238E27FC236}">
+                  <a16:creationId xmlns:a16="http://schemas.microsoft.com/office/drawing/2014/main" id="{7A8F6E83-47C8-4EA5-8FE1-87065B942A0D}"/>
+                </a:ext>
+              </a:extLst>
+            </p:cNvPr>
+            <p:cNvSpPr txBox="1"/>
+            <p:nvPr/>
+          </p:nvSpPr>
+          <p:spPr>
+            <a:xfrm>
+              <a:off x="4477180" y="806355"/>
+              <a:ext cx="377033" cy="474811"/>
+            </a:xfrm>
+            <a:prstGeom prst="rect">
+              <a:avLst/>
+            </a:prstGeom>
+            <a:noFill/>
+          </p:spPr>
+          <p:txBody>
+            <a:bodyPr wrap="none" rtlCol="0">
+              <a:spAutoFit/>
+            </a:bodyPr>
+            <a:lstStyle/>
+            <a:p>
+              <a:r>
+                <a:rPr lang="en-US" sz="2000" i="1" dirty="0">
+                  <a:latin typeface="Century Schoolbook" panose="02040604050505020304" pitchFamily="18" charset="0"/>
+                  <a:cs typeface="Times New Roman" panose="02020603050405020304" pitchFamily="18" charset="0"/>
+                </a:rPr>
+                <a:t>v</a:t>
+              </a:r>
+            </a:p>
+          </p:txBody>
+        </p:sp>
+        <p:sp>
+          <p:nvSpPr>
+            <p:cNvPr id="156" name="TextBox 155">
+              <a:extLst>
+                <a:ext uri="{FF2B5EF4-FFF2-40B4-BE49-F238E27FC236}">
+                  <a16:creationId xmlns:a16="http://schemas.microsoft.com/office/drawing/2014/main" id="{DC7E9EF9-726A-47BF-9406-152F37EFF7DF}"/>
+                </a:ext>
+              </a:extLst>
+            </p:cNvPr>
+            <p:cNvSpPr txBox="1"/>
+            <p:nvPr/>
+          </p:nvSpPr>
+          <p:spPr>
+            <a:xfrm>
+              <a:off x="4612301" y="1060075"/>
+              <a:ext cx="302843" cy="310453"/>
+            </a:xfrm>
+            <a:prstGeom prst="rect">
+              <a:avLst/>
+            </a:prstGeom>
+            <a:noFill/>
+          </p:spPr>
+          <p:txBody>
+            <a:bodyPr wrap="none" rtlCol="0">
+              <a:spAutoFit/>
+            </a:bodyPr>
+            <a:lstStyle/>
+            <a:p>
+              <a:r>
+                <a:rPr lang="en-US" sz="1100" i="1" dirty="0">
+                  <a:latin typeface="Times New Roman" panose="02020603050405020304" pitchFamily="18" charset="0"/>
+                  <a:cs typeface="Times New Roman" panose="02020603050405020304" pitchFamily="18" charset="0"/>
+                </a:rPr>
+                <a:t>2</a:t>
+              </a:r>
+            </a:p>
+          </p:txBody>
+        </p:sp>
+      </p:grpSp>
+      <p:grpSp>
+        <p:nvGrpSpPr>
+          <p:cNvPr id="158" name="Group 157">
+            <a:extLst>
+              <a:ext uri="{FF2B5EF4-FFF2-40B4-BE49-F238E27FC236}">
+                <a16:creationId xmlns:a16="http://schemas.microsoft.com/office/drawing/2014/main" id="{C55DAD5E-0E90-4FA1-A863-EEC30FC83D62}"/>
+              </a:ext>
+            </a:extLst>
+          </p:cNvPr>
+          <p:cNvGrpSpPr/>
+          <p:nvPr/>
+        </p:nvGrpSpPr>
+        <p:grpSpPr>
+          <a:xfrm>
+            <a:off x="4639243" y="1788001"/>
+            <a:ext cx="369060" cy="475413"/>
+            <a:chOff x="4477180" y="806355"/>
+            <a:chExt cx="437964" cy="564173"/>
+          </a:xfrm>
+        </p:grpSpPr>
+        <p:sp>
+          <p:nvSpPr>
+            <p:cNvPr id="159" name="Oval 158">
+              <a:extLst>
+                <a:ext uri="{FF2B5EF4-FFF2-40B4-BE49-F238E27FC236}">
+                  <a16:creationId xmlns:a16="http://schemas.microsoft.com/office/drawing/2014/main" id="{978022BE-8B43-40BA-8CF3-EF5F2E0CCC02}"/>
+                </a:ext>
+              </a:extLst>
+            </p:cNvPr>
+            <p:cNvSpPr/>
+            <p:nvPr/>
+          </p:nvSpPr>
+          <p:spPr>
+            <a:xfrm>
+              <a:off x="4477226" y="925718"/>
+              <a:ext cx="402336" cy="402336"/>
+            </a:xfrm>
+            <a:prstGeom prst="ellipse">
+              <a:avLst/>
+            </a:prstGeom>
+            <a:noFill/>
+            <a:ln>
+              <a:solidFill>
+                <a:schemeClr val="tx1"/>
+              </a:solidFill>
+            </a:ln>
+          </p:spPr>
+          <p:style>
+            <a:lnRef idx="2">
+              <a:schemeClr val="accent1">
+                <a:shade val="50000"/>
+              </a:schemeClr>
+            </a:lnRef>
+            <a:fillRef idx="1">
+              <a:schemeClr val="accent1"/>
+            </a:fillRef>
+            <a:effectRef idx="0">
+              <a:schemeClr val="accent1"/>
+            </a:effectRef>
+            <a:fontRef idx="minor">
+              <a:schemeClr val="lt1"/>
+            </a:fontRef>
+          </p:style>
+          <p:txBody>
+            <a:bodyPr lIns="0" tIns="0" rIns="0" bIns="0" rtlCol="0" anchor="ctr"/>
+            <a:lstStyle/>
+            <a:p>
+              <a:pPr algn="ctr"/>
+              <a:endParaRPr lang="en-US" sz="1400" dirty="0">
+                <a:solidFill>
+                  <a:schemeClr val="tx1"/>
+                </a:solidFill>
+                <a:latin typeface="Century Schoolbook" panose="02040604050505020304" pitchFamily="18" charset="0"/>
+              </a:endParaRPr>
+            </a:p>
+          </p:txBody>
+        </p:sp>
+        <p:sp>
+          <p:nvSpPr>
+            <p:cNvPr id="161" name="TextBox 160">
+              <a:extLst>
+                <a:ext uri="{FF2B5EF4-FFF2-40B4-BE49-F238E27FC236}">
+                  <a16:creationId xmlns:a16="http://schemas.microsoft.com/office/drawing/2014/main" id="{EC6BAB41-29B7-4130-9B03-4337BC12F42F}"/>
+                </a:ext>
+              </a:extLst>
+            </p:cNvPr>
+            <p:cNvSpPr txBox="1"/>
+            <p:nvPr/>
+          </p:nvSpPr>
+          <p:spPr>
+            <a:xfrm>
+              <a:off x="4477180" y="806355"/>
+              <a:ext cx="377033" cy="474811"/>
+            </a:xfrm>
+            <a:prstGeom prst="rect">
+              <a:avLst/>
+            </a:prstGeom>
+            <a:noFill/>
+          </p:spPr>
+          <p:txBody>
+            <a:bodyPr wrap="none" rtlCol="0">
+              <a:spAutoFit/>
+            </a:bodyPr>
+            <a:lstStyle/>
+            <a:p>
+              <a:r>
+                <a:rPr lang="en-US" sz="2000" i="1" dirty="0">
+                  <a:latin typeface="Century Schoolbook" panose="02040604050505020304" pitchFamily="18" charset="0"/>
+                  <a:cs typeface="Times New Roman" panose="02020603050405020304" pitchFamily="18" charset="0"/>
+                </a:rPr>
+                <a:t>v</a:t>
+              </a:r>
+            </a:p>
+          </p:txBody>
+        </p:sp>
+        <p:sp>
+          <p:nvSpPr>
+            <p:cNvPr id="162" name="TextBox 161">
+              <a:extLst>
+                <a:ext uri="{FF2B5EF4-FFF2-40B4-BE49-F238E27FC236}">
+                  <a16:creationId xmlns:a16="http://schemas.microsoft.com/office/drawing/2014/main" id="{39AC0A54-74D6-46E5-B702-61FB0AA79436}"/>
+                </a:ext>
+              </a:extLst>
+            </p:cNvPr>
+            <p:cNvSpPr txBox="1"/>
+            <p:nvPr/>
+          </p:nvSpPr>
+          <p:spPr>
+            <a:xfrm>
+              <a:off x="4612301" y="1060075"/>
+              <a:ext cx="302843" cy="310453"/>
+            </a:xfrm>
+            <a:prstGeom prst="rect">
+              <a:avLst/>
+            </a:prstGeom>
+            <a:noFill/>
+          </p:spPr>
+          <p:txBody>
+            <a:bodyPr wrap="none" rtlCol="0">
+              <a:spAutoFit/>
+            </a:bodyPr>
+            <a:lstStyle/>
+            <a:p>
+              <a:r>
+                <a:rPr lang="en-US" sz="1100" i="1" dirty="0">
+                  <a:latin typeface="Times New Roman" panose="02020603050405020304" pitchFamily="18" charset="0"/>
+                  <a:cs typeface="Times New Roman" panose="02020603050405020304" pitchFamily="18" charset="0"/>
+                </a:rPr>
+                <a:t>5</a:t>
+              </a:r>
+            </a:p>
+          </p:txBody>
+        </p:sp>
+      </p:grpSp>
+      <p:grpSp>
+        <p:nvGrpSpPr>
+          <p:cNvPr id="163" name="Group 162">
+            <a:extLst>
+              <a:ext uri="{FF2B5EF4-FFF2-40B4-BE49-F238E27FC236}">
+                <a16:creationId xmlns:a16="http://schemas.microsoft.com/office/drawing/2014/main" id="{0EBF5D00-6A17-443B-A6F0-A3473346760B}"/>
+              </a:ext>
+            </a:extLst>
+          </p:cNvPr>
+          <p:cNvGrpSpPr/>
+          <p:nvPr/>
+        </p:nvGrpSpPr>
+        <p:grpSpPr>
+          <a:xfrm>
+            <a:off x="4639243" y="2164826"/>
+            <a:ext cx="369060" cy="475413"/>
+            <a:chOff x="4477180" y="806355"/>
+            <a:chExt cx="437964" cy="564173"/>
+          </a:xfrm>
+        </p:grpSpPr>
+        <p:sp>
+          <p:nvSpPr>
+            <p:cNvPr id="164" name="Oval 163">
+              <a:extLst>
+                <a:ext uri="{FF2B5EF4-FFF2-40B4-BE49-F238E27FC236}">
+                  <a16:creationId xmlns:a16="http://schemas.microsoft.com/office/drawing/2014/main" id="{60421C24-A6BA-4525-A1F3-D243C232D593}"/>
+                </a:ext>
+              </a:extLst>
+            </p:cNvPr>
+            <p:cNvSpPr/>
+            <p:nvPr/>
+          </p:nvSpPr>
+          <p:spPr>
+            <a:xfrm>
+              <a:off x="4477226" y="925718"/>
+              <a:ext cx="402336" cy="402336"/>
+            </a:xfrm>
+            <a:prstGeom prst="ellipse">
+              <a:avLst/>
+            </a:prstGeom>
+            <a:noFill/>
+            <a:ln>
+              <a:solidFill>
+                <a:schemeClr val="tx1"/>
+              </a:solidFill>
+            </a:ln>
+          </p:spPr>
+          <p:style>
+            <a:lnRef idx="2">
+              <a:schemeClr val="accent1">
+                <a:shade val="50000"/>
+              </a:schemeClr>
+            </a:lnRef>
+            <a:fillRef idx="1">
+              <a:schemeClr val="accent1"/>
+            </a:fillRef>
+            <a:effectRef idx="0">
+              <a:schemeClr val="accent1"/>
+            </a:effectRef>
+            <a:fontRef idx="minor">
+              <a:schemeClr val="lt1"/>
+            </a:fontRef>
+          </p:style>
+          <p:txBody>
+            <a:bodyPr lIns="0" tIns="0" rIns="0" bIns="0" rtlCol="0" anchor="ctr"/>
+            <a:lstStyle/>
+            <a:p>
+              <a:pPr algn="ctr"/>
+              <a:endParaRPr lang="en-US" sz="1400" dirty="0">
+                <a:solidFill>
+                  <a:schemeClr val="tx1"/>
+                </a:solidFill>
+                <a:latin typeface="Century Schoolbook" panose="02040604050505020304" pitchFamily="18" charset="0"/>
+              </a:endParaRPr>
+            </a:p>
+          </p:txBody>
+        </p:sp>
+        <p:sp>
+          <p:nvSpPr>
+            <p:cNvPr id="166" name="TextBox 165">
+              <a:extLst>
+                <a:ext uri="{FF2B5EF4-FFF2-40B4-BE49-F238E27FC236}">
+                  <a16:creationId xmlns:a16="http://schemas.microsoft.com/office/drawing/2014/main" id="{61B2E633-A861-4A09-B4E5-6C1B9AE11965}"/>
+                </a:ext>
+              </a:extLst>
+            </p:cNvPr>
+            <p:cNvSpPr txBox="1"/>
+            <p:nvPr/>
+          </p:nvSpPr>
+          <p:spPr>
+            <a:xfrm>
+              <a:off x="4477180" y="806355"/>
+              <a:ext cx="377033" cy="474811"/>
+            </a:xfrm>
+            <a:prstGeom prst="rect">
+              <a:avLst/>
+            </a:prstGeom>
+            <a:noFill/>
+          </p:spPr>
+          <p:txBody>
+            <a:bodyPr wrap="none" rtlCol="0">
+              <a:spAutoFit/>
+            </a:bodyPr>
+            <a:lstStyle/>
+            <a:p>
+              <a:r>
+                <a:rPr lang="en-US" sz="2000" i="1" dirty="0">
+                  <a:latin typeface="Century Schoolbook" panose="02040604050505020304" pitchFamily="18" charset="0"/>
+                  <a:cs typeface="Times New Roman" panose="02020603050405020304" pitchFamily="18" charset="0"/>
+                </a:rPr>
+                <a:t>v</a:t>
+              </a:r>
+            </a:p>
+          </p:txBody>
+        </p:sp>
+        <p:sp>
+          <p:nvSpPr>
+            <p:cNvPr id="167" name="TextBox 166">
+              <a:extLst>
+                <a:ext uri="{FF2B5EF4-FFF2-40B4-BE49-F238E27FC236}">
+                  <a16:creationId xmlns:a16="http://schemas.microsoft.com/office/drawing/2014/main" id="{1C4CA3D0-94AB-4F6F-BAB7-F35FFE0718D8}"/>
+                </a:ext>
+              </a:extLst>
+            </p:cNvPr>
+            <p:cNvSpPr txBox="1"/>
+            <p:nvPr/>
+          </p:nvSpPr>
+          <p:spPr>
+            <a:xfrm>
+              <a:off x="4612301" y="1060075"/>
+              <a:ext cx="302843" cy="310453"/>
+            </a:xfrm>
+            <a:prstGeom prst="rect">
+              <a:avLst/>
+            </a:prstGeom>
+            <a:noFill/>
+          </p:spPr>
+          <p:txBody>
+            <a:bodyPr wrap="none" rtlCol="0">
+              <a:spAutoFit/>
+            </a:bodyPr>
+            <a:lstStyle/>
+            <a:p>
+              <a:r>
+                <a:rPr lang="en-US" sz="1100" i="1" dirty="0">
+                  <a:latin typeface="Times New Roman" panose="02020603050405020304" pitchFamily="18" charset="0"/>
+                  <a:cs typeface="Times New Roman" panose="02020603050405020304" pitchFamily="18" charset="0"/>
+                </a:rPr>
+                <a:t>7</a:t>
+              </a:r>
+            </a:p>
+          </p:txBody>
+        </p:sp>
+      </p:grpSp>
+      <p:grpSp>
+        <p:nvGrpSpPr>
+          <p:cNvPr id="168" name="Group 167">
+            <a:extLst>
+              <a:ext uri="{FF2B5EF4-FFF2-40B4-BE49-F238E27FC236}">
+                <a16:creationId xmlns:a16="http://schemas.microsoft.com/office/drawing/2014/main" id="{5BFABB12-E3C8-4652-ACCD-459C45E4B787}"/>
+              </a:ext>
+            </a:extLst>
+          </p:cNvPr>
+          <p:cNvGrpSpPr/>
+          <p:nvPr/>
+        </p:nvGrpSpPr>
+        <p:grpSpPr>
+          <a:xfrm>
+            <a:off x="4639243" y="3031020"/>
+            <a:ext cx="369060" cy="475413"/>
+            <a:chOff x="4477180" y="806355"/>
+            <a:chExt cx="437964" cy="564173"/>
+          </a:xfrm>
+        </p:grpSpPr>
+        <p:sp>
+          <p:nvSpPr>
+            <p:cNvPr id="169" name="Oval 168">
+              <a:extLst>
+                <a:ext uri="{FF2B5EF4-FFF2-40B4-BE49-F238E27FC236}">
+                  <a16:creationId xmlns:a16="http://schemas.microsoft.com/office/drawing/2014/main" id="{A2E6116D-082B-4A43-B5BF-40A070954DB3}"/>
+                </a:ext>
+              </a:extLst>
+            </p:cNvPr>
+            <p:cNvSpPr/>
+            <p:nvPr/>
+          </p:nvSpPr>
+          <p:spPr>
+            <a:xfrm>
+              <a:off x="4477226" y="925718"/>
+              <a:ext cx="402336" cy="402336"/>
+            </a:xfrm>
+            <a:prstGeom prst="ellipse">
+              <a:avLst/>
+            </a:prstGeom>
+            <a:noFill/>
+            <a:ln>
+              <a:solidFill>
+                <a:schemeClr val="tx1"/>
+              </a:solidFill>
+            </a:ln>
+          </p:spPr>
+          <p:style>
+            <a:lnRef idx="2">
+              <a:schemeClr val="accent1">
+                <a:shade val="50000"/>
+              </a:schemeClr>
+            </a:lnRef>
+            <a:fillRef idx="1">
+              <a:schemeClr val="accent1"/>
+            </a:fillRef>
+            <a:effectRef idx="0">
+              <a:schemeClr val="accent1"/>
+            </a:effectRef>
+            <a:fontRef idx="minor">
+              <a:schemeClr val="lt1"/>
+            </a:fontRef>
+          </p:style>
+          <p:txBody>
+            <a:bodyPr lIns="0" tIns="0" rIns="0" bIns="0" rtlCol="0" anchor="ctr"/>
+            <a:lstStyle/>
+            <a:p>
+              <a:pPr algn="ctr"/>
+              <a:endParaRPr lang="en-US" sz="1400" dirty="0">
+                <a:solidFill>
+                  <a:schemeClr val="tx1"/>
+                </a:solidFill>
+                <a:latin typeface="Century Schoolbook" panose="02040604050505020304" pitchFamily="18" charset="0"/>
+              </a:endParaRPr>
+            </a:p>
+          </p:txBody>
+        </p:sp>
+        <p:sp>
+          <p:nvSpPr>
+            <p:cNvPr id="172" name="TextBox 171">
+              <a:extLst>
+                <a:ext uri="{FF2B5EF4-FFF2-40B4-BE49-F238E27FC236}">
+                  <a16:creationId xmlns:a16="http://schemas.microsoft.com/office/drawing/2014/main" id="{9F2D94D3-4512-4237-A9D0-D51546F06809}"/>
+                </a:ext>
+              </a:extLst>
+            </p:cNvPr>
+            <p:cNvSpPr txBox="1"/>
+            <p:nvPr/>
+          </p:nvSpPr>
+          <p:spPr>
+            <a:xfrm>
+              <a:off x="4477180" y="806355"/>
+              <a:ext cx="377033" cy="474811"/>
+            </a:xfrm>
+            <a:prstGeom prst="rect">
+              <a:avLst/>
+            </a:prstGeom>
+            <a:noFill/>
+          </p:spPr>
+          <p:txBody>
+            <a:bodyPr wrap="none" rtlCol="0">
+              <a:spAutoFit/>
+            </a:bodyPr>
+            <a:lstStyle/>
+            <a:p>
+              <a:r>
+                <a:rPr lang="en-US" sz="2000" i="1" dirty="0">
+                  <a:latin typeface="Century Schoolbook" panose="02040604050505020304" pitchFamily="18" charset="0"/>
+                  <a:cs typeface="Times New Roman" panose="02020603050405020304" pitchFamily="18" charset="0"/>
+                </a:rPr>
+                <a:t>v</a:t>
+              </a:r>
+            </a:p>
+          </p:txBody>
+        </p:sp>
+        <p:sp>
+          <p:nvSpPr>
+            <p:cNvPr id="173" name="TextBox 172">
+              <a:extLst>
+                <a:ext uri="{FF2B5EF4-FFF2-40B4-BE49-F238E27FC236}">
+                  <a16:creationId xmlns:a16="http://schemas.microsoft.com/office/drawing/2014/main" id="{09B72C21-82BD-46FB-9012-F84C62A93364}"/>
+                </a:ext>
+              </a:extLst>
+            </p:cNvPr>
+            <p:cNvSpPr txBox="1"/>
+            <p:nvPr/>
+          </p:nvSpPr>
+          <p:spPr>
+            <a:xfrm>
+              <a:off x="4612301" y="1060075"/>
+              <a:ext cx="302843" cy="310453"/>
+            </a:xfrm>
+            <a:prstGeom prst="rect">
+              <a:avLst/>
+            </a:prstGeom>
+            <a:noFill/>
+          </p:spPr>
+          <p:txBody>
+            <a:bodyPr wrap="none" rtlCol="0">
+              <a:spAutoFit/>
+            </a:bodyPr>
+            <a:lstStyle/>
+            <a:p>
+              <a:r>
+                <a:rPr lang="en-US" sz="1100" i="1" dirty="0">
+                  <a:latin typeface="Times New Roman" panose="02020603050405020304" pitchFamily="18" charset="0"/>
+                  <a:cs typeface="Times New Roman" panose="02020603050405020304" pitchFamily="18" charset="0"/>
+                </a:rPr>
+                <a:t>2</a:t>
+              </a:r>
+            </a:p>
+          </p:txBody>
+        </p:sp>
+      </p:grpSp>
+      <p:grpSp>
+        <p:nvGrpSpPr>
+          <p:cNvPr id="174" name="Group 173">
+            <a:extLst>
+              <a:ext uri="{FF2B5EF4-FFF2-40B4-BE49-F238E27FC236}">
+                <a16:creationId xmlns:a16="http://schemas.microsoft.com/office/drawing/2014/main" id="{91287B4D-0B99-49CF-80BF-3E27E8EAED8E}"/>
+              </a:ext>
+            </a:extLst>
+          </p:cNvPr>
+          <p:cNvGrpSpPr/>
+          <p:nvPr/>
+        </p:nvGrpSpPr>
+        <p:grpSpPr>
+          <a:xfrm>
+            <a:off x="4639243" y="3408639"/>
+            <a:ext cx="369060" cy="475413"/>
+            <a:chOff x="4477180" y="806355"/>
+            <a:chExt cx="437964" cy="564173"/>
+          </a:xfrm>
+        </p:grpSpPr>
+        <p:sp>
+          <p:nvSpPr>
+            <p:cNvPr id="175" name="Oval 174">
+              <a:extLst>
+                <a:ext uri="{FF2B5EF4-FFF2-40B4-BE49-F238E27FC236}">
+                  <a16:creationId xmlns:a16="http://schemas.microsoft.com/office/drawing/2014/main" id="{DE046295-1044-4E6F-B0AB-0F2DEBCC22A5}"/>
+                </a:ext>
+              </a:extLst>
+            </p:cNvPr>
+            <p:cNvSpPr/>
+            <p:nvPr/>
+          </p:nvSpPr>
+          <p:spPr>
+            <a:xfrm>
+              <a:off x="4477226" y="925718"/>
+              <a:ext cx="402336" cy="402336"/>
+            </a:xfrm>
+            <a:prstGeom prst="ellipse">
+              <a:avLst/>
+            </a:prstGeom>
+            <a:noFill/>
+            <a:ln>
+              <a:solidFill>
+                <a:schemeClr val="tx1"/>
+              </a:solidFill>
+            </a:ln>
+          </p:spPr>
+          <p:style>
+            <a:lnRef idx="2">
+              <a:schemeClr val="accent1">
+                <a:shade val="50000"/>
+              </a:schemeClr>
+            </a:lnRef>
+            <a:fillRef idx="1">
+              <a:schemeClr val="accent1"/>
+            </a:fillRef>
+            <a:effectRef idx="0">
+              <a:schemeClr val="accent1"/>
+            </a:effectRef>
+            <a:fontRef idx="minor">
+              <a:schemeClr val="lt1"/>
+            </a:fontRef>
+          </p:style>
+          <p:txBody>
+            <a:bodyPr lIns="0" tIns="0" rIns="0" bIns="0" rtlCol="0" anchor="ctr"/>
+            <a:lstStyle/>
+            <a:p>
+              <a:pPr algn="ctr"/>
+              <a:endParaRPr lang="en-US" sz="1400" dirty="0">
+                <a:solidFill>
+                  <a:schemeClr val="tx1"/>
+                </a:solidFill>
+                <a:latin typeface="Century Schoolbook" panose="02040604050505020304" pitchFamily="18" charset="0"/>
+              </a:endParaRPr>
+            </a:p>
+          </p:txBody>
+        </p:sp>
+        <p:sp>
+          <p:nvSpPr>
+            <p:cNvPr id="176" name="TextBox 175">
+              <a:extLst>
+                <a:ext uri="{FF2B5EF4-FFF2-40B4-BE49-F238E27FC236}">
+                  <a16:creationId xmlns:a16="http://schemas.microsoft.com/office/drawing/2014/main" id="{CDDDE22C-E502-498B-B91E-C64D4A0EBDAB}"/>
+                </a:ext>
+              </a:extLst>
+            </p:cNvPr>
+            <p:cNvSpPr txBox="1"/>
+            <p:nvPr/>
+          </p:nvSpPr>
+          <p:spPr>
+            <a:xfrm>
+              <a:off x="4477180" y="806355"/>
+              <a:ext cx="377033" cy="474811"/>
+            </a:xfrm>
+            <a:prstGeom prst="rect">
+              <a:avLst/>
+            </a:prstGeom>
+            <a:noFill/>
+          </p:spPr>
+          <p:txBody>
+            <a:bodyPr wrap="none" rtlCol="0">
+              <a:spAutoFit/>
+            </a:bodyPr>
+            <a:lstStyle/>
+            <a:p>
+              <a:r>
+                <a:rPr lang="en-US" sz="2000" i="1" dirty="0">
+                  <a:latin typeface="Century Schoolbook" panose="02040604050505020304" pitchFamily="18" charset="0"/>
+                  <a:cs typeface="Times New Roman" panose="02020603050405020304" pitchFamily="18" charset="0"/>
+                </a:rPr>
+                <a:t>v</a:t>
+              </a:r>
+            </a:p>
+          </p:txBody>
+        </p:sp>
+        <p:sp>
+          <p:nvSpPr>
+            <p:cNvPr id="177" name="TextBox 176">
+              <a:extLst>
+                <a:ext uri="{FF2B5EF4-FFF2-40B4-BE49-F238E27FC236}">
+                  <a16:creationId xmlns:a16="http://schemas.microsoft.com/office/drawing/2014/main" id="{B15095F9-65FC-41D4-BB3A-1D30B8EA12F9}"/>
+                </a:ext>
+              </a:extLst>
+            </p:cNvPr>
+            <p:cNvSpPr txBox="1"/>
+            <p:nvPr/>
+          </p:nvSpPr>
+          <p:spPr>
+            <a:xfrm>
+              <a:off x="4612301" y="1060075"/>
+              <a:ext cx="302843" cy="310453"/>
+            </a:xfrm>
+            <a:prstGeom prst="rect">
+              <a:avLst/>
+            </a:prstGeom>
+            <a:noFill/>
+          </p:spPr>
+          <p:txBody>
+            <a:bodyPr wrap="none" rtlCol="0">
+              <a:spAutoFit/>
+            </a:bodyPr>
+            <a:lstStyle/>
+            <a:p>
+              <a:r>
+                <a:rPr lang="en-US" sz="1100" i="1" dirty="0">
+                  <a:latin typeface="Times New Roman" panose="02020603050405020304" pitchFamily="18" charset="0"/>
+                  <a:cs typeface="Times New Roman" panose="02020603050405020304" pitchFamily="18" charset="0"/>
+                </a:rPr>
+                <a:t>5</a:t>
+              </a:r>
+            </a:p>
+          </p:txBody>
+        </p:sp>
+      </p:grpSp>
+      <p:grpSp>
+        <p:nvGrpSpPr>
+          <p:cNvPr id="178" name="Group 177">
+            <a:extLst>
+              <a:ext uri="{FF2B5EF4-FFF2-40B4-BE49-F238E27FC236}">
+                <a16:creationId xmlns:a16="http://schemas.microsoft.com/office/drawing/2014/main" id="{70403611-A854-4136-8CCE-5DF6CE0BA92D}"/>
+              </a:ext>
+            </a:extLst>
+          </p:cNvPr>
+          <p:cNvGrpSpPr/>
+          <p:nvPr/>
+        </p:nvGrpSpPr>
+        <p:grpSpPr>
+          <a:xfrm>
+            <a:off x="4630701" y="3790795"/>
+            <a:ext cx="369060" cy="475413"/>
+            <a:chOff x="4477180" y="806355"/>
+            <a:chExt cx="437964" cy="564173"/>
+          </a:xfrm>
+        </p:grpSpPr>
+        <p:sp>
+          <p:nvSpPr>
+            <p:cNvPr id="179" name="Oval 178">
+              <a:extLst>
+                <a:ext uri="{FF2B5EF4-FFF2-40B4-BE49-F238E27FC236}">
+                  <a16:creationId xmlns:a16="http://schemas.microsoft.com/office/drawing/2014/main" id="{A1B0D3EC-99E7-4058-A00B-B9E8D00E5570}"/>
+                </a:ext>
+              </a:extLst>
+            </p:cNvPr>
+            <p:cNvSpPr/>
+            <p:nvPr/>
+          </p:nvSpPr>
+          <p:spPr>
+            <a:xfrm>
+              <a:off x="4477226" y="925718"/>
+              <a:ext cx="402336" cy="402336"/>
+            </a:xfrm>
+            <a:prstGeom prst="ellipse">
+              <a:avLst/>
+            </a:prstGeom>
+            <a:noFill/>
+            <a:ln>
+              <a:solidFill>
+                <a:schemeClr val="tx1"/>
+              </a:solidFill>
+            </a:ln>
+          </p:spPr>
+          <p:style>
+            <a:lnRef idx="2">
+              <a:schemeClr val="accent1">
+                <a:shade val="50000"/>
+              </a:schemeClr>
+            </a:lnRef>
+            <a:fillRef idx="1">
+              <a:schemeClr val="accent1"/>
+            </a:fillRef>
+            <a:effectRef idx="0">
+              <a:schemeClr val="accent1"/>
+            </a:effectRef>
+            <a:fontRef idx="minor">
+              <a:schemeClr val="lt1"/>
+            </a:fontRef>
+          </p:style>
+          <p:txBody>
+            <a:bodyPr lIns="0" tIns="0" rIns="0" bIns="0" rtlCol="0" anchor="ctr"/>
+            <a:lstStyle/>
+            <a:p>
+              <a:pPr algn="ctr"/>
+              <a:endParaRPr lang="en-US" sz="1400" dirty="0">
+                <a:solidFill>
+                  <a:schemeClr val="tx1"/>
+                </a:solidFill>
+                <a:latin typeface="Century Schoolbook" panose="02040604050505020304" pitchFamily="18" charset="0"/>
+              </a:endParaRPr>
+            </a:p>
+          </p:txBody>
+        </p:sp>
+        <p:sp>
+          <p:nvSpPr>
+            <p:cNvPr id="180" name="TextBox 179">
+              <a:extLst>
+                <a:ext uri="{FF2B5EF4-FFF2-40B4-BE49-F238E27FC236}">
+                  <a16:creationId xmlns:a16="http://schemas.microsoft.com/office/drawing/2014/main" id="{BDF8DD7C-1EB8-44FD-955A-09374958C26A}"/>
+                </a:ext>
+              </a:extLst>
+            </p:cNvPr>
+            <p:cNvSpPr txBox="1"/>
+            <p:nvPr/>
+          </p:nvSpPr>
+          <p:spPr>
+            <a:xfrm>
+              <a:off x="4477180" y="806355"/>
+              <a:ext cx="377033" cy="474811"/>
+            </a:xfrm>
+            <a:prstGeom prst="rect">
+              <a:avLst/>
+            </a:prstGeom>
+            <a:noFill/>
+          </p:spPr>
+          <p:txBody>
+            <a:bodyPr wrap="none" rtlCol="0">
+              <a:spAutoFit/>
+            </a:bodyPr>
+            <a:lstStyle/>
+            <a:p>
+              <a:r>
+                <a:rPr lang="en-US" sz="2000" i="1" dirty="0">
+                  <a:latin typeface="Century Schoolbook" panose="02040604050505020304" pitchFamily="18" charset="0"/>
+                  <a:cs typeface="Times New Roman" panose="02020603050405020304" pitchFamily="18" charset="0"/>
+                </a:rPr>
+                <a:t>v</a:t>
+              </a:r>
+            </a:p>
+          </p:txBody>
+        </p:sp>
+        <p:sp>
+          <p:nvSpPr>
+            <p:cNvPr id="181" name="TextBox 180">
+              <a:extLst>
+                <a:ext uri="{FF2B5EF4-FFF2-40B4-BE49-F238E27FC236}">
+                  <a16:creationId xmlns:a16="http://schemas.microsoft.com/office/drawing/2014/main" id="{9B13BDB0-26AF-4344-9015-9986E83AACD7}"/>
+                </a:ext>
+              </a:extLst>
+            </p:cNvPr>
+            <p:cNvSpPr txBox="1"/>
+            <p:nvPr/>
+          </p:nvSpPr>
+          <p:spPr>
+            <a:xfrm>
+              <a:off x="4612301" y="1060075"/>
+              <a:ext cx="302843" cy="310453"/>
+            </a:xfrm>
+            <a:prstGeom prst="rect">
+              <a:avLst/>
+            </a:prstGeom>
+            <a:noFill/>
+          </p:spPr>
+          <p:txBody>
+            <a:bodyPr wrap="none" rtlCol="0">
+              <a:spAutoFit/>
+            </a:bodyPr>
+            <a:lstStyle/>
+            <a:p>
+              <a:r>
+                <a:rPr lang="en-US" sz="1100" i="1" dirty="0">
+                  <a:latin typeface="Times New Roman" panose="02020603050405020304" pitchFamily="18" charset="0"/>
+                  <a:cs typeface="Times New Roman" panose="02020603050405020304" pitchFamily="18" charset="0"/>
+                </a:rPr>
+                <a:t>7</a:t>
+              </a:r>
+            </a:p>
+          </p:txBody>
+        </p:sp>
+      </p:grpSp>
+      <p:sp>
+        <p:nvSpPr>
+          <p:cNvPr id="182" name="TextBox 181">
+            <a:extLst>
+              <a:ext uri="{FF2B5EF4-FFF2-40B4-BE49-F238E27FC236}">
+                <a16:creationId xmlns:a16="http://schemas.microsoft.com/office/drawing/2014/main" id="{ED0FFEA1-B2A8-4D1C-A7D7-202731A187AB}"/>
+              </a:ext>
+            </a:extLst>
+          </p:cNvPr>
+          <p:cNvSpPr txBox="1"/>
+          <p:nvPr/>
+        </p:nvSpPr>
+        <p:spPr>
+          <a:xfrm>
+            <a:off x="6043014" y="1760155"/>
+            <a:ext cx="317716" cy="400110"/>
+          </a:xfrm>
+          <a:prstGeom prst="rect">
+            <a:avLst/>
+          </a:prstGeom>
+          <a:noFill/>
+        </p:spPr>
+        <p:txBody>
+          <a:bodyPr wrap="none" rtlCol="0">
+            <a:spAutoFit/>
+          </a:bodyPr>
+          <a:lstStyle/>
+          <a:p>
+            <a:r>
+              <a:rPr lang="en-US" sz="2000" i="1" dirty="0">
+                <a:latin typeface="Century Schoolbook" panose="02040604050505020304" pitchFamily="18" charset="0"/>
+                <a:cs typeface="Times New Roman" panose="02020603050405020304" pitchFamily="18" charset="0"/>
+              </a:rPr>
+              <a:t>v</a:t>
+            </a:r>
+          </a:p>
+        </p:txBody>
+      </p:sp>
+      <p:sp>
+        <p:nvSpPr>
+          <p:cNvPr id="184" name="TextBox 183">
+            <a:extLst>
+              <a:ext uri="{FF2B5EF4-FFF2-40B4-BE49-F238E27FC236}">
+                <a16:creationId xmlns:a16="http://schemas.microsoft.com/office/drawing/2014/main" id="{30157A86-B362-41E6-9938-75F520FD94FA}"/>
+              </a:ext>
+            </a:extLst>
+          </p:cNvPr>
+          <p:cNvSpPr txBox="1"/>
+          <p:nvPr/>
+        </p:nvSpPr>
+        <p:spPr>
+          <a:xfrm>
+            <a:off x="6164046" y="1945067"/>
+            <a:ext cx="395926" cy="315308"/>
+          </a:xfrm>
+          <a:prstGeom prst="rect">
+            <a:avLst/>
+          </a:prstGeom>
+          <a:noFill/>
+        </p:spPr>
+        <p:txBody>
+          <a:bodyPr wrap="none" rtlCol="0">
+            <a:spAutoFit/>
+          </a:bodyPr>
+          <a:lstStyle/>
+          <a:p>
+            <a:r>
+              <a:rPr lang="en-US" sz="1400" i="1" dirty="0">
+                <a:latin typeface="Times New Roman" panose="02020603050405020304" pitchFamily="18" charset="0"/>
+                <a:cs typeface="Times New Roman" panose="02020603050405020304" pitchFamily="18" charset="0"/>
+              </a:rPr>
+              <a:t>ctx</a:t>
+            </a:r>
+          </a:p>
+        </p:txBody>
+      </p:sp>
+      <p:sp>
+        <p:nvSpPr>
+          <p:cNvPr id="185" name="TextBox 184">
+            <a:extLst>
+              <a:ext uri="{FF2B5EF4-FFF2-40B4-BE49-F238E27FC236}">
+                <a16:creationId xmlns:a16="http://schemas.microsoft.com/office/drawing/2014/main" id="{CA5E79ED-9D6A-4DA6-B0C8-570D7B727FD4}"/>
+              </a:ext>
+            </a:extLst>
+          </p:cNvPr>
+          <p:cNvSpPr txBox="1"/>
+          <p:nvPr/>
+        </p:nvSpPr>
+        <p:spPr>
+          <a:xfrm>
+            <a:off x="6034198" y="3392770"/>
+            <a:ext cx="317716" cy="400110"/>
+          </a:xfrm>
+          <a:prstGeom prst="rect">
+            <a:avLst/>
+          </a:prstGeom>
+          <a:noFill/>
+        </p:spPr>
+        <p:txBody>
+          <a:bodyPr wrap="none" rtlCol="0">
+            <a:spAutoFit/>
+          </a:bodyPr>
+          <a:lstStyle/>
+          <a:p>
+            <a:r>
+              <a:rPr lang="en-US" sz="2000" i="1" dirty="0">
+                <a:latin typeface="Century Schoolbook" panose="02040604050505020304" pitchFamily="18" charset="0"/>
+                <a:cs typeface="Times New Roman" panose="02020603050405020304" pitchFamily="18" charset="0"/>
+              </a:rPr>
+              <a:t>v</a:t>
+            </a:r>
+          </a:p>
+        </p:txBody>
+      </p:sp>
+      <p:sp>
+        <p:nvSpPr>
+          <p:cNvPr id="186" name="TextBox 185">
+            <a:extLst>
+              <a:ext uri="{FF2B5EF4-FFF2-40B4-BE49-F238E27FC236}">
+                <a16:creationId xmlns:a16="http://schemas.microsoft.com/office/drawing/2014/main" id="{28E20289-ABF0-47C4-8D08-88B85A3BB8A8}"/>
+              </a:ext>
+            </a:extLst>
+          </p:cNvPr>
+          <p:cNvSpPr txBox="1"/>
+          <p:nvPr/>
+        </p:nvSpPr>
+        <p:spPr>
+          <a:xfrm>
+            <a:off x="6155230" y="3591633"/>
+            <a:ext cx="395926" cy="315308"/>
+          </a:xfrm>
+          <a:prstGeom prst="rect">
+            <a:avLst/>
+          </a:prstGeom>
+          <a:noFill/>
+        </p:spPr>
+        <p:txBody>
+          <a:bodyPr wrap="square" rtlCol="0">
+            <a:spAutoFit/>
+          </a:bodyPr>
+          <a:lstStyle/>
+          <a:p>
+            <a:r>
+              <a:rPr lang="en-US" sz="1400" i="1" dirty="0">
+                <a:latin typeface="Times New Roman" panose="02020603050405020304" pitchFamily="18" charset="0"/>
+                <a:cs typeface="Times New Roman" panose="02020603050405020304" pitchFamily="18" charset="0"/>
+              </a:rPr>
+              <a:t>ctx</a:t>
+            </a:r>
+          </a:p>
+        </p:txBody>
+      </p:sp>
+      <p:sp>
+        <p:nvSpPr>
+          <p:cNvPr id="187" name="TextBox 186">
+            <a:extLst>
+              <a:ext uri="{FF2B5EF4-FFF2-40B4-BE49-F238E27FC236}">
+                <a16:creationId xmlns:a16="http://schemas.microsoft.com/office/drawing/2014/main" id="{8A8BA8C5-3939-4CFA-84DF-91A4D25A8DEC}"/>
+              </a:ext>
+            </a:extLst>
+          </p:cNvPr>
+          <p:cNvSpPr txBox="1"/>
+          <p:nvPr/>
+        </p:nvSpPr>
+        <p:spPr>
+          <a:xfrm>
+            <a:off x="6861215" y="2541829"/>
+            <a:ext cx="388248" cy="400110"/>
+          </a:xfrm>
+          <a:prstGeom prst="rect">
+            <a:avLst/>
+          </a:prstGeom>
+          <a:noFill/>
+        </p:spPr>
+        <p:txBody>
+          <a:bodyPr wrap="none" rtlCol="0">
+            <a:spAutoFit/>
+          </a:bodyPr>
+          <a:lstStyle/>
+          <a:p>
+            <a:r>
+              <a:rPr lang="en-US" sz="2000" i="1" dirty="0">
+                <a:solidFill>
+                  <a:srgbClr val="FF0000"/>
+                </a:solidFill>
+                <a:latin typeface="Century Schoolbook" panose="02040604050505020304" pitchFamily="18" charset="0"/>
+                <a:cs typeface="Times New Roman" panose="02020603050405020304" pitchFamily="18" charset="0"/>
+              </a:rPr>
+              <a:t>v'</a:t>
+            </a:r>
+          </a:p>
+        </p:txBody>
+      </p:sp>
+      <p:sp>
+        <p:nvSpPr>
+          <p:cNvPr id="188" name="TextBox 187">
+            <a:extLst>
+              <a:ext uri="{FF2B5EF4-FFF2-40B4-BE49-F238E27FC236}">
+                <a16:creationId xmlns:a16="http://schemas.microsoft.com/office/drawing/2014/main" id="{DFA5A51F-E3D1-48E3-9853-28A23E822EFF}"/>
+              </a:ext>
+            </a:extLst>
+          </p:cNvPr>
+          <p:cNvSpPr txBox="1"/>
+          <p:nvPr/>
+        </p:nvSpPr>
+        <p:spPr>
+          <a:xfrm>
+            <a:off x="6989600" y="2753232"/>
+            <a:ext cx="255198" cy="261610"/>
+          </a:xfrm>
+          <a:prstGeom prst="rect">
+            <a:avLst/>
+          </a:prstGeom>
+          <a:noFill/>
+        </p:spPr>
+        <p:txBody>
+          <a:bodyPr wrap="none" rtlCol="0">
+            <a:spAutoFit/>
+          </a:bodyPr>
+          <a:lstStyle/>
+          <a:p>
+            <a:r>
+              <a:rPr lang="en-US" sz="1100" i="1" dirty="0">
+                <a:solidFill>
+                  <a:srgbClr val="FF0000"/>
+                </a:solidFill>
+                <a:latin typeface="Times New Roman" panose="02020603050405020304" pitchFamily="18" charset="0"/>
+                <a:cs typeface="Times New Roman" panose="02020603050405020304" pitchFamily="18" charset="0"/>
+              </a:rPr>
+              <a:t>3</a:t>
+            </a:r>
+          </a:p>
+        </p:txBody>
+      </p:sp>
+      <p:sp>
+        <p:nvSpPr>
+          <p:cNvPr id="189" name="TextBox 188">
+            <a:extLst>
+              <a:ext uri="{FF2B5EF4-FFF2-40B4-BE49-F238E27FC236}">
+                <a16:creationId xmlns:a16="http://schemas.microsoft.com/office/drawing/2014/main" id="{FF8799CD-FB9B-4275-9D57-7EE22C6D2EBC}"/>
+              </a:ext>
+            </a:extLst>
+          </p:cNvPr>
+          <p:cNvSpPr txBox="1"/>
+          <p:nvPr/>
+        </p:nvSpPr>
+        <p:spPr>
+          <a:xfrm>
+            <a:off x="6868129" y="3001630"/>
+            <a:ext cx="388248" cy="400110"/>
+          </a:xfrm>
+          <a:prstGeom prst="rect">
+            <a:avLst/>
+          </a:prstGeom>
+          <a:noFill/>
+        </p:spPr>
+        <p:txBody>
+          <a:bodyPr wrap="none" rtlCol="0">
+            <a:spAutoFit/>
+          </a:bodyPr>
+          <a:lstStyle/>
+          <a:p>
+            <a:r>
+              <a:rPr lang="en-US" sz="2000" i="1" dirty="0">
+                <a:solidFill>
+                  <a:schemeClr val="accent6">
+                    <a:lumMod val="75000"/>
+                  </a:schemeClr>
+                </a:solidFill>
+                <a:latin typeface="Century Schoolbook" panose="02040604050505020304" pitchFamily="18" charset="0"/>
+                <a:cs typeface="Times New Roman" panose="02020603050405020304" pitchFamily="18" charset="0"/>
+              </a:rPr>
+              <a:t>v'</a:t>
+            </a:r>
+          </a:p>
+        </p:txBody>
+      </p:sp>
+      <p:sp>
+        <p:nvSpPr>
+          <p:cNvPr id="190" name="TextBox 189">
+            <a:extLst>
+              <a:ext uri="{FF2B5EF4-FFF2-40B4-BE49-F238E27FC236}">
+                <a16:creationId xmlns:a16="http://schemas.microsoft.com/office/drawing/2014/main" id="{6AC6B842-6F4D-46D4-86E7-428E415E91E9}"/>
+              </a:ext>
+            </a:extLst>
+          </p:cNvPr>
+          <p:cNvSpPr txBox="1"/>
+          <p:nvPr/>
+        </p:nvSpPr>
+        <p:spPr>
+          <a:xfrm>
+            <a:off x="6989600" y="3206029"/>
+            <a:ext cx="255198" cy="261610"/>
+          </a:xfrm>
+          <a:prstGeom prst="rect">
+            <a:avLst/>
+          </a:prstGeom>
+          <a:noFill/>
+        </p:spPr>
+        <p:txBody>
+          <a:bodyPr wrap="none" rtlCol="0">
+            <a:spAutoFit/>
+          </a:bodyPr>
+          <a:lstStyle/>
+          <a:p>
+            <a:r>
+              <a:rPr lang="en-US" sz="1100" i="1" dirty="0">
+                <a:solidFill>
+                  <a:schemeClr val="accent6">
+                    <a:lumMod val="75000"/>
+                  </a:schemeClr>
+                </a:solidFill>
+                <a:latin typeface="Times New Roman" panose="02020603050405020304" pitchFamily="18" charset="0"/>
+                <a:cs typeface="Times New Roman" panose="02020603050405020304" pitchFamily="18" charset="0"/>
+              </a:rPr>
+              <a:t>4</a:t>
+            </a:r>
+          </a:p>
+        </p:txBody>
+      </p:sp>
+      <p:sp>
+        <p:nvSpPr>
+          <p:cNvPr id="191" name="TextBox 190">
+            <a:extLst>
+              <a:ext uri="{FF2B5EF4-FFF2-40B4-BE49-F238E27FC236}">
+                <a16:creationId xmlns:a16="http://schemas.microsoft.com/office/drawing/2014/main" id="{F1DE749C-3F05-4143-95CF-5684E349D36A}"/>
+              </a:ext>
+            </a:extLst>
+          </p:cNvPr>
+          <p:cNvSpPr txBox="1"/>
+          <p:nvPr/>
+        </p:nvSpPr>
+        <p:spPr>
+          <a:xfrm>
+            <a:off x="9494975" y="3259787"/>
+            <a:ext cx="317716" cy="400110"/>
+          </a:xfrm>
+          <a:prstGeom prst="rect">
+            <a:avLst/>
+          </a:prstGeom>
+          <a:noFill/>
+        </p:spPr>
+        <p:txBody>
+          <a:bodyPr wrap="none" rtlCol="0">
+            <a:spAutoFit/>
+          </a:bodyPr>
+          <a:lstStyle/>
+          <a:p>
+            <a:r>
+              <a:rPr lang="en-US" sz="2000" i="1" dirty="0">
+                <a:solidFill>
+                  <a:srgbClr val="0070C0"/>
+                </a:solidFill>
+                <a:latin typeface="Century Schoolbook" panose="02040604050505020304" pitchFamily="18" charset="0"/>
+                <a:cs typeface="Times New Roman" panose="02020603050405020304" pitchFamily="18" charset="0"/>
+              </a:rPr>
+              <a:t>v</a:t>
+            </a:r>
+          </a:p>
+        </p:txBody>
+      </p:sp>
+      <p:sp>
+        <p:nvSpPr>
+          <p:cNvPr id="192" name="TextBox 191">
+            <a:extLst>
+              <a:ext uri="{FF2B5EF4-FFF2-40B4-BE49-F238E27FC236}">
+                <a16:creationId xmlns:a16="http://schemas.microsoft.com/office/drawing/2014/main" id="{323213A2-0BCF-4E24-9B20-7BB97B629CF5}"/>
+              </a:ext>
+            </a:extLst>
+          </p:cNvPr>
+          <p:cNvSpPr txBox="1"/>
+          <p:nvPr/>
+        </p:nvSpPr>
+        <p:spPr>
+          <a:xfrm>
+            <a:off x="9621267" y="3198010"/>
+            <a:ext cx="489982" cy="315308"/>
+          </a:xfrm>
+          <a:prstGeom prst="rect">
+            <a:avLst/>
+          </a:prstGeom>
+          <a:noFill/>
+        </p:spPr>
+        <p:txBody>
+          <a:bodyPr wrap="none" rtlCol="0">
+            <a:spAutoFit/>
+          </a:bodyPr>
+          <a:lstStyle/>
+          <a:p>
+            <a:r>
+              <a:rPr lang="en-US" sz="1400" i="1" dirty="0">
+                <a:solidFill>
+                  <a:srgbClr val="0070C0"/>
+                </a:solidFill>
+                <a:latin typeface="Times New Roman" panose="02020603050405020304" pitchFamily="18" charset="0"/>
+                <a:cs typeface="Times New Roman" panose="02020603050405020304" pitchFamily="18" charset="0"/>
+              </a:rPr>
+              <a:t>com</a:t>
+            </a:r>
+          </a:p>
+        </p:txBody>
+      </p:sp>
+      <p:sp>
+        <p:nvSpPr>
+          <p:cNvPr id="139" name="Rectangle: Rounded Corners 138">
+            <a:extLst>
+              <a:ext uri="{FF2B5EF4-FFF2-40B4-BE49-F238E27FC236}">
+                <a16:creationId xmlns:a16="http://schemas.microsoft.com/office/drawing/2014/main" id="{9DB62394-ACF4-44E8-B754-4E95376FD320}"/>
+              </a:ext>
+            </a:extLst>
+          </p:cNvPr>
+          <p:cNvSpPr/>
+          <p:nvPr/>
+        </p:nvSpPr>
+        <p:spPr>
+          <a:xfrm>
+            <a:off x="8942085" y="2877577"/>
+            <a:ext cx="308216" cy="1148898"/>
+          </a:xfrm>
+          <a:prstGeom prst="roundRect">
+            <a:avLst/>
+          </a:prstGeom>
+          <a:solidFill>
+            <a:schemeClr val="accent2">
+              <a:lumMod val="20000"/>
+              <a:lumOff val="80000"/>
+            </a:schemeClr>
+          </a:solidFill>
+          <a:ln>
+            <a:solidFill>
+              <a:schemeClr val="accent2">
+                <a:lumMod val="75000"/>
+              </a:schemeClr>
+            </a:solidFill>
+          </a:ln>
+        </p:spPr>
+        <p:style>
+          <a:lnRef idx="2">
+            <a:schemeClr val="accent1">
+              <a:shade val="50000"/>
+            </a:schemeClr>
+          </a:lnRef>
+          <a:fillRef idx="1">
+            <a:schemeClr val="accent1"/>
+          </a:fillRef>
+          <a:effectRef idx="0">
+            <a:schemeClr val="accent1"/>
+          </a:effectRef>
+          <a:fontRef idx="minor">
+            <a:schemeClr val="lt1"/>
+          </a:fontRef>
+        </p:style>
+        <p:txBody>
+          <a:bodyPr rtlCol="0" anchor="ctr"/>
+          <a:lstStyle/>
+          <a:p>
+            <a:pPr algn="ctr"/>
+            <a:endParaRPr lang="en-US" sz="1400" dirty="0"/>
+          </a:p>
+        </p:txBody>
+      </p:sp>
+      <p:sp>
+        <p:nvSpPr>
+          <p:cNvPr id="157" name="TextBox 156">
+            <a:extLst>
+              <a:ext uri="{FF2B5EF4-FFF2-40B4-BE49-F238E27FC236}">
+                <a16:creationId xmlns:a16="http://schemas.microsoft.com/office/drawing/2014/main" id="{8738ABC8-8B07-46EE-AFE7-C9069CB04C36}"/>
+              </a:ext>
+            </a:extLst>
+          </p:cNvPr>
+          <p:cNvSpPr txBox="1"/>
+          <p:nvPr/>
+        </p:nvSpPr>
+        <p:spPr>
+          <a:xfrm>
+            <a:off x="8477458" y="2420324"/>
+            <a:ext cx="1285107" cy="461665"/>
+          </a:xfrm>
+          <a:prstGeom prst="rect">
+            <a:avLst/>
+          </a:prstGeom>
+          <a:noFill/>
+        </p:spPr>
+        <p:txBody>
+          <a:bodyPr wrap="square" rtlCol="0">
+            <a:spAutoFit/>
+          </a:bodyPr>
+          <a:lstStyle/>
+          <a:p>
+            <a:r>
+              <a:rPr lang="en-US" sz="1200" b="1" dirty="0"/>
+              <a:t>Fully-connected </a:t>
+            </a:r>
+          </a:p>
+          <a:p>
+            <a:pPr algn="ctr"/>
+            <a:r>
+              <a:rPr lang="en-US" sz="1200" b="1" dirty="0"/>
+              <a:t>Layer</a:t>
+            </a:r>
+          </a:p>
+        </p:txBody>
+      </p:sp>
+      <p:cxnSp>
+        <p:nvCxnSpPr>
+          <p:cNvPr id="183" name="Straight Arrow Connector 182">
+            <a:extLst>
+              <a:ext uri="{FF2B5EF4-FFF2-40B4-BE49-F238E27FC236}">
+                <a16:creationId xmlns:a16="http://schemas.microsoft.com/office/drawing/2014/main" id="{EA146F87-DF44-4BF3-ABDE-958BF694E54F}"/>
+              </a:ext>
+            </a:extLst>
+          </p:cNvPr>
+          <p:cNvCxnSpPr>
+            <a:cxnSpLocks/>
+            <a:stCxn id="139" idx="3"/>
+          </p:cNvCxnSpPr>
+          <p:nvPr/>
+        </p:nvCxnSpPr>
+        <p:spPr>
+          <a:xfrm>
+            <a:off x="9250301" y="3452026"/>
+            <a:ext cx="226656" cy="0"/>
+          </a:xfrm>
+          <a:prstGeom prst="straightConnector1">
+            <a:avLst/>
+          </a:prstGeom>
+          <a:ln w="38100">
+            <a:tailEnd type="triangle"/>
+          </a:ln>
+        </p:spPr>
+        <p:style>
+          <a:lnRef idx="1">
+            <a:schemeClr val="accent1"/>
+          </a:lnRef>
+          <a:fillRef idx="0">
+            <a:schemeClr val="accent1"/>
+          </a:fillRef>
+          <a:effectRef idx="0">
+            <a:schemeClr val="accent1"/>
+          </a:effectRef>
+          <a:fontRef idx="minor">
+            <a:schemeClr val="tx1"/>
+          </a:fontRef>
+        </p:style>
+      </p:cxnSp>
+      <p:sp>
+        <p:nvSpPr>
+          <p:cNvPr id="193" name="Oval 192">
+            <a:extLst>
+              <a:ext uri="{FF2B5EF4-FFF2-40B4-BE49-F238E27FC236}">
+                <a16:creationId xmlns:a16="http://schemas.microsoft.com/office/drawing/2014/main" id="{21011846-E060-40FB-B6A6-603458F2B2FB}"/>
+              </a:ext>
+            </a:extLst>
+          </p:cNvPr>
+          <p:cNvSpPr/>
+          <p:nvPr/>
+        </p:nvSpPr>
+        <p:spPr>
+          <a:xfrm>
+            <a:off x="8105224" y="2779398"/>
+            <a:ext cx="473622" cy="473622"/>
+          </a:xfrm>
+          <a:prstGeom prst="ellipse">
+            <a:avLst/>
+          </a:prstGeom>
+          <a:noFill/>
+          <a:ln>
+            <a:solidFill>
+              <a:schemeClr val="tx1"/>
+            </a:solidFill>
+          </a:ln>
+        </p:spPr>
+        <p:style>
+          <a:lnRef idx="2">
+            <a:schemeClr val="accent1">
+              <a:shade val="50000"/>
+            </a:schemeClr>
+          </a:lnRef>
+          <a:fillRef idx="1">
+            <a:schemeClr val="accent1"/>
+          </a:fillRef>
+          <a:effectRef idx="0">
+            <a:schemeClr val="accent1"/>
+          </a:effectRef>
+          <a:fontRef idx="minor">
+            <a:schemeClr val="lt1"/>
+          </a:fontRef>
+        </p:style>
+        <p:txBody>
+          <a:bodyPr lIns="0" tIns="0" rIns="0" bIns="0" rtlCol="0" anchor="ctr"/>
+          <a:lstStyle/>
+          <a:p>
+            <a:pPr algn="ctr"/>
+            <a:endParaRPr lang="en-US" sz="1400" i="1" baseline="-25000" dirty="0">
+              <a:solidFill>
+                <a:schemeClr val="tx1"/>
+              </a:solidFill>
+              <a:latin typeface="Times New Roman" panose="02020603050405020304" pitchFamily="18" charset="0"/>
+              <a:cs typeface="Times New Roman" panose="02020603050405020304" pitchFamily="18" charset="0"/>
+            </a:endParaRPr>
+          </a:p>
+        </p:txBody>
+      </p:sp>
+      <p:sp>
+        <p:nvSpPr>
+          <p:cNvPr id="194" name="TextBox 193">
+            <a:extLst>
+              <a:ext uri="{FF2B5EF4-FFF2-40B4-BE49-F238E27FC236}">
+                <a16:creationId xmlns:a16="http://schemas.microsoft.com/office/drawing/2014/main" id="{2AE2C6CC-4165-4383-A09A-70C506E488FC}"/>
+              </a:ext>
+            </a:extLst>
+          </p:cNvPr>
+          <p:cNvSpPr txBox="1"/>
+          <p:nvPr/>
+        </p:nvSpPr>
+        <p:spPr>
+          <a:xfrm>
+            <a:off x="8096408" y="2701584"/>
+            <a:ext cx="317716" cy="400110"/>
+          </a:xfrm>
+          <a:prstGeom prst="rect">
+            <a:avLst/>
+          </a:prstGeom>
+          <a:noFill/>
+        </p:spPr>
+        <p:txBody>
+          <a:bodyPr wrap="none" rtlCol="0">
+            <a:spAutoFit/>
+          </a:bodyPr>
+          <a:lstStyle/>
+          <a:p>
+            <a:r>
+              <a:rPr lang="en-US" sz="2000" i="1" dirty="0">
+                <a:latin typeface="Century Schoolbook" panose="02040604050505020304" pitchFamily="18" charset="0"/>
+                <a:cs typeface="Times New Roman" panose="02020603050405020304" pitchFamily="18" charset="0"/>
+              </a:rPr>
+              <a:t>v</a:t>
+            </a:r>
+          </a:p>
+        </p:txBody>
+      </p:sp>
+      <p:sp>
+        <p:nvSpPr>
+          <p:cNvPr id="195" name="TextBox 194">
+            <a:extLst>
+              <a:ext uri="{FF2B5EF4-FFF2-40B4-BE49-F238E27FC236}">
+                <a16:creationId xmlns:a16="http://schemas.microsoft.com/office/drawing/2014/main" id="{51AA6A5D-B929-400E-9D1D-F64BCA5C202F}"/>
+              </a:ext>
+            </a:extLst>
+          </p:cNvPr>
+          <p:cNvSpPr txBox="1"/>
+          <p:nvPr/>
+        </p:nvSpPr>
+        <p:spPr>
+          <a:xfrm>
+            <a:off x="8217440" y="2900447"/>
+            <a:ext cx="333746" cy="307777"/>
+          </a:xfrm>
+          <a:prstGeom prst="rect">
+            <a:avLst/>
+          </a:prstGeom>
+          <a:noFill/>
+        </p:spPr>
+        <p:txBody>
+          <a:bodyPr wrap="none" rtlCol="0">
+            <a:spAutoFit/>
+          </a:bodyPr>
+          <a:lstStyle/>
+          <a:p>
+            <a:r>
+              <a:rPr lang="en-US" sz="1400" i="1" dirty="0">
+                <a:latin typeface="Times New Roman" panose="02020603050405020304" pitchFamily="18" charset="0"/>
+                <a:cs typeface="Times New Roman" panose="02020603050405020304" pitchFamily="18" charset="0"/>
+              </a:rPr>
+              <a:t>M</a:t>
+            </a:r>
+          </a:p>
+        </p:txBody>
+      </p:sp>
+      <p:sp>
+        <p:nvSpPr>
+          <p:cNvPr id="196" name="TextBox 195">
+            <a:extLst>
+              <a:ext uri="{FF2B5EF4-FFF2-40B4-BE49-F238E27FC236}">
+                <a16:creationId xmlns:a16="http://schemas.microsoft.com/office/drawing/2014/main" id="{898FD946-0E55-45DE-B0C4-07BDE57BA9C1}"/>
+              </a:ext>
+            </a:extLst>
+          </p:cNvPr>
+          <p:cNvSpPr txBox="1"/>
+          <p:nvPr/>
+        </p:nvSpPr>
+        <p:spPr>
+          <a:xfrm rot="5400000">
+            <a:off x="7737511" y="3789231"/>
+            <a:ext cx="1285107" cy="286644"/>
+          </a:xfrm>
+          <a:prstGeom prst="rect">
+            <a:avLst/>
+          </a:prstGeom>
+          <a:noFill/>
+        </p:spPr>
+        <p:txBody>
+          <a:bodyPr wrap="square" rtlCol="0">
+            <a:spAutoFit/>
+          </a:bodyPr>
+          <a:lstStyle/>
+          <a:p>
+            <a:r>
+              <a:rPr lang="en-US" sz="1200" b="1" dirty="0"/>
+              <a:t>……</a:t>
+            </a:r>
+          </a:p>
+        </p:txBody>
+      </p:sp>
+      <p:sp>
+        <p:nvSpPr>
+          <p:cNvPr id="197" name="Oval 196">
+            <a:extLst>
+              <a:ext uri="{FF2B5EF4-FFF2-40B4-BE49-F238E27FC236}">
+                <a16:creationId xmlns:a16="http://schemas.microsoft.com/office/drawing/2014/main" id="{FFABD0CA-96A0-445D-9B95-8393A388E8F6}"/>
+              </a:ext>
+            </a:extLst>
+          </p:cNvPr>
+          <p:cNvSpPr/>
+          <p:nvPr/>
+        </p:nvSpPr>
+        <p:spPr>
+          <a:xfrm>
+            <a:off x="8105224" y="3681824"/>
+            <a:ext cx="473622" cy="473622"/>
+          </a:xfrm>
+          <a:prstGeom prst="ellipse">
+            <a:avLst/>
+          </a:prstGeom>
+          <a:noFill/>
+          <a:ln>
+            <a:solidFill>
+              <a:schemeClr val="tx1"/>
+            </a:solidFill>
+          </a:ln>
+        </p:spPr>
+        <p:style>
+          <a:lnRef idx="2">
+            <a:schemeClr val="accent1">
+              <a:shade val="50000"/>
+            </a:schemeClr>
+          </a:lnRef>
+          <a:fillRef idx="1">
+            <a:schemeClr val="accent1"/>
+          </a:fillRef>
+          <a:effectRef idx="0">
+            <a:schemeClr val="accent1"/>
+          </a:effectRef>
+          <a:fontRef idx="minor">
+            <a:schemeClr val="lt1"/>
+          </a:fontRef>
+        </p:style>
+        <p:txBody>
+          <a:bodyPr lIns="0" tIns="0" rIns="0" bIns="0" rtlCol="0" anchor="ctr"/>
+          <a:lstStyle/>
+          <a:p>
+            <a:pPr algn="ctr"/>
+            <a:endParaRPr lang="en-US" sz="1400" i="1" baseline="-25000" dirty="0">
+              <a:solidFill>
+                <a:schemeClr val="tx1"/>
+              </a:solidFill>
+              <a:latin typeface="Times New Roman" panose="02020603050405020304" pitchFamily="18" charset="0"/>
+              <a:cs typeface="Times New Roman" panose="02020603050405020304" pitchFamily="18" charset="0"/>
+            </a:endParaRPr>
+          </a:p>
+        </p:txBody>
+      </p:sp>
+      <p:sp>
+        <p:nvSpPr>
+          <p:cNvPr id="198" name="TextBox 197">
+            <a:extLst>
+              <a:ext uri="{FF2B5EF4-FFF2-40B4-BE49-F238E27FC236}">
+                <a16:creationId xmlns:a16="http://schemas.microsoft.com/office/drawing/2014/main" id="{1B6CF093-E511-4D58-B0F5-C9CA2005494B}"/>
+              </a:ext>
+            </a:extLst>
+          </p:cNvPr>
+          <p:cNvSpPr txBox="1"/>
+          <p:nvPr/>
+        </p:nvSpPr>
+        <p:spPr>
+          <a:xfrm>
+            <a:off x="8096408" y="3604010"/>
+            <a:ext cx="317716" cy="400110"/>
+          </a:xfrm>
+          <a:prstGeom prst="rect">
+            <a:avLst/>
+          </a:prstGeom>
+          <a:noFill/>
+        </p:spPr>
+        <p:txBody>
+          <a:bodyPr wrap="none" rtlCol="0">
+            <a:spAutoFit/>
+          </a:bodyPr>
+          <a:lstStyle/>
+          <a:p>
+            <a:r>
+              <a:rPr lang="en-US" sz="2000" i="1" dirty="0">
+                <a:latin typeface="Century Schoolbook" panose="02040604050505020304" pitchFamily="18" charset="0"/>
+                <a:cs typeface="Times New Roman" panose="02020603050405020304" pitchFamily="18" charset="0"/>
+              </a:rPr>
+              <a:t>v</a:t>
+            </a:r>
+          </a:p>
+        </p:txBody>
+      </p:sp>
+      <p:sp>
+        <p:nvSpPr>
+          <p:cNvPr id="199" name="TextBox 198">
+            <a:extLst>
+              <a:ext uri="{FF2B5EF4-FFF2-40B4-BE49-F238E27FC236}">
+                <a16:creationId xmlns:a16="http://schemas.microsoft.com/office/drawing/2014/main" id="{D620DB36-EA3D-4B6F-BAF6-E3E3287E7C0A}"/>
+              </a:ext>
+            </a:extLst>
+          </p:cNvPr>
+          <p:cNvSpPr txBox="1"/>
+          <p:nvPr/>
+        </p:nvSpPr>
+        <p:spPr>
+          <a:xfrm>
+            <a:off x="8217440" y="3802873"/>
+            <a:ext cx="333746" cy="307777"/>
+          </a:xfrm>
+          <a:prstGeom prst="rect">
+            <a:avLst/>
+          </a:prstGeom>
+          <a:noFill/>
+        </p:spPr>
+        <p:txBody>
+          <a:bodyPr wrap="none" rtlCol="0">
+            <a:spAutoFit/>
+          </a:bodyPr>
+          <a:lstStyle/>
+          <a:p>
+            <a:r>
+              <a:rPr lang="en-US" sz="1400" i="1" dirty="0">
+                <a:latin typeface="Times New Roman" panose="02020603050405020304" pitchFamily="18" charset="0"/>
+                <a:cs typeface="Times New Roman" panose="02020603050405020304" pitchFamily="18" charset="0"/>
+              </a:rPr>
+              <a:t>M</a:t>
+            </a:r>
+          </a:p>
+        </p:txBody>
+      </p:sp>
+      <p:sp>
+        <p:nvSpPr>
+          <p:cNvPr id="22" name="Right Brace 21">
+            <a:extLst>
+              <a:ext uri="{FF2B5EF4-FFF2-40B4-BE49-F238E27FC236}">
+                <a16:creationId xmlns:a16="http://schemas.microsoft.com/office/drawing/2014/main" id="{FEFCFB37-8413-49FC-9790-8B9892627DDB}"/>
+              </a:ext>
+            </a:extLst>
+          </p:cNvPr>
+          <p:cNvSpPr/>
+          <p:nvPr/>
+        </p:nvSpPr>
+        <p:spPr>
+          <a:xfrm>
+            <a:off x="8543980" y="2736207"/>
+            <a:ext cx="202649" cy="1419240"/>
+          </a:xfrm>
+          <a:prstGeom prst="rightBrace">
+            <a:avLst/>
+          </a:prstGeom>
+          <a:ln>
+            <a:solidFill>
+              <a:schemeClr val="tx1"/>
+            </a:solidFill>
+          </a:ln>
+        </p:spPr>
+        <p:style>
+          <a:lnRef idx="1">
+            <a:schemeClr val="accent1"/>
+          </a:lnRef>
+          <a:fillRef idx="0">
+            <a:schemeClr val="accent1"/>
+          </a:fillRef>
+          <a:effectRef idx="0">
+            <a:schemeClr val="accent1"/>
+          </a:effectRef>
+          <a:fontRef idx="minor">
+            <a:schemeClr val="tx1"/>
+          </a:fontRef>
+        </p:style>
+        <p:txBody>
+          <a:bodyPr rtlCol="0" anchor="ctr"/>
+          <a:lstStyle/>
+          <a:p>
+            <a:pPr algn="ctr"/>
+            <a:endParaRPr lang="en-US" sz="1600"/>
+          </a:p>
+        </p:txBody>
+      </p:sp>
+      <p:cxnSp>
+        <p:nvCxnSpPr>
+          <p:cNvPr id="200" name="Straight Arrow Connector 199">
+            <a:extLst>
+              <a:ext uri="{FF2B5EF4-FFF2-40B4-BE49-F238E27FC236}">
+                <a16:creationId xmlns:a16="http://schemas.microsoft.com/office/drawing/2014/main" id="{4002B484-4BE9-40CF-B8C6-26CE8A136435}"/>
+              </a:ext>
+            </a:extLst>
+          </p:cNvPr>
+          <p:cNvCxnSpPr>
+            <a:cxnSpLocks/>
+          </p:cNvCxnSpPr>
+          <p:nvPr/>
+        </p:nvCxnSpPr>
+        <p:spPr>
+          <a:xfrm>
+            <a:off x="8716580" y="3447985"/>
+            <a:ext cx="225505" cy="0"/>
+          </a:xfrm>
+          <a:prstGeom prst="straightConnector1">
+            <a:avLst/>
+          </a:prstGeom>
+          <a:ln w="38100">
+            <a:tailEnd type="triangle"/>
+          </a:ln>
+        </p:spPr>
+        <p:style>
+          <a:lnRef idx="1">
+            <a:schemeClr val="accent1"/>
+          </a:lnRef>
+          <a:fillRef idx="0">
+            <a:schemeClr val="accent1"/>
+          </a:fillRef>
+          <a:effectRef idx="0">
+            <a:schemeClr val="accent1"/>
+          </a:effectRef>
+          <a:fontRef idx="minor">
+            <a:schemeClr val="tx1"/>
+          </a:fontRef>
+        </p:style>
+      </p:cxnSp>
+      <p:grpSp>
+        <p:nvGrpSpPr>
+          <p:cNvPr id="25" name="Group 24">
+            <a:extLst>
+              <a:ext uri="{FF2B5EF4-FFF2-40B4-BE49-F238E27FC236}">
+                <a16:creationId xmlns:a16="http://schemas.microsoft.com/office/drawing/2014/main" id="{E3765558-0D79-6D47-B4C2-BF406B509BDF}"/>
+              </a:ext>
+            </a:extLst>
+          </p:cNvPr>
+          <p:cNvGrpSpPr/>
+          <p:nvPr/>
+        </p:nvGrpSpPr>
+        <p:grpSpPr>
+          <a:xfrm>
+            <a:off x="6305095" y="4021390"/>
+            <a:ext cx="867059" cy="429616"/>
+            <a:chOff x="7566378" y="4803163"/>
+            <a:chExt cx="867059" cy="429616"/>
+          </a:xfrm>
+        </p:grpSpPr>
+        <p:grpSp>
+          <p:nvGrpSpPr>
+            <p:cNvPr id="14" name="Group 13">
+              <a:extLst>
+                <a:ext uri="{FF2B5EF4-FFF2-40B4-BE49-F238E27FC236}">
+                  <a16:creationId xmlns:a16="http://schemas.microsoft.com/office/drawing/2014/main" id="{FFEF16DC-91FB-2603-699B-34F9F0342437}"/>
+                </a:ext>
+              </a:extLst>
+            </p:cNvPr>
+            <p:cNvGrpSpPr/>
+            <p:nvPr/>
+          </p:nvGrpSpPr>
+          <p:grpSpPr>
+            <a:xfrm>
+              <a:off x="8050640" y="4807476"/>
+              <a:ext cx="382797" cy="423041"/>
+              <a:chOff x="6432930" y="4048961"/>
+              <a:chExt cx="382797" cy="423041"/>
+            </a:xfrm>
+          </p:grpSpPr>
+          <p:sp>
+            <p:nvSpPr>
+              <p:cNvPr id="9" name="TextBox 8">
+                <a:extLst>
+                  <a:ext uri="{FF2B5EF4-FFF2-40B4-BE49-F238E27FC236}">
+                    <a16:creationId xmlns:a16="http://schemas.microsoft.com/office/drawing/2014/main" id="{4335788E-2F7D-E3C2-5BC5-521ED48A1217}"/>
+                  </a:ext>
+                </a:extLst>
+              </p:cNvPr>
+              <p:cNvSpPr txBox="1"/>
+              <p:nvPr/>
+            </p:nvSpPr>
+            <p:spPr>
+              <a:xfrm>
+                <a:off x="6432930" y="4048961"/>
+                <a:ext cx="317716" cy="400110"/>
+              </a:xfrm>
+              <a:prstGeom prst="rect">
+                <a:avLst/>
+              </a:prstGeom>
+              <a:noFill/>
+            </p:spPr>
+            <p:txBody>
+              <a:bodyPr wrap="none" rtlCol="0">
+                <a:spAutoFit/>
+              </a:bodyPr>
+              <a:lstStyle/>
+              <a:p>
+                <a:r>
+                  <a:rPr lang="en-US" sz="2000" i="1" dirty="0">
+                    <a:solidFill>
+                      <a:schemeClr val="accent6">
+                        <a:lumMod val="75000"/>
+                      </a:schemeClr>
+                    </a:solidFill>
+                    <a:latin typeface="Century Schoolbook" panose="02040604050505020304" pitchFamily="18" charset="0"/>
+                    <a:cs typeface="Times New Roman" panose="02020603050405020304" pitchFamily="18" charset="0"/>
+                  </a:rPr>
+                  <a:t>v</a:t>
+                </a:r>
+              </a:p>
+            </p:txBody>
+          </p:sp>
+          <p:sp>
+            <p:nvSpPr>
+              <p:cNvPr id="13" name="TextBox 12">
+                <a:extLst>
+                  <a:ext uri="{FF2B5EF4-FFF2-40B4-BE49-F238E27FC236}">
+                    <a16:creationId xmlns:a16="http://schemas.microsoft.com/office/drawing/2014/main" id="{753548A8-D08F-9B40-521F-453E8E36B781}"/>
+                  </a:ext>
+                </a:extLst>
+              </p:cNvPr>
+              <p:cNvSpPr txBox="1"/>
+              <p:nvPr/>
+            </p:nvSpPr>
+            <p:spPr>
+              <a:xfrm>
+                <a:off x="6560529" y="4210392"/>
+                <a:ext cx="255198" cy="261610"/>
+              </a:xfrm>
+              <a:prstGeom prst="rect">
+                <a:avLst/>
+              </a:prstGeom>
+              <a:noFill/>
+            </p:spPr>
+            <p:txBody>
+              <a:bodyPr wrap="none" rtlCol="0">
+                <a:spAutoFit/>
+              </a:bodyPr>
+              <a:lstStyle/>
+              <a:p>
+                <a:r>
+                  <a:rPr lang="en-US" sz="1100" i="1" dirty="0">
+                    <a:solidFill>
+                      <a:schemeClr val="accent6">
+                        <a:lumMod val="75000"/>
+                      </a:schemeClr>
+                    </a:solidFill>
+                    <a:latin typeface="Times New Roman" panose="02020603050405020304" pitchFamily="18" charset="0"/>
+                    <a:cs typeface="Times New Roman" panose="02020603050405020304" pitchFamily="18" charset="0"/>
+                  </a:rPr>
+                  <a:t>4</a:t>
+                </a:r>
+              </a:p>
+            </p:txBody>
+          </p:sp>
+        </p:grpSp>
+        <p:sp>
+          <p:nvSpPr>
+            <p:cNvPr id="17" name="TextBox 16">
+              <a:extLst>
+                <a:ext uri="{FF2B5EF4-FFF2-40B4-BE49-F238E27FC236}">
+                  <a16:creationId xmlns:a16="http://schemas.microsoft.com/office/drawing/2014/main" id="{DF21B201-DFAB-86EA-B097-C8A011ED3AE7}"/>
+                </a:ext>
+              </a:extLst>
+            </p:cNvPr>
+            <p:cNvSpPr txBox="1"/>
+            <p:nvPr/>
+          </p:nvSpPr>
+          <p:spPr>
+            <a:xfrm>
+              <a:off x="7928041" y="4925308"/>
+              <a:ext cx="255198" cy="261610"/>
+            </a:xfrm>
+            <a:prstGeom prst="rect">
+              <a:avLst/>
+            </a:prstGeom>
+            <a:noFill/>
+          </p:spPr>
+          <p:txBody>
+            <a:bodyPr wrap="none" rtlCol="0">
+              <a:spAutoFit/>
+            </a:bodyPr>
+            <a:lstStyle/>
+            <a:p>
+              <a:r>
+                <a:rPr lang="en-US" sz="1100" i="1" dirty="0">
+                  <a:solidFill>
+                    <a:schemeClr val="accent6">
+                      <a:lumMod val="75000"/>
+                    </a:schemeClr>
+                  </a:solidFill>
+                  <a:latin typeface="Arial" panose="020B0604020202020204" pitchFamily="34" charset="0"/>
+                  <a:cs typeface="Arial" panose="020B0604020202020204" pitchFamily="34" charset="0"/>
+                </a:rPr>
+                <a:t>x</a:t>
+              </a:r>
+            </a:p>
+          </p:txBody>
+        </p:sp>
+        <p:sp>
+          <p:nvSpPr>
+            <p:cNvPr id="19" name="TextBox 18">
+              <a:extLst>
+                <a:ext uri="{FF2B5EF4-FFF2-40B4-BE49-F238E27FC236}">
+                  <a16:creationId xmlns:a16="http://schemas.microsoft.com/office/drawing/2014/main" id="{2994B7B6-B776-76C0-EACA-888B36E22E17}"/>
+                </a:ext>
+              </a:extLst>
+            </p:cNvPr>
+            <p:cNvSpPr txBox="1"/>
+            <p:nvPr/>
+          </p:nvSpPr>
+          <p:spPr>
+            <a:xfrm>
+              <a:off x="7566378" y="4803163"/>
+              <a:ext cx="317716" cy="400110"/>
+            </a:xfrm>
+            <a:prstGeom prst="rect">
+              <a:avLst/>
+            </a:prstGeom>
+            <a:noFill/>
+          </p:spPr>
+          <p:txBody>
+            <a:bodyPr wrap="none" rtlCol="0">
+              <a:spAutoFit/>
+            </a:bodyPr>
+            <a:lstStyle/>
+            <a:p>
+              <a:r>
+                <a:rPr lang="en-US" sz="2000" i="1" dirty="0">
+                  <a:latin typeface="Century Schoolbook" panose="02040604050505020304" pitchFamily="18" charset="0"/>
+                  <a:cs typeface="Times New Roman" panose="02020603050405020304" pitchFamily="18" charset="0"/>
+                </a:rPr>
+                <a:t>v</a:t>
+              </a:r>
+            </a:p>
+          </p:txBody>
+        </p:sp>
+        <p:sp>
+          <p:nvSpPr>
+            <p:cNvPr id="20" name="TextBox 19">
+              <a:extLst>
+                <a:ext uri="{FF2B5EF4-FFF2-40B4-BE49-F238E27FC236}">
+                  <a16:creationId xmlns:a16="http://schemas.microsoft.com/office/drawing/2014/main" id="{56941739-C134-F1C4-64B9-291F549273AA}"/>
+                </a:ext>
+              </a:extLst>
+            </p:cNvPr>
+            <p:cNvSpPr txBox="1"/>
+            <p:nvPr/>
+          </p:nvSpPr>
+          <p:spPr>
+            <a:xfrm>
+              <a:off x="7676447" y="4917471"/>
+              <a:ext cx="395926" cy="315308"/>
+            </a:xfrm>
+            <a:prstGeom prst="rect">
+              <a:avLst/>
+            </a:prstGeom>
+            <a:noFill/>
+          </p:spPr>
+          <p:txBody>
+            <a:bodyPr wrap="square" rtlCol="0">
+              <a:spAutoFit/>
+            </a:bodyPr>
+            <a:lstStyle/>
+            <a:p>
+              <a:r>
+                <a:rPr lang="en-US" sz="1400" i="1" dirty="0">
+                  <a:latin typeface="Times New Roman" panose="02020603050405020304" pitchFamily="18" charset="0"/>
+                  <a:cs typeface="Times New Roman" panose="02020603050405020304" pitchFamily="18" charset="0"/>
+                </a:rPr>
+                <a:t>ctx</a:t>
+              </a:r>
+            </a:p>
+          </p:txBody>
+        </p:sp>
+      </p:grpSp>
+      <p:sp>
+        <p:nvSpPr>
+          <p:cNvPr id="23" name="TextBox 22">
+            <a:extLst>
+              <a:ext uri="{FF2B5EF4-FFF2-40B4-BE49-F238E27FC236}">
+                <a16:creationId xmlns:a16="http://schemas.microsoft.com/office/drawing/2014/main" id="{9F951796-B626-AD03-EF82-7DBD5331F124}"/>
+              </a:ext>
+            </a:extLst>
+          </p:cNvPr>
+          <p:cNvSpPr txBox="1"/>
+          <p:nvPr/>
+        </p:nvSpPr>
+        <p:spPr>
+          <a:xfrm>
+            <a:off x="783641" y="2253554"/>
+            <a:ext cx="204696" cy="276999"/>
+          </a:xfrm>
+          <a:prstGeom prst="rect">
+            <a:avLst/>
+          </a:prstGeom>
+          <a:noFill/>
+        </p:spPr>
+        <p:txBody>
+          <a:bodyPr wrap="square" rtlCol="0">
+            <a:spAutoFit/>
+          </a:bodyPr>
+          <a:lstStyle/>
+          <a:p>
+            <a:r>
+              <a:rPr lang="en-US" sz="1200" i="1" dirty="0">
+                <a:latin typeface="Times New Roman" panose="02020603050405020304" pitchFamily="18" charset="0"/>
+                <a:cs typeface="Times New Roman" panose="02020603050405020304" pitchFamily="18" charset="0"/>
+              </a:rPr>
+              <a:t>2</a:t>
+            </a:r>
+          </a:p>
+        </p:txBody>
+      </p:sp>
+      <p:sp>
+        <p:nvSpPr>
+          <p:cNvPr id="26" name="TextBox 25">
+            <a:extLst>
+              <a:ext uri="{FF2B5EF4-FFF2-40B4-BE49-F238E27FC236}">
+                <a16:creationId xmlns:a16="http://schemas.microsoft.com/office/drawing/2014/main" id="{53D60858-B4D1-A99C-0824-0F93EDA5A265}"/>
+              </a:ext>
+            </a:extLst>
+          </p:cNvPr>
+          <p:cNvSpPr txBox="1"/>
+          <p:nvPr/>
+        </p:nvSpPr>
+        <p:spPr>
+          <a:xfrm>
+            <a:off x="279432" y="2863175"/>
+            <a:ext cx="204696" cy="276999"/>
+          </a:xfrm>
+          <a:prstGeom prst="rect">
+            <a:avLst/>
+          </a:prstGeom>
+          <a:noFill/>
+        </p:spPr>
+        <p:txBody>
+          <a:bodyPr wrap="square" rtlCol="0">
+            <a:spAutoFit/>
+          </a:bodyPr>
+          <a:lstStyle/>
+          <a:p>
+            <a:r>
+              <a:rPr lang="en-US" sz="1200" i="1" dirty="0">
+                <a:latin typeface="Times New Roman" panose="02020603050405020304" pitchFamily="18" charset="0"/>
+                <a:cs typeface="Times New Roman" panose="02020603050405020304" pitchFamily="18" charset="0"/>
+              </a:rPr>
+              <a:t>5</a:t>
+            </a:r>
+          </a:p>
+        </p:txBody>
+      </p:sp>
+      <p:sp>
+        <p:nvSpPr>
+          <p:cNvPr id="27" name="TextBox 26">
+            <a:extLst>
+              <a:ext uri="{FF2B5EF4-FFF2-40B4-BE49-F238E27FC236}">
+                <a16:creationId xmlns:a16="http://schemas.microsoft.com/office/drawing/2014/main" id="{6B905F07-5773-9B82-005D-1FA31E9CE58A}"/>
+              </a:ext>
+            </a:extLst>
+          </p:cNvPr>
+          <p:cNvSpPr txBox="1"/>
+          <p:nvPr/>
+        </p:nvSpPr>
+        <p:spPr>
+          <a:xfrm>
+            <a:off x="1262480" y="2877486"/>
+            <a:ext cx="204696" cy="276999"/>
+          </a:xfrm>
+          <a:prstGeom prst="rect">
+            <a:avLst/>
+          </a:prstGeom>
+          <a:noFill/>
+        </p:spPr>
+        <p:txBody>
+          <a:bodyPr wrap="square" rtlCol="0">
+            <a:spAutoFit/>
+          </a:bodyPr>
+          <a:lstStyle/>
+          <a:p>
+            <a:r>
+              <a:rPr lang="en-US" sz="1200" i="1" dirty="0">
+                <a:solidFill>
+                  <a:srgbClr val="FF0000"/>
+                </a:solidFill>
+                <a:latin typeface="Times New Roman" panose="02020603050405020304" pitchFamily="18" charset="0"/>
+                <a:cs typeface="Times New Roman" panose="02020603050405020304" pitchFamily="18" charset="0"/>
+              </a:rPr>
+              <a:t>3</a:t>
+            </a:r>
+          </a:p>
+        </p:txBody>
+      </p:sp>
+      <p:sp>
+        <p:nvSpPr>
+          <p:cNvPr id="28" name="TextBox 27">
+            <a:extLst>
+              <a:ext uri="{FF2B5EF4-FFF2-40B4-BE49-F238E27FC236}">
+                <a16:creationId xmlns:a16="http://schemas.microsoft.com/office/drawing/2014/main" id="{C9A28ABB-4A12-48A7-75C0-762D1A00B602}"/>
+              </a:ext>
+            </a:extLst>
+          </p:cNvPr>
+          <p:cNvSpPr txBox="1"/>
+          <p:nvPr/>
+        </p:nvSpPr>
+        <p:spPr>
+          <a:xfrm>
+            <a:off x="285024" y="3608445"/>
+            <a:ext cx="204696" cy="276999"/>
+          </a:xfrm>
+          <a:prstGeom prst="rect">
+            <a:avLst/>
+          </a:prstGeom>
+          <a:noFill/>
+        </p:spPr>
+        <p:txBody>
+          <a:bodyPr wrap="square" rtlCol="0">
+            <a:spAutoFit/>
+          </a:bodyPr>
+          <a:lstStyle/>
+          <a:p>
+            <a:r>
+              <a:rPr lang="en-US" sz="1200" i="1" dirty="0">
+                <a:latin typeface="Times New Roman" panose="02020603050405020304" pitchFamily="18" charset="0"/>
+                <a:cs typeface="Times New Roman" panose="02020603050405020304" pitchFamily="18" charset="0"/>
+              </a:rPr>
+              <a:t>7</a:t>
+            </a:r>
+          </a:p>
+        </p:txBody>
+      </p:sp>
+      <p:sp>
+        <p:nvSpPr>
+          <p:cNvPr id="29" name="TextBox 28">
+            <a:extLst>
+              <a:ext uri="{FF2B5EF4-FFF2-40B4-BE49-F238E27FC236}">
+                <a16:creationId xmlns:a16="http://schemas.microsoft.com/office/drawing/2014/main" id="{4A7A992B-C072-1A23-E574-CA593E83903F}"/>
+              </a:ext>
+            </a:extLst>
+          </p:cNvPr>
+          <p:cNvSpPr txBox="1"/>
+          <p:nvPr/>
+        </p:nvSpPr>
+        <p:spPr>
+          <a:xfrm>
+            <a:off x="1281362" y="3596243"/>
+            <a:ext cx="204696" cy="276999"/>
+          </a:xfrm>
+          <a:prstGeom prst="rect">
+            <a:avLst/>
+          </a:prstGeom>
+          <a:noFill/>
+        </p:spPr>
+        <p:txBody>
+          <a:bodyPr wrap="square" rtlCol="0">
+            <a:spAutoFit/>
+          </a:bodyPr>
+          <a:lstStyle/>
+          <a:p>
+            <a:r>
+              <a:rPr lang="en-US" sz="1200" i="1" dirty="0">
+                <a:solidFill>
+                  <a:schemeClr val="accent6">
+                    <a:lumMod val="75000"/>
+                  </a:schemeClr>
+                </a:solidFill>
+                <a:latin typeface="Times New Roman" panose="02020603050405020304" pitchFamily="18" charset="0"/>
+                <a:cs typeface="Times New Roman" panose="02020603050405020304" pitchFamily="18" charset="0"/>
+              </a:rPr>
+              <a:t>4</a:t>
+            </a:r>
+          </a:p>
+        </p:txBody>
+      </p:sp>
+      <p:sp>
+        <p:nvSpPr>
+          <p:cNvPr id="30" name="TextBox 29">
+            <a:extLst>
+              <a:ext uri="{FF2B5EF4-FFF2-40B4-BE49-F238E27FC236}">
+                <a16:creationId xmlns:a16="http://schemas.microsoft.com/office/drawing/2014/main" id="{403FC1CA-D324-C885-3B83-9904E30B867D}"/>
+              </a:ext>
+            </a:extLst>
+          </p:cNvPr>
+          <p:cNvSpPr txBox="1"/>
+          <p:nvPr/>
+        </p:nvSpPr>
+        <p:spPr>
+          <a:xfrm>
+            <a:off x="8350271" y="2985593"/>
+            <a:ext cx="204696" cy="276999"/>
+          </a:xfrm>
+          <a:prstGeom prst="rect">
+            <a:avLst/>
+          </a:prstGeom>
+          <a:noFill/>
+        </p:spPr>
+        <p:txBody>
+          <a:bodyPr wrap="square" rtlCol="0">
+            <a:spAutoFit/>
+          </a:bodyPr>
+          <a:lstStyle/>
+          <a:p>
+            <a:r>
+              <a:rPr lang="en-US" sz="1200" i="1" dirty="0">
+                <a:latin typeface="Times New Roman" panose="02020603050405020304" pitchFamily="18" charset="0"/>
+                <a:cs typeface="Times New Roman" panose="02020603050405020304" pitchFamily="18" charset="0"/>
+              </a:rPr>
+              <a:t>1</a:t>
+            </a:r>
+          </a:p>
+        </p:txBody>
+      </p:sp>
+      <p:sp>
+        <p:nvSpPr>
+          <p:cNvPr id="31" name="TextBox 30">
+            <a:extLst>
+              <a:ext uri="{FF2B5EF4-FFF2-40B4-BE49-F238E27FC236}">
+                <a16:creationId xmlns:a16="http://schemas.microsoft.com/office/drawing/2014/main" id="{C98F0E64-B5E4-736C-78A5-18BAA7250380}"/>
+              </a:ext>
+            </a:extLst>
+          </p:cNvPr>
+          <p:cNvSpPr txBox="1"/>
+          <p:nvPr/>
+        </p:nvSpPr>
+        <p:spPr>
+          <a:xfrm>
+            <a:off x="8369530" y="3857270"/>
+            <a:ext cx="204696" cy="276999"/>
+          </a:xfrm>
+          <a:prstGeom prst="rect">
+            <a:avLst/>
+          </a:prstGeom>
+          <a:noFill/>
+        </p:spPr>
+        <p:txBody>
+          <a:bodyPr wrap="square" rtlCol="0">
+            <a:spAutoFit/>
+          </a:bodyPr>
+          <a:lstStyle/>
+          <a:p>
+            <a:r>
+              <a:rPr lang="en-US" sz="1200" i="1" dirty="0">
+                <a:latin typeface="Times New Roman" panose="02020603050405020304" pitchFamily="18" charset="0"/>
+                <a:cs typeface="Times New Roman" panose="02020603050405020304" pitchFamily="18" charset="0"/>
+              </a:rPr>
+              <a:t>n</a:t>
+            </a:r>
+          </a:p>
+        </p:txBody>
+      </p:sp>
+    </p:spTree>
+    <p:extLst>
+      <p:ext uri="{BB962C8B-B14F-4D97-AF65-F5344CB8AC3E}">
+        <p14:creationId xmlns:p14="http://schemas.microsoft.com/office/powerpoint/2010/main" val="3846163490"/>
+      </p:ext>
+    </p:extLst>
+  </p:cSld>
+  <p:clrMapOvr>
+    <a:masterClrMapping/>
+  </p:clrMapOvr>
+</p:sld>
+</file>
+
 <file path=ppt/slides/slide2.xml><?xml version="1.0" encoding="utf-8"?>
 <p:sld xmlns:a="http://schemas.openxmlformats.org/drawingml/2006/main" xmlns:r="http://schemas.openxmlformats.org/officeDocument/2006/relationships" xmlns:p="http://schemas.openxmlformats.org/presentationml/2006/main">
   <p:cSld>

--- a/graphs/graphs.pptx
+++ b/graphs/graphs.pptx
@@ -275,7 +275,7 @@
           <a:p>
             <a:fld id="{F0C581FB-8A15-4138-AF72-01C2FB61CC8B}" type="datetimeFigureOut">
               <a:rPr lang="en-US" smtClean="0"/>
-              <a:t>8/21/2023</a:t>
+              <a:t>11/2/2023</a:t>
             </a:fld>
             <a:endParaRPr lang="en-US" dirty="0"/>
           </a:p>
@@ -473,7 +473,7 @@
           <a:p>
             <a:fld id="{F0C581FB-8A15-4138-AF72-01C2FB61CC8B}" type="datetimeFigureOut">
               <a:rPr lang="en-US" smtClean="0"/>
-              <a:t>8/21/2023</a:t>
+              <a:t>11/2/2023</a:t>
             </a:fld>
             <a:endParaRPr lang="en-US" dirty="0"/>
           </a:p>
@@ -681,7 +681,7 @@
           <a:p>
             <a:fld id="{F0C581FB-8A15-4138-AF72-01C2FB61CC8B}" type="datetimeFigureOut">
               <a:rPr lang="en-US" smtClean="0"/>
-              <a:t>8/21/2023</a:t>
+              <a:t>11/2/2023</a:t>
             </a:fld>
             <a:endParaRPr lang="en-US" dirty="0"/>
           </a:p>
@@ -879,7 +879,7 @@
           <a:p>
             <a:fld id="{F0C581FB-8A15-4138-AF72-01C2FB61CC8B}" type="datetimeFigureOut">
               <a:rPr lang="en-US" smtClean="0"/>
-              <a:t>8/21/2023</a:t>
+              <a:t>11/2/2023</a:t>
             </a:fld>
             <a:endParaRPr lang="en-US" dirty="0"/>
           </a:p>
@@ -1154,7 +1154,7 @@
           <a:p>
             <a:fld id="{F0C581FB-8A15-4138-AF72-01C2FB61CC8B}" type="datetimeFigureOut">
               <a:rPr lang="en-US" smtClean="0"/>
-              <a:t>8/21/2023</a:t>
+              <a:t>11/2/2023</a:t>
             </a:fld>
             <a:endParaRPr lang="en-US" dirty="0"/>
           </a:p>
@@ -1419,7 +1419,7 @@
           <a:p>
             <a:fld id="{F0C581FB-8A15-4138-AF72-01C2FB61CC8B}" type="datetimeFigureOut">
               <a:rPr lang="en-US" smtClean="0"/>
-              <a:t>8/21/2023</a:t>
+              <a:t>11/2/2023</a:t>
             </a:fld>
             <a:endParaRPr lang="en-US" dirty="0"/>
           </a:p>
@@ -1831,7 +1831,7 @@
           <a:p>
             <a:fld id="{F0C581FB-8A15-4138-AF72-01C2FB61CC8B}" type="datetimeFigureOut">
               <a:rPr lang="en-US" smtClean="0"/>
-              <a:t>8/21/2023</a:t>
+              <a:t>11/2/2023</a:t>
             </a:fld>
             <a:endParaRPr lang="en-US" dirty="0"/>
           </a:p>
@@ -1972,7 +1972,7 @@
           <a:p>
             <a:fld id="{F0C581FB-8A15-4138-AF72-01C2FB61CC8B}" type="datetimeFigureOut">
               <a:rPr lang="en-US" smtClean="0"/>
-              <a:t>8/21/2023</a:t>
+              <a:t>11/2/2023</a:t>
             </a:fld>
             <a:endParaRPr lang="en-US" dirty="0"/>
           </a:p>
@@ -2085,7 +2085,7 @@
           <a:p>
             <a:fld id="{F0C581FB-8A15-4138-AF72-01C2FB61CC8B}" type="datetimeFigureOut">
               <a:rPr lang="en-US" smtClean="0"/>
-              <a:t>8/21/2023</a:t>
+              <a:t>11/2/2023</a:t>
             </a:fld>
             <a:endParaRPr lang="en-US" dirty="0"/>
           </a:p>
@@ -2396,7 +2396,7 @@
           <a:p>
             <a:fld id="{F0C581FB-8A15-4138-AF72-01C2FB61CC8B}" type="datetimeFigureOut">
               <a:rPr lang="en-US" smtClean="0"/>
-              <a:t>8/21/2023</a:t>
+              <a:t>11/2/2023</a:t>
             </a:fld>
             <a:endParaRPr lang="en-US" dirty="0"/>
           </a:p>
@@ -2684,7 +2684,7 @@
           <a:p>
             <a:fld id="{F0C581FB-8A15-4138-AF72-01C2FB61CC8B}" type="datetimeFigureOut">
               <a:rPr lang="en-US" smtClean="0"/>
-              <a:t>8/21/2023</a:t>
+              <a:t>11/2/2023</a:t>
             </a:fld>
             <a:endParaRPr lang="en-US" dirty="0"/>
           </a:p>
@@ -2925,7 +2925,7 @@
           <a:p>
             <a:fld id="{F0C581FB-8A15-4138-AF72-01C2FB61CC8B}" type="datetimeFigureOut">
               <a:rPr lang="en-US" smtClean="0"/>
-              <a:t>8/21/2023</a:t>
+              <a:t>11/2/2023</a:t>
             </a:fld>
             <a:endParaRPr lang="en-US" dirty="0"/>
           </a:p>
@@ -40758,7 +40758,7 @@
             </a:r>
             <a:r>
               <a:rPr lang="en-US" sz="1400" b="1" dirty="0"/>
-              <a:t>CAT</a:t>
+              <a:t>VDA</a:t>
             </a:r>
           </a:p>
           <a:p>
@@ -40806,7 +40806,7 @@
           <a:p>
             <a:r>
               <a:rPr lang="en-US" sz="1400" b="1" dirty="0"/>
-              <a:t>CAT</a:t>
+              <a:t>VDA</a:t>
             </a:r>
             <a:r>
               <a:rPr lang="en-US" sz="1400" dirty="0"/>
@@ -40951,7 +40951,7 @@
             </a:r>
             <a:r>
               <a:rPr lang="en-US" sz="1400" b="1" dirty="0"/>
-              <a:t>CAT</a:t>
+              <a:t>VDA</a:t>
             </a:r>
             <a:r>
               <a:rPr lang="en-US" sz="1400" dirty="0"/>
@@ -41129,7 +41129,7 @@
         <p:spPr>
           <a:xfrm>
             <a:off x="-28620" y="4333037"/>
-            <a:ext cx="462371" cy="307777"/>
+            <a:ext cx="509050" cy="307777"/>
           </a:xfrm>
           <a:prstGeom prst="rect">
             <a:avLst/>
@@ -41144,7 +41144,7 @@
           <a:p>
             <a:r>
               <a:rPr lang="en-US" sz="1400" b="1" dirty="0"/>
-              <a:t>CAT</a:t>
+              <a:t>VDA</a:t>
             </a:r>
           </a:p>
         </p:txBody>
@@ -42068,7 +42068,7 @@
             </a:r>
             <a:r>
               <a:rPr lang="en-US" sz="1400" b="1" dirty="0"/>
-              <a:t>CAT</a:t>
+              <a:t>VDA</a:t>
             </a:r>
             <a:r>
               <a:rPr lang="en-US" sz="1400" dirty="0"/>
@@ -42196,7 +42196,7 @@
         <p:spPr>
           <a:xfrm>
             <a:off x="-28620" y="4333037"/>
-            <a:ext cx="462371" cy="307777"/>
+            <a:ext cx="509050" cy="307777"/>
           </a:xfrm>
           <a:prstGeom prst="rect">
             <a:avLst/>
@@ -42211,7 +42211,7 @@
           <a:p>
             <a:r>
               <a:rPr lang="en-US" sz="1400" b="1" dirty="0"/>
-              <a:t>CAT</a:t>
+              <a:t>VDA</a:t>
             </a:r>
           </a:p>
         </p:txBody>
@@ -42669,7 +42669,7 @@
             </a:r>
             <a:r>
               <a:rPr lang="en-US" sz="1400" b="1" dirty="0"/>
-              <a:t>CAT</a:t>
+              <a:t>VDA</a:t>
             </a:r>
           </a:p>
           <a:p>
@@ -42942,7 +42942,7 @@
           <a:p>
             <a:r>
               <a:rPr lang="en-US" sz="1400" b="1" dirty="0"/>
-              <a:t>CAT</a:t>
+              <a:t>VDA</a:t>
             </a:r>
             <a:r>
               <a:rPr lang="en-US" sz="1400" dirty="0"/>
@@ -43535,16 +43535,20 @@
           <a:p>
             <a:pPr algn="ctr"/>
             <a:r>
-              <a:rPr lang="en-US" sz="1400" dirty="0"/>
+              <a:rPr lang="en-US" sz="1400"/>
               <a:t>from </a:t>
             </a:r>
             <a:r>
-              <a:rPr lang="en-US" sz="1400" b="1" dirty="0"/>
-              <a:t>CAT</a:t>
+              <a:rPr lang="en-US" sz="1400" b="1"/>
+              <a:t>VDA</a:t>
+            </a:r>
+            <a:r>
+              <a:rPr lang="en-US" sz="1400"/>
+              <a:t> </a:t>
             </a:r>
             <a:r>
               <a:rPr lang="en-US" sz="1400" dirty="0"/>
-              <a:t> and </a:t>
+              <a:t>and </a:t>
             </a:r>
             <a:r>
               <a:rPr lang="en-US" sz="1400" b="1" dirty="0"/>
@@ -43668,7 +43672,7 @@
         <p:spPr>
           <a:xfrm>
             <a:off x="-28620" y="4333037"/>
-            <a:ext cx="462371" cy="307777"/>
+            <a:ext cx="509050" cy="307777"/>
           </a:xfrm>
           <a:prstGeom prst="rect">
             <a:avLst/>
@@ -43683,7 +43687,7 @@
           <a:p>
             <a:r>
               <a:rPr lang="en-US" sz="1400" b="1" dirty="0"/>
-              <a:t>CAT</a:t>
+              <a:t>VDA</a:t>
             </a:r>
           </a:p>
         </p:txBody>
@@ -44141,7 +44145,7 @@
             </a:r>
             <a:r>
               <a:rPr lang="en-US" sz="1400" b="1" dirty="0"/>
-              <a:t>CAT</a:t>
+              <a:t>VDA</a:t>
             </a:r>
           </a:p>
           <a:p>
@@ -44326,7 +44330,7 @@
           <a:p>
             <a:r>
               <a:rPr lang="en-US" sz="1400" b="1" dirty="0"/>
-              <a:t>CAT</a:t>
+              <a:t>VDA</a:t>
             </a:r>
             <a:r>
               <a:rPr lang="en-US" sz="1400" dirty="0"/>
